--- a/Presentation.pptx
+++ b/Presentation.pptx
@@ -9,30 +9,34 @@
     <p:sldId id="257" r:id="rId3"/>
     <p:sldId id="258" r:id="rId4"/>
     <p:sldId id="259" r:id="rId5"/>
-    <p:sldId id="260" r:id="rId6"/>
-    <p:sldId id="261" r:id="rId7"/>
-    <p:sldId id="262" r:id="rId8"/>
-    <p:sldId id="263" r:id="rId9"/>
-    <p:sldId id="264" r:id="rId10"/>
-    <p:sldId id="265" r:id="rId11"/>
-    <p:sldId id="266" r:id="rId12"/>
-    <p:sldId id="275" r:id="rId13"/>
-    <p:sldId id="268" r:id="rId14"/>
-    <p:sldId id="267" r:id="rId15"/>
-    <p:sldId id="269" r:id="rId16"/>
-    <p:sldId id="270" r:id="rId17"/>
-    <p:sldId id="274" r:id="rId18"/>
-    <p:sldId id="271" r:id="rId19"/>
-    <p:sldId id="272" r:id="rId20"/>
-    <p:sldId id="273" r:id="rId21"/>
-    <p:sldId id="276" r:id="rId22"/>
-    <p:sldId id="277" r:id="rId23"/>
-    <p:sldId id="278" r:id="rId24"/>
-    <p:sldId id="282" r:id="rId25"/>
-    <p:sldId id="280" r:id="rId26"/>
-    <p:sldId id="283" r:id="rId27"/>
-    <p:sldId id="279" r:id="rId28"/>
-    <p:sldId id="281" r:id="rId29"/>
+    <p:sldId id="284" r:id="rId6"/>
+    <p:sldId id="260" r:id="rId7"/>
+    <p:sldId id="285" r:id="rId8"/>
+    <p:sldId id="286" r:id="rId9"/>
+    <p:sldId id="288" r:id="rId10"/>
+    <p:sldId id="287" r:id="rId11"/>
+    <p:sldId id="262" r:id="rId12"/>
+    <p:sldId id="263" r:id="rId13"/>
+    <p:sldId id="264" r:id="rId14"/>
+    <p:sldId id="265" r:id="rId15"/>
+    <p:sldId id="266" r:id="rId16"/>
+    <p:sldId id="275" r:id="rId17"/>
+    <p:sldId id="268" r:id="rId18"/>
+    <p:sldId id="267" r:id="rId19"/>
+    <p:sldId id="269" r:id="rId20"/>
+    <p:sldId id="270" r:id="rId21"/>
+    <p:sldId id="274" r:id="rId22"/>
+    <p:sldId id="271" r:id="rId23"/>
+    <p:sldId id="272" r:id="rId24"/>
+    <p:sldId id="273" r:id="rId25"/>
+    <p:sldId id="276" r:id="rId26"/>
+    <p:sldId id="277" r:id="rId27"/>
+    <p:sldId id="278" r:id="rId28"/>
+    <p:sldId id="282" r:id="rId29"/>
+    <p:sldId id="280" r:id="rId30"/>
+    <p:sldId id="283" r:id="rId31"/>
+    <p:sldId id="279" r:id="rId32"/>
+    <p:sldId id="281" r:id="rId33"/>
   </p:sldIdLst>
   <p:sldSz cx="12192000" cy="6858000"/>
   <p:notesSz cx="6858000" cy="9144000"/>
@@ -142,7 +146,7 @@
 <file path=ppt/revisionInfo.xml><?xml version="1.0" encoding="utf-8"?>
 <p1510:revInfo xmlns:a="http://schemas.openxmlformats.org/drawingml/2006/main" xmlns:r="http://schemas.openxmlformats.org/officeDocument/2006/relationships" xmlns:p1510="http://schemas.microsoft.com/office/powerpoint/2015/10/main">
   <p1510:revLst>
-    <p1510:client id="{E1B8F64D-7ED7-4215-AF02-B617306969C4}" v="76" dt="2019-06-12T20:46:53.539"/>
+    <p1510:client id="{E1B8F64D-7ED7-4215-AF02-B617306969C4}" v="90" dt="2019-06-13T20:58:01.169"/>
   </p1510:revLst>
 </p1510:revInfo>
 </file>
@@ -152,10 +156,158 @@
   <pc:docChgLst>
     <pc:chgData name="Michael Hudson" userId="db3fa30aacaa9c07" providerId="LiveId" clId="{E1B8F64D-7ED7-4215-AF02-B617306969C4}"/>
     <pc:docChg chg="undo custSel mod addSld delSld modSld sldOrd">
-      <pc:chgData name="Michael Hudson" userId="db3fa30aacaa9c07" providerId="LiveId" clId="{E1B8F64D-7ED7-4215-AF02-B617306969C4}" dt="2019-06-12T20:47:39.478" v="4457" actId="20577"/>
+      <pc:chgData name="Michael Hudson" userId="db3fa30aacaa9c07" providerId="LiveId" clId="{E1B8F64D-7ED7-4215-AF02-B617306969C4}" dt="2019-06-13T20:58:08.441" v="6702" actId="27636"/>
       <pc:docMkLst>
         <pc:docMk/>
       </pc:docMkLst>
+      <pc:sldChg chg="modSp">
+        <pc:chgData name="Michael Hudson" userId="db3fa30aacaa9c07" providerId="LiveId" clId="{E1B8F64D-7ED7-4215-AF02-B617306969C4}" dt="2019-06-13T20:52:57.456" v="6305" actId="20577"/>
+        <pc:sldMkLst>
+          <pc:docMk/>
+          <pc:sldMk cId="60071101" sldId="258"/>
+        </pc:sldMkLst>
+        <pc:spChg chg="mod">
+          <ac:chgData name="Michael Hudson" userId="db3fa30aacaa9c07" providerId="LiveId" clId="{E1B8F64D-7ED7-4215-AF02-B617306969C4}" dt="2019-06-13T20:52:57.456" v="6305" actId="20577"/>
+          <ac:spMkLst>
+            <pc:docMk/>
+            <pc:sldMk cId="60071101" sldId="258"/>
+            <ac:spMk id="3" creationId="{48C686C2-6B86-408D-8C17-C49BBBD62072}"/>
+          </ac:spMkLst>
+        </pc:spChg>
+      </pc:sldChg>
+      <pc:sldChg chg="addSp delSp modSp mod ord setBg">
+        <pc:chgData name="Michael Hudson" userId="db3fa30aacaa9c07" providerId="LiveId" clId="{E1B8F64D-7ED7-4215-AF02-B617306969C4}" dt="2019-06-13T20:22:27.830" v="4708" actId="1076"/>
+        <pc:sldMkLst>
+          <pc:docMk/>
+          <pc:sldMk cId="4105955819" sldId="260"/>
+        </pc:sldMkLst>
+        <pc:spChg chg="mod">
+          <ac:chgData name="Michael Hudson" userId="db3fa30aacaa9c07" providerId="LiveId" clId="{E1B8F64D-7ED7-4215-AF02-B617306969C4}" dt="2019-06-13T20:20:48.647" v="4687" actId="26606"/>
+          <ac:spMkLst>
+            <pc:docMk/>
+            <pc:sldMk cId="4105955819" sldId="260"/>
+            <ac:spMk id="2" creationId="{D66E4308-8725-4F22-8640-9413B3B51C7D}"/>
+          </ac:spMkLst>
+        </pc:spChg>
+        <pc:spChg chg="mod">
+          <ac:chgData name="Michael Hudson" userId="db3fa30aacaa9c07" providerId="LiveId" clId="{E1B8F64D-7ED7-4215-AF02-B617306969C4}" dt="2019-06-13T20:20:48.647" v="4687" actId="26606"/>
+          <ac:spMkLst>
+            <pc:docMk/>
+            <pc:sldMk cId="4105955819" sldId="260"/>
+            <ac:spMk id="3" creationId="{AE549EA2-12AF-4C52-8B3F-26D535DB26B4}"/>
+          </ac:spMkLst>
+        </pc:spChg>
+        <pc:spChg chg="add">
+          <ac:chgData name="Michael Hudson" userId="db3fa30aacaa9c07" providerId="LiveId" clId="{E1B8F64D-7ED7-4215-AF02-B617306969C4}" dt="2019-06-13T20:20:48.647" v="4687" actId="26606"/>
+          <ac:spMkLst>
+            <pc:docMk/>
+            <pc:sldMk cId="4105955819" sldId="260"/>
+            <ac:spMk id="14" creationId="{3F088236-D655-4F88-B238-E16762358025}"/>
+          </ac:spMkLst>
+        </pc:spChg>
+        <pc:spChg chg="add">
+          <ac:chgData name="Michael Hudson" userId="db3fa30aacaa9c07" providerId="LiveId" clId="{E1B8F64D-7ED7-4215-AF02-B617306969C4}" dt="2019-06-13T20:20:48.647" v="4687" actId="26606"/>
+          <ac:spMkLst>
+            <pc:docMk/>
+            <pc:sldMk cId="4105955819" sldId="260"/>
+            <ac:spMk id="16" creationId="{3DAC0C92-199E-475C-9390-119A9B027276}"/>
+          </ac:spMkLst>
+        </pc:spChg>
+        <pc:spChg chg="add">
+          <ac:chgData name="Michael Hudson" userId="db3fa30aacaa9c07" providerId="LiveId" clId="{E1B8F64D-7ED7-4215-AF02-B617306969C4}" dt="2019-06-13T20:20:48.647" v="4687" actId="26606"/>
+          <ac:spMkLst>
+            <pc:docMk/>
+            <pc:sldMk cId="4105955819" sldId="260"/>
+            <ac:spMk id="18" creationId="{C4CFB339-0ED8-4FE2-9EF1-6D1375B8499B}"/>
+          </ac:spMkLst>
+        </pc:spChg>
+        <pc:spChg chg="add">
+          <ac:chgData name="Michael Hudson" userId="db3fa30aacaa9c07" providerId="LiveId" clId="{E1B8F64D-7ED7-4215-AF02-B617306969C4}" dt="2019-06-13T20:20:48.647" v="4687" actId="26606"/>
+          <ac:spMkLst>
+            <pc:docMk/>
+            <pc:sldMk cId="4105955819" sldId="260"/>
+            <ac:spMk id="20" creationId="{31896C80-2069-4431-9C19-83B913734490}"/>
+          </ac:spMkLst>
+        </pc:spChg>
+        <pc:spChg chg="add">
+          <ac:chgData name="Michael Hudson" userId="db3fa30aacaa9c07" providerId="LiveId" clId="{E1B8F64D-7ED7-4215-AF02-B617306969C4}" dt="2019-06-13T20:20:48.647" v="4687" actId="26606"/>
+          <ac:spMkLst>
+            <pc:docMk/>
+            <pc:sldMk cId="4105955819" sldId="260"/>
+            <ac:spMk id="22" creationId="{BF120A21-0841-4823-B0C4-28AEBCEF9B78}"/>
+          </ac:spMkLst>
+        </pc:spChg>
+        <pc:spChg chg="add">
+          <ac:chgData name="Michael Hudson" userId="db3fa30aacaa9c07" providerId="LiveId" clId="{E1B8F64D-7ED7-4215-AF02-B617306969C4}" dt="2019-06-13T20:20:48.647" v="4687" actId="26606"/>
+          <ac:spMkLst>
+            <pc:docMk/>
+            <pc:sldMk cId="4105955819" sldId="260"/>
+            <ac:spMk id="24" creationId="{DBB05BAE-BBD3-4289-899F-A6851503C6B0}"/>
+          </ac:spMkLst>
+        </pc:spChg>
+        <pc:spChg chg="add">
+          <ac:chgData name="Michael Hudson" userId="db3fa30aacaa9c07" providerId="LiveId" clId="{E1B8F64D-7ED7-4215-AF02-B617306969C4}" dt="2019-06-13T20:20:48.647" v="4687" actId="26606"/>
+          <ac:spMkLst>
+            <pc:docMk/>
+            <pc:sldMk cId="4105955819" sldId="260"/>
+            <ac:spMk id="26" creationId="{9874D11C-36F5-4BBE-A490-019A54E953B0}"/>
+          </ac:spMkLst>
+        </pc:spChg>
+        <pc:picChg chg="add del mod ord modCrop">
+          <ac:chgData name="Michael Hudson" userId="db3fa30aacaa9c07" providerId="LiveId" clId="{E1B8F64D-7ED7-4215-AF02-B617306969C4}" dt="2019-06-13T20:21:22.701" v="4694" actId="478"/>
+          <ac:picMkLst>
+            <pc:docMk/>
+            <pc:sldMk cId="4105955819" sldId="260"/>
+            <ac:picMk id="5" creationId="{15F14CF7-C858-40F8-84D4-4DBA89F60DD5}"/>
+          </ac:picMkLst>
+        </pc:picChg>
+        <pc:picChg chg="add mod modCrop">
+          <ac:chgData name="Michael Hudson" userId="db3fa30aacaa9c07" providerId="LiveId" clId="{E1B8F64D-7ED7-4215-AF02-B617306969C4}" dt="2019-06-13T20:22:27.830" v="4708" actId="1076"/>
+          <ac:picMkLst>
+            <pc:docMk/>
+            <pc:sldMk cId="4105955819" sldId="260"/>
+            <ac:picMk id="7" creationId="{01D9428C-0311-4107-A0F7-EE2118969716}"/>
+          </ac:picMkLst>
+        </pc:picChg>
+        <pc:cxnChg chg="add">
+          <ac:chgData name="Michael Hudson" userId="db3fa30aacaa9c07" providerId="LiveId" clId="{E1B8F64D-7ED7-4215-AF02-B617306969C4}" dt="2019-06-13T20:20:48.647" v="4687" actId="26606"/>
+          <ac:cxnSpMkLst>
+            <pc:docMk/>
+            <pc:sldMk cId="4105955819" sldId="260"/>
+            <ac:cxnSpMk id="10" creationId="{64FA5DFF-7FE6-4855-84E6-DFA78EE978BD}"/>
+          </ac:cxnSpMkLst>
+        </pc:cxnChg>
+        <pc:cxnChg chg="add">
+          <ac:chgData name="Michael Hudson" userId="db3fa30aacaa9c07" providerId="LiveId" clId="{E1B8F64D-7ED7-4215-AF02-B617306969C4}" dt="2019-06-13T20:20:48.647" v="4687" actId="26606"/>
+          <ac:cxnSpMkLst>
+            <pc:docMk/>
+            <pc:sldMk cId="4105955819" sldId="260"/>
+            <ac:cxnSpMk id="12" creationId="{2AFD8CBA-54A3-4363-991B-B9C631BBFA74}"/>
+          </ac:cxnSpMkLst>
+        </pc:cxnChg>
+      </pc:sldChg>
+      <pc:sldChg chg="del">
+        <pc:chgData name="Michael Hudson" userId="db3fa30aacaa9c07" providerId="LiveId" clId="{E1B8F64D-7ED7-4215-AF02-B617306969C4}" dt="2019-06-13T20:55:44.757" v="6509" actId="2696"/>
+        <pc:sldMkLst>
+          <pc:docMk/>
+          <pc:sldMk cId="1838063749" sldId="261"/>
+        </pc:sldMkLst>
+      </pc:sldChg>
+      <pc:sldChg chg="modSp">
+        <pc:chgData name="Michael Hudson" userId="db3fa30aacaa9c07" providerId="LiveId" clId="{E1B8F64D-7ED7-4215-AF02-B617306969C4}" dt="2019-06-13T20:58:08.441" v="6702" actId="27636"/>
+        <pc:sldMkLst>
+          <pc:docMk/>
+          <pc:sldMk cId="1935356612" sldId="262"/>
+        </pc:sldMkLst>
+        <pc:spChg chg="mod">
+          <ac:chgData name="Michael Hudson" userId="db3fa30aacaa9c07" providerId="LiveId" clId="{E1B8F64D-7ED7-4215-AF02-B617306969C4}" dt="2019-06-13T20:58:08.441" v="6702" actId="27636"/>
+          <ac:spMkLst>
+            <pc:docMk/>
+            <pc:sldMk cId="1935356612" sldId="262"/>
+            <ac:spMk id="3" creationId="{DEFD22A7-ACD1-4EEB-A216-750B13858A02}"/>
+          </ac:spMkLst>
+        </pc:spChg>
+      </pc:sldChg>
       <pc:sldChg chg="addSp delSp modSp">
         <pc:chgData name="Michael Hudson" userId="db3fa30aacaa9c07" providerId="LiveId" clId="{E1B8F64D-7ED7-4215-AF02-B617306969C4}" dt="2019-06-12T12:55:26.704" v="474" actId="1076"/>
         <pc:sldMkLst>
@@ -1533,6 +1685,153 @@
             <ac:graphicFrameMk id="5" creationId="{0B9DAC36-5B61-456D-8043-44870F8AC5FB}"/>
           </ac:graphicFrameMkLst>
         </pc:graphicFrameChg>
+      </pc:sldChg>
+      <pc:sldChg chg="addSp modSp add mod setBg">
+        <pc:chgData name="Michael Hudson" userId="db3fa30aacaa9c07" providerId="LiveId" clId="{E1B8F64D-7ED7-4215-AF02-B617306969C4}" dt="2019-06-13T20:53:53.513" v="6405" actId="20577"/>
+        <pc:sldMkLst>
+          <pc:docMk/>
+          <pc:sldMk cId="3847789186" sldId="284"/>
+        </pc:sldMkLst>
+        <pc:spChg chg="mod">
+          <ac:chgData name="Michael Hudson" userId="db3fa30aacaa9c07" providerId="LiveId" clId="{E1B8F64D-7ED7-4215-AF02-B617306969C4}" dt="2019-06-13T20:09:01.897" v="4490" actId="26606"/>
+          <ac:spMkLst>
+            <pc:docMk/>
+            <pc:sldMk cId="3847789186" sldId="284"/>
+            <ac:spMk id="2" creationId="{D66E4308-8725-4F22-8640-9413B3B51C7D}"/>
+          </ac:spMkLst>
+        </pc:spChg>
+        <pc:spChg chg="mod">
+          <ac:chgData name="Michael Hudson" userId="db3fa30aacaa9c07" providerId="LiveId" clId="{E1B8F64D-7ED7-4215-AF02-B617306969C4}" dt="2019-06-13T20:53:53.513" v="6405" actId="20577"/>
+          <ac:spMkLst>
+            <pc:docMk/>
+            <pc:sldMk cId="3847789186" sldId="284"/>
+            <ac:spMk id="3" creationId="{AE549EA2-12AF-4C52-8B3F-26D535DB26B4}"/>
+          </ac:spMkLst>
+        </pc:spChg>
+        <pc:spChg chg="add">
+          <ac:chgData name="Michael Hudson" userId="db3fa30aacaa9c07" providerId="LiveId" clId="{E1B8F64D-7ED7-4215-AF02-B617306969C4}" dt="2019-06-13T20:09:01.897" v="4490" actId="26606"/>
+          <ac:spMkLst>
+            <pc:docMk/>
+            <pc:sldMk cId="3847789186" sldId="284"/>
+            <ac:spMk id="9" creationId="{9F4444CE-BC8D-4D61-B303-4C05614E62AB}"/>
+          </ac:spMkLst>
+        </pc:spChg>
+        <pc:spChg chg="add">
+          <ac:chgData name="Michael Hudson" userId="db3fa30aacaa9c07" providerId="LiveId" clId="{E1B8F64D-7ED7-4215-AF02-B617306969C4}" dt="2019-06-13T20:09:01.897" v="4490" actId="26606"/>
+          <ac:spMkLst>
+            <pc:docMk/>
+            <pc:sldMk cId="3847789186" sldId="284"/>
+            <ac:spMk id="11" creationId="{62423CA5-E2E1-4789-B759-9906C1C94063}"/>
+          </ac:spMkLst>
+        </pc:spChg>
+        <pc:spChg chg="add">
+          <ac:chgData name="Michael Hudson" userId="db3fa30aacaa9c07" providerId="LiveId" clId="{E1B8F64D-7ED7-4215-AF02-B617306969C4}" dt="2019-06-13T20:09:01.897" v="4490" actId="26606"/>
+          <ac:spMkLst>
+            <pc:docMk/>
+            <pc:sldMk cId="3847789186" sldId="284"/>
+            <ac:spMk id="13" creationId="{73772B81-181F-48B7-8826-4D9686D15DF5}"/>
+          </ac:spMkLst>
+        </pc:spChg>
+        <pc:spChg chg="add">
+          <ac:chgData name="Michael Hudson" userId="db3fa30aacaa9c07" providerId="LiveId" clId="{E1B8F64D-7ED7-4215-AF02-B617306969C4}" dt="2019-06-13T20:09:01.897" v="4490" actId="26606"/>
+          <ac:spMkLst>
+            <pc:docMk/>
+            <pc:sldMk cId="3847789186" sldId="284"/>
+            <ac:spMk id="15" creationId="{B2205F6E-03C6-4E92-877C-E2482F6599AA}"/>
+          </ac:spMkLst>
+        </pc:spChg>
+        <pc:picChg chg="add mod modCrop">
+          <ac:chgData name="Michael Hudson" userId="db3fa30aacaa9c07" providerId="LiveId" clId="{E1B8F64D-7ED7-4215-AF02-B617306969C4}" dt="2019-06-13T20:10:37.752" v="4506" actId="1076"/>
+          <ac:picMkLst>
+            <pc:docMk/>
+            <pc:sldMk cId="3847789186" sldId="284"/>
+            <ac:picMk id="4" creationId="{5A78CE49-F7A1-4516-B137-F5F178AD5048}"/>
+          </ac:picMkLst>
+        </pc:picChg>
+      </pc:sldChg>
+      <pc:sldChg chg="addSp modSp add">
+        <pc:chgData name="Michael Hudson" userId="db3fa30aacaa9c07" providerId="LiveId" clId="{E1B8F64D-7ED7-4215-AF02-B617306969C4}" dt="2019-06-13T20:55:19.627" v="6508" actId="1076"/>
+        <pc:sldMkLst>
+          <pc:docMk/>
+          <pc:sldMk cId="1857662120" sldId="285"/>
+        </pc:sldMkLst>
+        <pc:spChg chg="mod">
+          <ac:chgData name="Michael Hudson" userId="db3fa30aacaa9c07" providerId="LiveId" clId="{E1B8F64D-7ED7-4215-AF02-B617306969C4}" dt="2019-06-13T20:55:16.267" v="6507" actId="20577"/>
+          <ac:spMkLst>
+            <pc:docMk/>
+            <pc:sldMk cId="1857662120" sldId="285"/>
+            <ac:spMk id="3" creationId="{AE549EA2-12AF-4C52-8B3F-26D535DB26B4}"/>
+          </ac:spMkLst>
+        </pc:spChg>
+        <pc:picChg chg="add mod modCrop">
+          <ac:chgData name="Michael Hudson" userId="db3fa30aacaa9c07" providerId="LiveId" clId="{E1B8F64D-7ED7-4215-AF02-B617306969C4}" dt="2019-06-13T20:55:19.627" v="6508" actId="1076"/>
+          <ac:picMkLst>
+            <pc:docMk/>
+            <pc:sldMk cId="1857662120" sldId="285"/>
+            <ac:picMk id="5" creationId="{BA237A73-0EA0-4BAA-9A45-C6F3500C1C3D}"/>
+          </ac:picMkLst>
+        </pc:picChg>
+      </pc:sldChg>
+      <pc:sldChg chg="delSp modSp add">
+        <pc:chgData name="Michael Hudson" userId="db3fa30aacaa9c07" providerId="LiveId" clId="{E1B8F64D-7ED7-4215-AF02-B617306969C4}" dt="2019-06-13T20:32:00.204" v="4948" actId="5793"/>
+        <pc:sldMkLst>
+          <pc:docMk/>
+          <pc:sldMk cId="1765690188" sldId="286"/>
+        </pc:sldMkLst>
+        <pc:spChg chg="mod">
+          <ac:chgData name="Michael Hudson" userId="db3fa30aacaa9c07" providerId="LiveId" clId="{E1B8F64D-7ED7-4215-AF02-B617306969C4}" dt="2019-06-13T20:32:00.204" v="4948" actId="5793"/>
+          <ac:spMkLst>
+            <pc:docMk/>
+            <pc:sldMk cId="1765690188" sldId="286"/>
+            <ac:spMk id="2" creationId="{94B9EC2D-F10B-481D-90A3-840CAEAD6D43}"/>
+          </ac:spMkLst>
+        </pc:spChg>
+        <pc:spChg chg="del">
+          <ac:chgData name="Michael Hudson" userId="db3fa30aacaa9c07" providerId="LiveId" clId="{E1B8F64D-7ED7-4215-AF02-B617306969C4}" dt="2019-06-13T20:31:02.576" v="4907" actId="478"/>
+          <ac:spMkLst>
+            <pc:docMk/>
+            <pc:sldMk cId="1765690188" sldId="286"/>
+            <ac:spMk id="3" creationId="{BCD0935E-1E73-4E7C-9C99-EEE8C105BE6B}"/>
+          </ac:spMkLst>
+        </pc:spChg>
+      </pc:sldChg>
+      <pc:sldChg chg="modSp add ord">
+        <pc:chgData name="Michael Hudson" userId="db3fa30aacaa9c07" providerId="LiveId" clId="{E1B8F64D-7ED7-4215-AF02-B617306969C4}" dt="2019-06-13T20:35:19.526" v="5322" actId="5793"/>
+        <pc:sldMkLst>
+          <pc:docMk/>
+          <pc:sldMk cId="3231251099" sldId="287"/>
+        </pc:sldMkLst>
+        <pc:spChg chg="mod">
+          <ac:chgData name="Michael Hudson" userId="db3fa30aacaa9c07" providerId="LiveId" clId="{E1B8F64D-7ED7-4215-AF02-B617306969C4}" dt="2019-06-13T20:35:19.526" v="5322" actId="5793"/>
+          <ac:spMkLst>
+            <pc:docMk/>
+            <pc:sldMk cId="3231251099" sldId="287"/>
+            <ac:spMk id="2" creationId="{50AAE618-E765-4F5E-B512-976A6A216458}"/>
+          </ac:spMkLst>
+        </pc:spChg>
+        <pc:spChg chg="mod">
+          <ac:chgData name="Michael Hudson" userId="db3fa30aacaa9c07" providerId="LiveId" clId="{E1B8F64D-7ED7-4215-AF02-B617306969C4}" dt="2019-06-13T20:34:53.066" v="5305" actId="27636"/>
+          <ac:spMkLst>
+            <pc:docMk/>
+            <pc:sldMk cId="3231251099" sldId="287"/>
+            <ac:spMk id="3" creationId="{4B734037-0205-4442-BB9F-27E2C281CD94}"/>
+          </ac:spMkLst>
+        </pc:spChg>
+      </pc:sldChg>
+      <pc:sldChg chg="modSp add">
+        <pc:chgData name="Michael Hudson" userId="db3fa30aacaa9c07" providerId="LiveId" clId="{E1B8F64D-7ED7-4215-AF02-B617306969C4}" dt="2019-06-13T20:56:17.375" v="6645" actId="20577"/>
+        <pc:sldMkLst>
+          <pc:docMk/>
+          <pc:sldMk cId="2329068266" sldId="288"/>
+        </pc:sldMkLst>
+        <pc:spChg chg="mod">
+          <ac:chgData name="Michael Hudson" userId="db3fa30aacaa9c07" providerId="LiveId" clId="{E1B8F64D-7ED7-4215-AF02-B617306969C4}" dt="2019-06-13T20:56:17.375" v="6645" actId="20577"/>
+          <ac:spMkLst>
+            <pc:docMk/>
+            <pc:sldMk cId="2329068266" sldId="288"/>
+            <ac:spMk id="3" creationId="{4B734037-0205-4442-BB9F-27E2C281CD94}"/>
+          </ac:spMkLst>
+        </pc:spChg>
       </pc:sldChg>
     </pc:docChg>
   </pc:docChgLst>
@@ -8138,7 +8437,7 @@
             <a:fld id="{B61BEF0D-F0BB-DE4B-95CE-6DB70DBA9567}" type="datetimeFigureOut">
               <a:rPr lang="en-US" dirty="0"/>
               <a:pPr/>
-              <a:t>6/12/2019</a:t>
+              <a:t>6/13/2019</a:t>
             </a:fld>
             <a:endParaRPr lang="en-US" dirty="0"/>
           </a:p>
@@ -8386,7 +8685,7 @@
             <a:fld id="{B61BEF0D-F0BB-DE4B-95CE-6DB70DBA9567}" type="datetimeFigureOut">
               <a:rPr lang="en-US" dirty="0"/>
               <a:pPr/>
-              <a:t>6/12/2019</a:t>
+              <a:t>6/13/2019</a:t>
             </a:fld>
             <a:endParaRPr lang="en-US" dirty="0"/>
           </a:p>
@@ -8697,7 +8996,7 @@
             <a:fld id="{B61BEF0D-F0BB-DE4B-95CE-6DB70DBA9567}" type="datetimeFigureOut">
               <a:rPr lang="en-US" dirty="0"/>
               <a:pPr/>
-              <a:t>6/12/2019</a:t>
+              <a:t>6/13/2019</a:t>
             </a:fld>
             <a:endParaRPr lang="en-US" dirty="0"/>
           </a:p>
@@ -9027,7 +9326,7 @@
             <a:fld id="{B61BEF0D-F0BB-DE4B-95CE-6DB70DBA9567}" type="datetimeFigureOut">
               <a:rPr lang="en-US" dirty="0"/>
               <a:pPr/>
-              <a:t>6/12/2019</a:t>
+              <a:t>6/13/2019</a:t>
             </a:fld>
             <a:endParaRPr lang="en-US" dirty="0"/>
           </a:p>
@@ -9338,7 +9637,7 @@
             <a:fld id="{B61BEF0D-F0BB-DE4B-95CE-6DB70DBA9567}" type="datetimeFigureOut">
               <a:rPr lang="en-US" dirty="0"/>
               <a:pPr/>
-              <a:t>6/12/2019</a:t>
+              <a:t>6/13/2019</a:t>
             </a:fld>
             <a:endParaRPr lang="en-US" dirty="0"/>
           </a:p>
@@ -9728,7 +10027,7 @@
             <a:fld id="{B61BEF0D-F0BB-DE4B-95CE-6DB70DBA9567}" type="datetimeFigureOut">
               <a:rPr lang="en-US" dirty="0"/>
               <a:pPr/>
-              <a:t>6/12/2019</a:t>
+              <a:t>6/13/2019</a:t>
             </a:fld>
             <a:endParaRPr lang="en-US" dirty="0"/>
           </a:p>
@@ -9894,7 +10193,7 @@
           <a:p>
             <a:fld id="{55C6B4A9-1611-4792-9094-5F34BCA07E0B}" type="datetimeFigureOut">
               <a:rPr lang="en-US" dirty="0"/>
-              <a:t>6/12/2019</a:t>
+              <a:t>6/13/2019</a:t>
             </a:fld>
             <a:endParaRPr lang="en-US" dirty="0"/>
           </a:p>
@@ -10070,7 +10369,7 @@
             <a:fld id="{B61BEF0D-F0BB-DE4B-95CE-6DB70DBA9567}" type="datetimeFigureOut">
               <a:rPr lang="en-US" dirty="0"/>
               <a:pPr/>
-              <a:t>6/12/2019</a:t>
+              <a:t>6/13/2019</a:t>
             </a:fld>
             <a:endParaRPr lang="en-US" dirty="0"/>
           </a:p>
@@ -10236,7 +10535,7 @@
           <a:p>
             <a:fld id="{42A54C80-263E-416B-A8E0-580EDEADCBDC}" type="datetimeFigureOut">
               <a:rPr lang="en-US" dirty="0"/>
-              <a:t>6/12/2019</a:t>
+              <a:t>6/13/2019</a:t>
             </a:fld>
             <a:endParaRPr lang="en-US" dirty="0"/>
           </a:p>
@@ -10479,7 +10778,7 @@
             <a:fld id="{B61BEF0D-F0BB-DE4B-95CE-6DB70DBA9567}" type="datetimeFigureOut">
               <a:rPr lang="en-US" dirty="0"/>
               <a:pPr/>
-              <a:t>6/12/2019</a:t>
+              <a:t>6/13/2019</a:t>
             </a:fld>
             <a:endParaRPr lang="en-US" dirty="0"/>
           </a:p>
@@ -10707,7 +11006,7 @@
           <a:p>
             <a:fld id="{42A54C80-263E-416B-A8E0-580EDEADCBDC}" type="datetimeFigureOut">
               <a:rPr lang="en-US" dirty="0"/>
-              <a:t>6/12/2019</a:t>
+              <a:t>6/13/2019</a:t>
             </a:fld>
             <a:endParaRPr lang="en-US" dirty="0"/>
           </a:p>
@@ -11077,7 +11376,7 @@
             <a:fld id="{B61BEF0D-F0BB-DE4B-95CE-6DB70DBA9567}" type="datetimeFigureOut">
               <a:rPr lang="en-US" dirty="0"/>
               <a:pPr/>
-              <a:t>6/12/2019</a:t>
+              <a:t>6/13/2019</a:t>
             </a:fld>
             <a:endParaRPr lang="en-US" dirty="0"/>
           </a:p>
@@ -11197,7 +11496,7 @@
             <a:fld id="{B61BEF0D-F0BB-DE4B-95CE-6DB70DBA9567}" type="datetimeFigureOut">
               <a:rPr lang="en-US" dirty="0"/>
               <a:pPr/>
-              <a:t>6/12/2019</a:t>
+              <a:t>6/13/2019</a:t>
             </a:fld>
             <a:endParaRPr lang="en-US" dirty="0"/>
           </a:p>
@@ -11289,7 +11588,7 @@
             <a:fld id="{B61BEF0D-F0BB-DE4B-95CE-6DB70DBA9567}" type="datetimeFigureOut">
               <a:rPr lang="en-US" dirty="0"/>
               <a:pPr/>
-              <a:t>6/12/2019</a:t>
+              <a:t>6/13/2019</a:t>
             </a:fld>
             <a:endParaRPr lang="en-US" dirty="0"/>
           </a:p>
@@ -11540,7 +11839,7 @@
           <a:p>
             <a:fld id="{42A54C80-263E-416B-A8E0-580EDEADCBDC}" type="datetimeFigureOut">
               <a:rPr lang="en-US" dirty="0"/>
-              <a:t>6/12/2019</a:t>
+              <a:t>6/13/2019</a:t>
             </a:fld>
             <a:endParaRPr lang="en-US" dirty="0"/>
           </a:p>
@@ -11842,7 +12141,7 @@
             <a:fld id="{B61BEF0D-F0BB-DE4B-95CE-6DB70DBA9567}" type="datetimeFigureOut">
               <a:rPr lang="en-US" dirty="0"/>
               <a:pPr/>
-              <a:t>6/12/2019</a:t>
+              <a:t>6/13/2019</a:t>
             </a:fld>
             <a:endParaRPr lang="en-US" dirty="0"/>
           </a:p>
@@ -12540,7 +12839,7 @@
             <a:fld id="{B61BEF0D-F0BB-DE4B-95CE-6DB70DBA9567}" type="datetimeFigureOut">
               <a:rPr lang="en-US" dirty="0"/>
               <a:pPr/>
-              <a:t>6/12/2019</a:t>
+              <a:t>6/13/2019</a:t>
             </a:fld>
             <a:endParaRPr lang="en-US" dirty="0"/>
           </a:p>
@@ -13154,6 +13453,1898 @@
 <file path=ppt/slides/slide10.xml><?xml version="1.0" encoding="utf-8"?>
 <p:sld xmlns:a="http://schemas.openxmlformats.org/drawingml/2006/main" xmlns:r="http://schemas.openxmlformats.org/officeDocument/2006/relationships" xmlns:p="http://schemas.openxmlformats.org/presentationml/2006/main">
   <p:cSld>
+    <p:spTree>
+      <p:nvGrpSpPr>
+        <p:cNvPr id="1" name=""/>
+        <p:cNvGrpSpPr/>
+        <p:nvPr/>
+      </p:nvGrpSpPr>
+      <p:grpSpPr>
+        <a:xfrm>
+          <a:off x="0" y="0"/>
+          <a:ext cx="0" cy="0"/>
+          <a:chOff x="0" y="0"/>
+          <a:chExt cx="0" cy="0"/>
+        </a:xfrm>
+      </p:grpSpPr>
+      <p:sp>
+        <p:nvSpPr>
+          <p:cNvPr id="2" name="Title 1">
+            <a:extLst>
+              <a:ext uri="{FF2B5EF4-FFF2-40B4-BE49-F238E27FC236}">
+                <a16:creationId xmlns:a16="http://schemas.microsoft.com/office/drawing/2014/main" id="{50AAE618-E765-4F5E-B512-976A6A216458}"/>
+              </a:ext>
+            </a:extLst>
+          </p:cNvPr>
+          <p:cNvSpPr>
+            <a:spLocks noGrp="1"/>
+          </p:cNvSpPr>
+          <p:nvPr>
+            <p:ph type="title"/>
+          </p:nvPr>
+        </p:nvSpPr>
+        <p:spPr/>
+        <p:txBody>
+          <a:bodyPr/>
+          <a:lstStyle/>
+          <a:p>
+            <a:r>
+              <a:rPr lang="en-US" dirty="0"/>
+              <a:t>Analyzing the Data– </a:t>
+            </a:r>
+            <a:br>
+              <a:rPr lang="en-US" dirty="0"/>
+            </a:br>
+            <a:r>
+              <a:rPr lang="en-US" dirty="0"/>
+              <a:t>Getting there…</a:t>
+            </a:r>
+          </a:p>
+        </p:txBody>
+      </p:sp>
+      <p:sp>
+        <p:nvSpPr>
+          <p:cNvPr id="3" name="Content Placeholder 2">
+            <a:extLst>
+              <a:ext uri="{FF2B5EF4-FFF2-40B4-BE49-F238E27FC236}">
+                <a16:creationId xmlns:a16="http://schemas.microsoft.com/office/drawing/2014/main" id="{4B734037-0205-4442-BB9F-27E2C281CD94}"/>
+              </a:ext>
+            </a:extLst>
+          </p:cNvPr>
+          <p:cNvSpPr>
+            <a:spLocks noGrp="1"/>
+          </p:cNvSpPr>
+          <p:nvPr>
+            <p:ph idx="1"/>
+          </p:nvPr>
+        </p:nvSpPr>
+        <p:spPr/>
+        <p:txBody>
+          <a:bodyPr>
+            <a:normAutofit/>
+          </a:bodyPr>
+          <a:lstStyle/>
+          <a:p>
+            <a:r>
+              <a:rPr lang="en-US" dirty="0"/>
+              <a:t>Instead of food-insecurity questions found on recent surveys, we used the ratio of family income to the poverty level to determine if a family lived in poverty.</a:t>
+            </a:r>
+          </a:p>
+          <a:p>
+            <a:r>
+              <a:rPr lang="en-US" dirty="0"/>
+              <a:t>If the sampled adult was a current smoker, we considered the house a smoking household.</a:t>
+            </a:r>
+          </a:p>
+          <a:p>
+            <a:r>
+              <a:rPr lang="en-US" dirty="0"/>
+              <a:t>If the sampled child had any of the conditions we were interested in, we considered the household to have that condition present.</a:t>
+            </a:r>
+          </a:p>
+          <a:p>
+            <a:r>
+              <a:rPr lang="en-US" dirty="0"/>
+              <a:t>LIMITATION– We are almost certainly undercounting both the smoking households and the households with each condition.</a:t>
+            </a:r>
+          </a:p>
+          <a:p>
+            <a:r>
+              <a:rPr lang="en-US" dirty="0"/>
+              <a:t>BONUS– If we find significant relationships, we can be very certain of that significance since the actual rates are likely higher.</a:t>
+            </a:r>
+          </a:p>
+        </p:txBody>
+      </p:sp>
+    </p:spTree>
+    <p:extLst>
+      <p:ext uri="{BB962C8B-B14F-4D97-AF65-F5344CB8AC3E}">
+        <p14:creationId xmlns:p14="http://schemas.microsoft.com/office/powerpoint/2010/main" val="3231251099"/>
+      </p:ext>
+    </p:extLst>
+  </p:cSld>
+  <p:clrMapOvr>
+    <a:masterClrMapping/>
+  </p:clrMapOvr>
+</p:sld>
+</file>
+
+<file path=ppt/slides/slide11.xml><?xml version="1.0" encoding="utf-8"?>
+<p:sld xmlns:a="http://schemas.openxmlformats.org/drawingml/2006/main" xmlns:r="http://schemas.openxmlformats.org/officeDocument/2006/relationships" xmlns:p="http://schemas.openxmlformats.org/presentationml/2006/main">
+  <p:cSld>
+    <p:spTree>
+      <p:nvGrpSpPr>
+        <p:cNvPr id="1" name=""/>
+        <p:cNvGrpSpPr/>
+        <p:nvPr/>
+      </p:nvGrpSpPr>
+      <p:grpSpPr>
+        <a:xfrm>
+          <a:off x="0" y="0"/>
+          <a:ext cx="0" cy="0"/>
+          <a:chOff x="0" y="0"/>
+          <a:chExt cx="0" cy="0"/>
+        </a:xfrm>
+      </p:grpSpPr>
+      <p:sp>
+        <p:nvSpPr>
+          <p:cNvPr id="2" name="Title 1">
+            <a:extLst>
+              <a:ext uri="{FF2B5EF4-FFF2-40B4-BE49-F238E27FC236}">
+                <a16:creationId xmlns:a16="http://schemas.microsoft.com/office/drawing/2014/main" id="{8B3230D6-84FE-449A-89E5-090094DAA0F6}"/>
+              </a:ext>
+            </a:extLst>
+          </p:cNvPr>
+          <p:cNvSpPr>
+            <a:spLocks noGrp="1"/>
+          </p:cNvSpPr>
+          <p:nvPr>
+            <p:ph type="title"/>
+          </p:nvPr>
+        </p:nvSpPr>
+        <p:spPr/>
+        <p:txBody>
+          <a:bodyPr/>
+          <a:lstStyle/>
+          <a:p>
+            <a:r>
+              <a:rPr lang="en-US" dirty="0"/>
+              <a:t>Significance Testing</a:t>
+            </a:r>
+          </a:p>
+        </p:txBody>
+      </p:sp>
+      <p:sp>
+        <p:nvSpPr>
+          <p:cNvPr id="3" name="Content Placeholder 2">
+            <a:extLst>
+              <a:ext uri="{FF2B5EF4-FFF2-40B4-BE49-F238E27FC236}">
+                <a16:creationId xmlns:a16="http://schemas.microsoft.com/office/drawing/2014/main" id="{DEFD22A7-ACD1-4EEB-A216-750B13858A02}"/>
+              </a:ext>
+            </a:extLst>
+          </p:cNvPr>
+          <p:cNvSpPr>
+            <a:spLocks noGrp="1"/>
+          </p:cNvSpPr>
+          <p:nvPr>
+            <p:ph idx="1"/>
+          </p:nvPr>
+        </p:nvSpPr>
+        <p:spPr>
+          <a:xfrm>
+            <a:off x="677334" y="1757779"/>
+            <a:ext cx="8596668" cy="4283583"/>
+          </a:xfrm>
+        </p:spPr>
+        <p:txBody>
+          <a:bodyPr>
+            <a:normAutofit lnSpcReduction="10000"/>
+          </a:bodyPr>
+          <a:lstStyle/>
+          <a:p>
+            <a:r>
+              <a:rPr lang="en-US" dirty="0"/>
+              <a:t>We used paired t-tests to determine if the difference in condition prevalence between smoking and non-smoking households was significant.</a:t>
+            </a:r>
+          </a:p>
+          <a:p>
+            <a:r>
+              <a:rPr lang="en-US" dirty="0"/>
+              <a:t>This assumes that smoking households are independent of non-smoking households.  </a:t>
+            </a:r>
+          </a:p>
+          <a:p>
+            <a:r>
+              <a:rPr lang="en-US" dirty="0"/>
+              <a:t>We also tested the effects of poverty, which assumes that non-impoverished households are independent of impoverished households.</a:t>
+            </a:r>
+          </a:p>
+          <a:p>
+            <a:r>
+              <a:rPr lang="en-US" dirty="0"/>
+              <a:t>Later we broke up smoking/poverty into four categories to look for confounding effects. </a:t>
+            </a:r>
+          </a:p>
+          <a:p>
+            <a:r>
+              <a:rPr lang="en-US" dirty="0"/>
+              <a:t>We considered using Chi-Square, but that would have just told us there is a difference between any two of the 4 breakouts.</a:t>
+            </a:r>
+          </a:p>
+          <a:p>
+            <a:r>
+              <a:rPr lang="en-US" dirty="0"/>
+              <a:t>We tested smoking vs. non-smoking within impoverished households with a t-test.  Then we tested smoking vs. non-smoking within non-impoverished households.</a:t>
+            </a:r>
+          </a:p>
+          <a:p>
+            <a:endParaRPr lang="en-US" dirty="0"/>
+          </a:p>
+        </p:txBody>
+      </p:sp>
+    </p:spTree>
+    <p:extLst>
+      <p:ext uri="{BB962C8B-B14F-4D97-AF65-F5344CB8AC3E}">
+        <p14:creationId xmlns:p14="http://schemas.microsoft.com/office/powerpoint/2010/main" val="1935356612"/>
+      </p:ext>
+    </p:extLst>
+  </p:cSld>
+  <p:clrMapOvr>
+    <a:masterClrMapping/>
+  </p:clrMapOvr>
+</p:sld>
+</file>
+
+<file path=ppt/slides/slide12.xml><?xml version="1.0" encoding="utf-8"?>
+<p:sld xmlns:a="http://schemas.openxmlformats.org/drawingml/2006/main" xmlns:r="http://schemas.openxmlformats.org/officeDocument/2006/relationships" xmlns:p="http://schemas.openxmlformats.org/presentationml/2006/main">
+  <p:cSld>
+    <p:spTree>
+      <p:nvGrpSpPr>
+        <p:cNvPr id="1" name=""/>
+        <p:cNvGrpSpPr/>
+        <p:nvPr/>
+      </p:nvGrpSpPr>
+      <p:grpSpPr>
+        <a:xfrm>
+          <a:off x="0" y="0"/>
+          <a:ext cx="0" cy="0"/>
+          <a:chOff x="0" y="0"/>
+          <a:chExt cx="0" cy="0"/>
+        </a:xfrm>
+      </p:grpSpPr>
+      <p:sp>
+        <p:nvSpPr>
+          <p:cNvPr id="2" name="Title 1">
+            <a:extLst>
+              <a:ext uri="{FF2B5EF4-FFF2-40B4-BE49-F238E27FC236}">
+                <a16:creationId xmlns:a16="http://schemas.microsoft.com/office/drawing/2014/main" id="{DEF65F91-0B63-4528-93EC-3F2B211336BC}"/>
+              </a:ext>
+            </a:extLst>
+          </p:cNvPr>
+          <p:cNvSpPr>
+            <a:spLocks noGrp="1"/>
+          </p:cNvSpPr>
+          <p:nvPr>
+            <p:ph type="title"/>
+          </p:nvPr>
+        </p:nvSpPr>
+        <p:spPr>
+          <a:xfrm>
+            <a:off x="677334" y="609599"/>
+            <a:ext cx="8596668" cy="5705475"/>
+          </a:xfrm>
+        </p:spPr>
+        <p:txBody>
+          <a:bodyPr/>
+          <a:lstStyle/>
+          <a:p>
+            <a:r>
+              <a:rPr lang="en-US" dirty="0"/>
+              <a:t>Results</a:t>
+            </a:r>
+          </a:p>
+        </p:txBody>
+      </p:sp>
+      <p:sp>
+        <p:nvSpPr>
+          <p:cNvPr id="3" name="Content Placeholder 2">
+            <a:extLst>
+              <a:ext uri="{FF2B5EF4-FFF2-40B4-BE49-F238E27FC236}">
+                <a16:creationId xmlns:a16="http://schemas.microsoft.com/office/drawing/2014/main" id="{11D138FC-D924-457B-A9E2-1B8173A5991D}"/>
+              </a:ext>
+            </a:extLst>
+          </p:cNvPr>
+          <p:cNvSpPr>
+            <a:spLocks noGrp="1"/>
+          </p:cNvSpPr>
+          <p:nvPr>
+            <p:ph idx="1"/>
+          </p:nvPr>
+        </p:nvSpPr>
+        <p:spPr>
+          <a:xfrm>
+            <a:off x="677334" y="1990249"/>
+            <a:ext cx="8596668" cy="3880773"/>
+          </a:xfrm>
+        </p:spPr>
+        <p:txBody>
+          <a:bodyPr>
+            <a:normAutofit/>
+          </a:bodyPr>
+          <a:lstStyle/>
+          <a:p>
+            <a:r>
+              <a:rPr lang="en-US" sz="2400" dirty="0"/>
+              <a:t>As expected, the presence of a smoker in a household had significant impacts on the prevalence of asthma.</a:t>
+            </a:r>
+          </a:p>
+          <a:p>
+            <a:r>
+              <a:rPr lang="en-US" sz="2400" dirty="0"/>
+              <a:t>Slightly less expected, the presence of a smoker in a household also had significant impacts on the prevalence of ADD or ADHD as well as behavioral and emotional issues.</a:t>
+            </a:r>
+          </a:p>
+          <a:p>
+            <a:r>
+              <a:rPr lang="en-US" sz="2400" dirty="0"/>
+              <a:t>There did not appear to be any relationship between smoking in a household and autism prevalence.</a:t>
+            </a:r>
+          </a:p>
+        </p:txBody>
+      </p:sp>
+    </p:spTree>
+    <p:extLst>
+      <p:ext uri="{BB962C8B-B14F-4D97-AF65-F5344CB8AC3E}">
+        <p14:creationId xmlns:p14="http://schemas.microsoft.com/office/powerpoint/2010/main" val="980634640"/>
+      </p:ext>
+    </p:extLst>
+  </p:cSld>
+  <p:clrMapOvr>
+    <a:masterClrMapping/>
+  </p:clrMapOvr>
+</p:sld>
+</file>
+
+<file path=ppt/slides/slide13.xml><?xml version="1.0" encoding="utf-8"?>
+<p:sld xmlns:a="http://schemas.openxmlformats.org/drawingml/2006/main" xmlns:r="http://schemas.openxmlformats.org/officeDocument/2006/relationships" xmlns:p="http://schemas.openxmlformats.org/presentationml/2006/main">
+  <p:cSld>
+    <p:bg>
+      <p:bgPr>
+        <a:solidFill>
+          <a:schemeClr val="bg1"/>
+        </a:solidFill>
+        <a:effectLst/>
+      </p:bgPr>
+    </p:bg>
+    <p:spTree>
+      <p:nvGrpSpPr>
+        <p:cNvPr id="1" name=""/>
+        <p:cNvGrpSpPr/>
+        <p:nvPr/>
+      </p:nvGrpSpPr>
+      <p:grpSpPr>
+        <a:xfrm>
+          <a:off x="0" y="0"/>
+          <a:ext cx="0" cy="0"/>
+          <a:chOff x="0" y="0"/>
+          <a:chExt cx="0" cy="0"/>
+        </a:xfrm>
+      </p:grpSpPr>
+      <p:grpSp>
+        <p:nvGrpSpPr>
+          <p:cNvPr id="40" name="Group 39">
+            <a:extLst>
+              <a:ext uri="{FF2B5EF4-FFF2-40B4-BE49-F238E27FC236}">
+                <a16:creationId xmlns:a16="http://schemas.microsoft.com/office/drawing/2014/main" id="{6CE6E43D-FC44-4F15-89C6-7C08E9BDC3FF}"/>
+              </a:ext>
+              <a:ext uri="{C183D7F6-B498-43B3-948B-1728B52AA6E4}">
+                <adec:decorative xmlns:adec="http://schemas.microsoft.com/office/drawing/2017/decorative" val="1"/>
+              </a:ext>
+            </a:extLst>
+          </p:cNvPr>
+          <p:cNvGrpSpPr>
+            <a:grpSpLocks noGrp="1" noUngrp="1" noRot="1" noChangeAspect="1" noMove="1" noResize="1"/>
+          </p:cNvGrpSpPr>
+          <p:nvPr>
+            <p:extLst>
+              <p:ext uri="{386F3935-93C4-4BCD-93E2-E3B085C9AB24}">
+                <p16:designElem xmlns:p16="http://schemas.microsoft.com/office/powerpoint/2015/main" val="1"/>
+              </p:ext>
+            </p:extLst>
+          </p:nvPr>
+        </p:nvGrpSpPr>
+        <p:grpSpPr>
+          <a:xfrm>
+            <a:off x="0" y="-8467"/>
+            <a:ext cx="12192000" cy="6866467"/>
+            <a:chOff x="0" y="-8467"/>
+            <a:chExt cx="12192000" cy="6866467"/>
+          </a:xfrm>
+        </p:grpSpPr>
+        <p:cxnSp>
+          <p:nvCxnSpPr>
+            <p:cNvPr id="41" name="Straight Connector 40">
+              <a:extLst>
+                <a:ext uri="{FF2B5EF4-FFF2-40B4-BE49-F238E27FC236}">
+                  <a16:creationId xmlns:a16="http://schemas.microsoft.com/office/drawing/2014/main" id="{321115E6-3640-4179-A252-686A27B75B3B}"/>
+                </a:ext>
+                <a:ext uri="{C183D7F6-B498-43B3-948B-1728B52AA6E4}">
+                  <adec:decorative xmlns:adec="http://schemas.microsoft.com/office/drawing/2017/decorative" val="1"/>
+                </a:ext>
+              </a:extLst>
+            </p:cNvPr>
+            <p:cNvCxnSpPr/>
+            <p:nvPr>
+              <p:extLst>
+                <p:ext uri="{386F3935-93C4-4BCD-93E2-E3B085C9AB24}">
+                  <p16:designElem xmlns:p16="http://schemas.microsoft.com/office/powerpoint/2015/main" val="1"/>
+                </p:ext>
+              </p:extLst>
+            </p:nvPr>
+          </p:nvCxnSpPr>
+          <p:spPr>
+            <a:xfrm>
+              <a:off x="9371012" y="0"/>
+              <a:ext cx="1219200" cy="6858000"/>
+            </a:xfrm>
+            <a:prstGeom prst="line">
+              <a:avLst/>
+            </a:prstGeom>
+            <a:ln w="9525">
+              <a:solidFill>
+                <a:schemeClr val="accent1">
+                  <a:alpha val="70000"/>
+                </a:schemeClr>
+              </a:solidFill>
+            </a:ln>
+          </p:spPr>
+          <p:style>
+            <a:lnRef idx="2">
+              <a:schemeClr val="accent1"/>
+            </a:lnRef>
+            <a:fillRef idx="0">
+              <a:schemeClr val="accent1"/>
+            </a:fillRef>
+            <a:effectRef idx="1">
+              <a:schemeClr val="accent1"/>
+            </a:effectRef>
+            <a:fontRef idx="minor">
+              <a:schemeClr val="tx1"/>
+            </a:fontRef>
+          </p:style>
+        </p:cxnSp>
+        <p:cxnSp>
+          <p:nvCxnSpPr>
+            <p:cNvPr id="42" name="Straight Connector 41">
+              <a:extLst>
+                <a:ext uri="{FF2B5EF4-FFF2-40B4-BE49-F238E27FC236}">
+                  <a16:creationId xmlns:a16="http://schemas.microsoft.com/office/drawing/2014/main" id="{E68D2ABE-CDFA-4BEB-AF45-E43862265B0D}"/>
+                </a:ext>
+                <a:ext uri="{C183D7F6-B498-43B3-948B-1728B52AA6E4}">
+                  <adec:decorative xmlns:adec="http://schemas.microsoft.com/office/drawing/2017/decorative" val="1"/>
+                </a:ext>
+              </a:extLst>
+            </p:cNvPr>
+            <p:cNvCxnSpPr/>
+            <p:nvPr>
+              <p:extLst>
+                <p:ext uri="{386F3935-93C4-4BCD-93E2-E3B085C9AB24}">
+                  <p16:designElem xmlns:p16="http://schemas.microsoft.com/office/powerpoint/2015/main" val="1"/>
+                </p:ext>
+              </p:extLst>
+            </p:nvPr>
+          </p:nvCxnSpPr>
+          <p:spPr>
+            <a:xfrm flipH="1">
+              <a:off x="7425267" y="3681413"/>
+              <a:ext cx="4763558" cy="3176587"/>
+            </a:xfrm>
+            <a:prstGeom prst="line">
+              <a:avLst/>
+            </a:prstGeom>
+            <a:ln w="9525">
+              <a:solidFill>
+                <a:schemeClr val="accent1">
+                  <a:alpha val="70000"/>
+                </a:schemeClr>
+              </a:solidFill>
+            </a:ln>
+          </p:spPr>
+          <p:style>
+            <a:lnRef idx="2">
+              <a:schemeClr val="accent1"/>
+            </a:lnRef>
+            <a:fillRef idx="0">
+              <a:schemeClr val="accent1"/>
+            </a:fillRef>
+            <a:effectRef idx="1">
+              <a:schemeClr val="accent1"/>
+            </a:effectRef>
+            <a:fontRef idx="minor">
+              <a:schemeClr val="tx1"/>
+            </a:fontRef>
+          </p:style>
+        </p:cxnSp>
+        <p:sp>
+          <p:nvSpPr>
+            <p:cNvPr id="43" name="Rectangle 23">
+              <a:extLst>
+                <a:ext uri="{FF2B5EF4-FFF2-40B4-BE49-F238E27FC236}">
+                  <a16:creationId xmlns:a16="http://schemas.microsoft.com/office/drawing/2014/main" id="{A108FB8B-558B-4F9E-970F-72D2EE57F644}"/>
+                </a:ext>
+                <a:ext uri="{C183D7F6-B498-43B3-948B-1728B52AA6E4}">
+                  <adec:decorative xmlns:adec="http://schemas.microsoft.com/office/drawing/2017/decorative" val="1"/>
+                </a:ext>
+              </a:extLst>
+            </p:cNvPr>
+            <p:cNvSpPr/>
+            <p:nvPr>
+              <p:extLst>
+                <p:ext uri="{386F3935-93C4-4BCD-93E2-E3B085C9AB24}">
+                  <p16:designElem xmlns:p16="http://schemas.microsoft.com/office/powerpoint/2015/main" val="1"/>
+                </p:ext>
+              </p:extLst>
+            </p:nvPr>
+          </p:nvSpPr>
+          <p:spPr>
+            <a:xfrm>
+              <a:off x="9181476" y="-8467"/>
+              <a:ext cx="3007349" cy="6866467"/>
+            </a:xfrm>
+            <a:custGeom>
+              <a:avLst/>
+              <a:gdLst/>
+              <a:ahLst/>
+              <a:cxnLst/>
+              <a:rect l="l" t="t" r="r" b="b"/>
+              <a:pathLst>
+                <a:path w="3007349" h="6866467">
+                  <a:moveTo>
+                    <a:pt x="2045532" y="0"/>
+                  </a:moveTo>
+                  <a:lnTo>
+                    <a:pt x="3007349" y="0"/>
+                  </a:lnTo>
+                  <a:lnTo>
+                    <a:pt x="3007349" y="6866467"/>
+                  </a:lnTo>
+                  <a:lnTo>
+                    <a:pt x="0" y="6866467"/>
+                  </a:lnTo>
+                  <a:lnTo>
+                    <a:pt x="2045532" y="0"/>
+                  </a:lnTo>
+                  <a:close/>
+                </a:path>
+              </a:pathLst>
+            </a:custGeom>
+            <a:solidFill>
+              <a:schemeClr val="accent1">
+                <a:alpha val="36000"/>
+              </a:schemeClr>
+            </a:solidFill>
+            <a:ln>
+              <a:noFill/>
+            </a:ln>
+            <a:effectLst/>
+          </p:spPr>
+          <p:style>
+            <a:lnRef idx="1">
+              <a:schemeClr val="accent1"/>
+            </a:lnRef>
+            <a:fillRef idx="3">
+              <a:schemeClr val="accent1"/>
+            </a:fillRef>
+            <a:effectRef idx="2">
+              <a:schemeClr val="accent1"/>
+            </a:effectRef>
+            <a:fontRef idx="minor">
+              <a:schemeClr val="lt1"/>
+            </a:fontRef>
+          </p:style>
+        </p:sp>
+        <p:sp>
+          <p:nvSpPr>
+            <p:cNvPr id="44" name="Rectangle 25">
+              <a:extLst>
+                <a:ext uri="{FF2B5EF4-FFF2-40B4-BE49-F238E27FC236}">
+                  <a16:creationId xmlns:a16="http://schemas.microsoft.com/office/drawing/2014/main" id="{481E92F1-5BD2-4422-B875-90578CEAA552}"/>
+                </a:ext>
+                <a:ext uri="{C183D7F6-B498-43B3-948B-1728B52AA6E4}">
+                  <adec:decorative xmlns:adec="http://schemas.microsoft.com/office/drawing/2017/decorative" val="1"/>
+                </a:ext>
+              </a:extLst>
+            </p:cNvPr>
+            <p:cNvSpPr/>
+            <p:nvPr>
+              <p:extLst>
+                <p:ext uri="{386F3935-93C4-4BCD-93E2-E3B085C9AB24}">
+                  <p16:designElem xmlns:p16="http://schemas.microsoft.com/office/powerpoint/2015/main" val="1"/>
+                </p:ext>
+              </p:extLst>
+            </p:nvPr>
+          </p:nvSpPr>
+          <p:spPr>
+            <a:xfrm>
+              <a:off x="9603442" y="-8467"/>
+              <a:ext cx="2588558" cy="6866467"/>
+            </a:xfrm>
+            <a:custGeom>
+              <a:avLst/>
+              <a:gdLst/>
+              <a:ahLst/>
+              <a:cxnLst/>
+              <a:rect l="l" t="t" r="r" b="b"/>
+              <a:pathLst>
+                <a:path w="2573311" h="6866467">
+                  <a:moveTo>
+                    <a:pt x="0" y="0"/>
+                  </a:moveTo>
+                  <a:lnTo>
+                    <a:pt x="2573311" y="0"/>
+                  </a:lnTo>
+                  <a:lnTo>
+                    <a:pt x="2573311" y="6866467"/>
+                  </a:lnTo>
+                  <a:lnTo>
+                    <a:pt x="1202336" y="6866467"/>
+                  </a:lnTo>
+                  <a:lnTo>
+                    <a:pt x="0" y="0"/>
+                  </a:lnTo>
+                  <a:close/>
+                </a:path>
+              </a:pathLst>
+            </a:custGeom>
+            <a:solidFill>
+              <a:schemeClr val="accent1">
+                <a:alpha val="20000"/>
+              </a:schemeClr>
+            </a:solidFill>
+            <a:ln>
+              <a:noFill/>
+            </a:ln>
+            <a:effectLst/>
+          </p:spPr>
+          <p:style>
+            <a:lnRef idx="1">
+              <a:schemeClr val="accent1"/>
+            </a:lnRef>
+            <a:fillRef idx="3">
+              <a:schemeClr val="accent1"/>
+            </a:fillRef>
+            <a:effectRef idx="2">
+              <a:schemeClr val="accent1"/>
+            </a:effectRef>
+            <a:fontRef idx="minor">
+              <a:schemeClr val="lt1"/>
+            </a:fontRef>
+          </p:style>
+        </p:sp>
+        <p:sp>
+          <p:nvSpPr>
+            <p:cNvPr id="45" name="Isosceles Triangle 44">
+              <a:extLst>
+                <a:ext uri="{FF2B5EF4-FFF2-40B4-BE49-F238E27FC236}">
+                  <a16:creationId xmlns:a16="http://schemas.microsoft.com/office/drawing/2014/main" id="{9D9630F3-9488-4F58-9098-F6B8552BD6D5}"/>
+                </a:ext>
+                <a:ext uri="{C183D7F6-B498-43B3-948B-1728B52AA6E4}">
+                  <adec:decorative xmlns:adec="http://schemas.microsoft.com/office/drawing/2017/decorative" val="1"/>
+                </a:ext>
+              </a:extLst>
+            </p:cNvPr>
+            <p:cNvSpPr/>
+            <p:nvPr>
+              <p:extLst>
+                <p:ext uri="{386F3935-93C4-4BCD-93E2-E3B085C9AB24}">
+                  <p16:designElem xmlns:p16="http://schemas.microsoft.com/office/powerpoint/2015/main" val="1"/>
+                </p:ext>
+              </p:extLst>
+            </p:nvPr>
+          </p:nvSpPr>
+          <p:spPr>
+            <a:xfrm>
+              <a:off x="8932333" y="3048000"/>
+              <a:ext cx="3259667" cy="3810000"/>
+            </a:xfrm>
+            <a:prstGeom prst="triangle">
+              <a:avLst>
+                <a:gd name="adj" fmla="val 100000"/>
+              </a:avLst>
+            </a:prstGeom>
+            <a:solidFill>
+              <a:schemeClr val="accent1">
+                <a:lumMod val="75000"/>
+                <a:alpha val="66000"/>
+              </a:schemeClr>
+            </a:solidFill>
+            <a:ln>
+              <a:noFill/>
+            </a:ln>
+            <a:effectLst/>
+          </p:spPr>
+          <p:style>
+            <a:lnRef idx="1">
+              <a:schemeClr val="accent1"/>
+            </a:lnRef>
+            <a:fillRef idx="3">
+              <a:schemeClr val="accent1"/>
+            </a:fillRef>
+            <a:effectRef idx="2">
+              <a:schemeClr val="accent1"/>
+            </a:effectRef>
+            <a:fontRef idx="minor">
+              <a:schemeClr val="lt1"/>
+            </a:fontRef>
+          </p:style>
+        </p:sp>
+        <p:sp>
+          <p:nvSpPr>
+            <p:cNvPr id="46" name="Rectangle 27">
+              <a:extLst>
+                <a:ext uri="{FF2B5EF4-FFF2-40B4-BE49-F238E27FC236}">
+                  <a16:creationId xmlns:a16="http://schemas.microsoft.com/office/drawing/2014/main" id="{A82B105D-E7A6-4F3A-AFDA-B9133F6BDFE0}"/>
+                </a:ext>
+                <a:ext uri="{C183D7F6-B498-43B3-948B-1728B52AA6E4}">
+                  <adec:decorative xmlns:adec="http://schemas.microsoft.com/office/drawing/2017/decorative" val="1"/>
+                </a:ext>
+              </a:extLst>
+            </p:cNvPr>
+            <p:cNvSpPr/>
+            <p:nvPr>
+              <p:extLst>
+                <p:ext uri="{386F3935-93C4-4BCD-93E2-E3B085C9AB24}">
+                  <p16:designElem xmlns:p16="http://schemas.microsoft.com/office/powerpoint/2015/main" val="1"/>
+                </p:ext>
+              </p:extLst>
+            </p:nvPr>
+          </p:nvSpPr>
+          <p:spPr>
+            <a:xfrm>
+              <a:off x="9334500" y="-8467"/>
+              <a:ext cx="2854326" cy="6866467"/>
+            </a:xfrm>
+            <a:custGeom>
+              <a:avLst/>
+              <a:gdLst/>
+              <a:ahLst/>
+              <a:cxnLst/>
+              <a:rect l="l" t="t" r="r" b="b"/>
+              <a:pathLst>
+                <a:path w="2858013" h="6866467">
+                  <a:moveTo>
+                    <a:pt x="0" y="0"/>
+                  </a:moveTo>
+                  <a:lnTo>
+                    <a:pt x="2858013" y="0"/>
+                  </a:lnTo>
+                  <a:lnTo>
+                    <a:pt x="2858013" y="6866467"/>
+                  </a:lnTo>
+                  <a:lnTo>
+                    <a:pt x="2473942" y="6866467"/>
+                  </a:lnTo>
+                  <a:lnTo>
+                    <a:pt x="0" y="0"/>
+                  </a:lnTo>
+                  <a:close/>
+                </a:path>
+              </a:pathLst>
+            </a:custGeom>
+            <a:solidFill>
+              <a:schemeClr val="accent1">
+                <a:lumMod val="75000"/>
+                <a:alpha val="50000"/>
+              </a:schemeClr>
+            </a:solidFill>
+            <a:ln>
+              <a:noFill/>
+            </a:ln>
+            <a:effectLst/>
+          </p:spPr>
+          <p:style>
+            <a:lnRef idx="1">
+              <a:schemeClr val="accent1"/>
+            </a:lnRef>
+            <a:fillRef idx="3">
+              <a:schemeClr val="accent1"/>
+            </a:fillRef>
+            <a:effectRef idx="2">
+              <a:schemeClr val="accent1"/>
+            </a:effectRef>
+            <a:fontRef idx="minor">
+              <a:schemeClr val="lt1"/>
+            </a:fontRef>
+          </p:style>
+        </p:sp>
+        <p:sp>
+          <p:nvSpPr>
+            <p:cNvPr id="47" name="Rectangle 28">
+              <a:extLst>
+                <a:ext uri="{FF2B5EF4-FFF2-40B4-BE49-F238E27FC236}">
+                  <a16:creationId xmlns:a16="http://schemas.microsoft.com/office/drawing/2014/main" id="{592262AB-546B-41A7-99DE-EC034F0722FB}"/>
+                </a:ext>
+                <a:ext uri="{C183D7F6-B498-43B3-948B-1728B52AA6E4}">
+                  <adec:decorative xmlns:adec="http://schemas.microsoft.com/office/drawing/2017/decorative" val="1"/>
+                </a:ext>
+              </a:extLst>
+            </p:cNvPr>
+            <p:cNvSpPr/>
+            <p:nvPr>
+              <p:extLst>
+                <p:ext uri="{386F3935-93C4-4BCD-93E2-E3B085C9AB24}">
+                  <p16:designElem xmlns:p16="http://schemas.microsoft.com/office/powerpoint/2015/main" val="1"/>
+                </p:ext>
+              </p:extLst>
+            </p:nvPr>
+          </p:nvSpPr>
+          <p:spPr>
+            <a:xfrm>
+              <a:off x="10898730" y="-8467"/>
+              <a:ext cx="1290094" cy="6866467"/>
+            </a:xfrm>
+            <a:custGeom>
+              <a:avLst/>
+              <a:gdLst/>
+              <a:ahLst/>
+              <a:cxnLst/>
+              <a:rect l="l" t="t" r="r" b="b"/>
+              <a:pathLst>
+                <a:path w="1290094" h="6858000">
+                  <a:moveTo>
+                    <a:pt x="1019735" y="0"/>
+                  </a:moveTo>
+                  <a:lnTo>
+                    <a:pt x="1290094" y="0"/>
+                  </a:lnTo>
+                  <a:lnTo>
+                    <a:pt x="1290094" y="6858000"/>
+                  </a:lnTo>
+                  <a:lnTo>
+                    <a:pt x="0" y="6858000"/>
+                  </a:lnTo>
+                  <a:lnTo>
+                    <a:pt x="1019735" y="0"/>
+                  </a:lnTo>
+                  <a:close/>
+                </a:path>
+              </a:pathLst>
+            </a:custGeom>
+            <a:solidFill>
+              <a:schemeClr val="accent2">
+                <a:alpha val="70000"/>
+              </a:schemeClr>
+            </a:solidFill>
+            <a:ln>
+              <a:noFill/>
+            </a:ln>
+            <a:effectLst/>
+          </p:spPr>
+          <p:style>
+            <a:lnRef idx="1">
+              <a:schemeClr val="accent1"/>
+            </a:lnRef>
+            <a:fillRef idx="3">
+              <a:schemeClr val="accent1"/>
+            </a:fillRef>
+            <a:effectRef idx="2">
+              <a:schemeClr val="accent1"/>
+            </a:effectRef>
+            <a:fontRef idx="minor">
+              <a:schemeClr val="lt1"/>
+            </a:fontRef>
+          </p:style>
+        </p:sp>
+        <p:sp>
+          <p:nvSpPr>
+            <p:cNvPr id="48" name="Rectangle 29">
+              <a:extLst>
+                <a:ext uri="{FF2B5EF4-FFF2-40B4-BE49-F238E27FC236}">
+                  <a16:creationId xmlns:a16="http://schemas.microsoft.com/office/drawing/2014/main" id="{D878A1F7-F404-41A0-BD7C-9739499BDDD6}"/>
+                </a:ext>
+                <a:ext uri="{C183D7F6-B498-43B3-948B-1728B52AA6E4}">
+                  <adec:decorative xmlns:adec="http://schemas.microsoft.com/office/drawing/2017/decorative" val="1"/>
+                </a:ext>
+              </a:extLst>
+            </p:cNvPr>
+            <p:cNvSpPr/>
+            <p:nvPr>
+              <p:extLst>
+                <p:ext uri="{386F3935-93C4-4BCD-93E2-E3B085C9AB24}">
+                  <p16:designElem xmlns:p16="http://schemas.microsoft.com/office/powerpoint/2015/main" val="1"/>
+                </p:ext>
+              </p:extLst>
+            </p:nvPr>
+          </p:nvSpPr>
+          <p:spPr>
+            <a:xfrm>
+              <a:off x="10938999" y="-8467"/>
+              <a:ext cx="1249825" cy="6866467"/>
+            </a:xfrm>
+            <a:custGeom>
+              <a:avLst/>
+              <a:gdLst/>
+              <a:ahLst/>
+              <a:cxnLst/>
+              <a:rect l="l" t="t" r="r" b="b"/>
+              <a:pathLst>
+                <a:path w="1249825" h="6858000">
+                  <a:moveTo>
+                    <a:pt x="0" y="0"/>
+                  </a:moveTo>
+                  <a:lnTo>
+                    <a:pt x="1249825" y="0"/>
+                  </a:lnTo>
+                  <a:lnTo>
+                    <a:pt x="1249825" y="6858000"/>
+                  </a:lnTo>
+                  <a:lnTo>
+                    <a:pt x="1109382" y="6858000"/>
+                  </a:lnTo>
+                  <a:lnTo>
+                    <a:pt x="0" y="0"/>
+                  </a:lnTo>
+                  <a:close/>
+                </a:path>
+              </a:pathLst>
+            </a:custGeom>
+            <a:solidFill>
+              <a:schemeClr val="accent2">
+                <a:lumMod val="75000"/>
+                <a:alpha val="80000"/>
+              </a:schemeClr>
+            </a:solidFill>
+            <a:ln>
+              <a:noFill/>
+            </a:ln>
+            <a:effectLst/>
+          </p:spPr>
+          <p:style>
+            <a:lnRef idx="1">
+              <a:schemeClr val="accent1"/>
+            </a:lnRef>
+            <a:fillRef idx="3">
+              <a:schemeClr val="accent1"/>
+            </a:fillRef>
+            <a:effectRef idx="2">
+              <a:schemeClr val="accent1"/>
+            </a:effectRef>
+            <a:fontRef idx="minor">
+              <a:schemeClr val="lt1"/>
+            </a:fontRef>
+          </p:style>
+        </p:sp>
+        <p:sp>
+          <p:nvSpPr>
+            <p:cNvPr id="49" name="Isosceles Triangle 48">
+              <a:extLst>
+                <a:ext uri="{FF2B5EF4-FFF2-40B4-BE49-F238E27FC236}">
+                  <a16:creationId xmlns:a16="http://schemas.microsoft.com/office/drawing/2014/main" id="{0076BF32-29FF-4C3A-B1AF-91A28EFDA079}"/>
+                </a:ext>
+                <a:ext uri="{C183D7F6-B498-43B3-948B-1728B52AA6E4}">
+                  <adec:decorative xmlns:adec="http://schemas.microsoft.com/office/drawing/2017/decorative" val="1"/>
+                </a:ext>
+              </a:extLst>
+            </p:cNvPr>
+            <p:cNvSpPr/>
+            <p:nvPr>
+              <p:extLst>
+                <p:ext uri="{386F3935-93C4-4BCD-93E2-E3B085C9AB24}">
+                  <p16:designElem xmlns:p16="http://schemas.microsoft.com/office/powerpoint/2015/main" val="1"/>
+                </p:ext>
+              </p:extLst>
+            </p:nvPr>
+          </p:nvSpPr>
+          <p:spPr>
+            <a:xfrm>
+              <a:off x="10371666" y="3589867"/>
+              <a:ext cx="1817159" cy="3268133"/>
+            </a:xfrm>
+            <a:prstGeom prst="triangle">
+              <a:avLst>
+                <a:gd name="adj" fmla="val 100000"/>
+              </a:avLst>
+            </a:prstGeom>
+            <a:solidFill>
+              <a:schemeClr val="accent1">
+                <a:lumMod val="75000"/>
+                <a:alpha val="66000"/>
+              </a:schemeClr>
+            </a:solidFill>
+            <a:ln>
+              <a:noFill/>
+            </a:ln>
+            <a:effectLst/>
+          </p:spPr>
+          <p:style>
+            <a:lnRef idx="1">
+              <a:schemeClr val="accent1"/>
+            </a:lnRef>
+            <a:fillRef idx="3">
+              <a:schemeClr val="accent1"/>
+            </a:fillRef>
+            <a:effectRef idx="2">
+              <a:schemeClr val="accent1"/>
+            </a:effectRef>
+            <a:fontRef idx="minor">
+              <a:schemeClr val="lt1"/>
+            </a:fontRef>
+          </p:style>
+        </p:sp>
+        <p:sp>
+          <p:nvSpPr>
+            <p:cNvPr id="50" name="Isosceles Triangle 49">
+              <a:extLst>
+                <a:ext uri="{FF2B5EF4-FFF2-40B4-BE49-F238E27FC236}">
+                  <a16:creationId xmlns:a16="http://schemas.microsoft.com/office/drawing/2014/main" id="{0A4C29F3-B3A2-40B9-8670-ADA39B0C42FF}"/>
+                </a:ext>
+                <a:ext uri="{C183D7F6-B498-43B3-948B-1728B52AA6E4}">
+                  <adec:decorative xmlns:adec="http://schemas.microsoft.com/office/drawing/2017/decorative" val="1"/>
+                </a:ext>
+              </a:extLst>
+            </p:cNvPr>
+            <p:cNvSpPr/>
+            <p:nvPr>
+              <p:extLst>
+                <p:ext uri="{386F3935-93C4-4BCD-93E2-E3B085C9AB24}">
+                  <p16:designElem xmlns:p16="http://schemas.microsoft.com/office/powerpoint/2015/main" val="1"/>
+                </p:ext>
+              </p:extLst>
+            </p:nvPr>
+          </p:nvSpPr>
+          <p:spPr>
+            <a:xfrm>
+              <a:off x="0" y="4013200"/>
+              <a:ext cx="448733" cy="2844800"/>
+            </a:xfrm>
+            <a:prstGeom prst="triangle">
+              <a:avLst>
+                <a:gd name="adj" fmla="val 0"/>
+              </a:avLst>
+            </a:prstGeom>
+            <a:solidFill>
+              <a:schemeClr val="accent1">
+                <a:alpha val="70000"/>
+              </a:schemeClr>
+            </a:solidFill>
+            <a:ln>
+              <a:noFill/>
+            </a:ln>
+            <a:effectLst/>
+          </p:spPr>
+          <p:style>
+            <a:lnRef idx="1">
+              <a:schemeClr val="accent1"/>
+            </a:lnRef>
+            <a:fillRef idx="3">
+              <a:schemeClr val="accent1"/>
+            </a:fillRef>
+            <a:effectRef idx="2">
+              <a:schemeClr val="accent1"/>
+            </a:effectRef>
+            <a:fontRef idx="minor">
+              <a:schemeClr val="lt1"/>
+            </a:fontRef>
+          </p:style>
+        </p:sp>
+      </p:grpSp>
+      <p:sp>
+        <p:nvSpPr>
+          <p:cNvPr id="52" name="Rectangle 51">
+            <a:extLst>
+              <a:ext uri="{FF2B5EF4-FFF2-40B4-BE49-F238E27FC236}">
+                <a16:creationId xmlns:a16="http://schemas.microsoft.com/office/drawing/2014/main" id="{21029ED5-F105-4DD2-99C8-1E4422817978}"/>
+              </a:ext>
+              <a:ext uri="{C183D7F6-B498-43B3-948B-1728B52AA6E4}">
+                <adec:decorative xmlns:adec="http://schemas.microsoft.com/office/drawing/2017/decorative" val="1"/>
+              </a:ext>
+            </a:extLst>
+          </p:cNvPr>
+          <p:cNvSpPr>
+            <a:spLocks noGrp="1" noRot="1" noChangeAspect="1" noMove="1" noResize="1" noEditPoints="1" noAdjustHandles="1" noChangeArrowheads="1" noChangeShapeType="1" noTextEdit="1"/>
+          </p:cNvSpPr>
+          <p:nvPr>
+            <p:extLst>
+              <p:ext uri="{386F3935-93C4-4BCD-93E2-E3B085C9AB24}">
+                <p16:designElem xmlns:p16="http://schemas.microsoft.com/office/powerpoint/2015/main" val="1"/>
+              </p:ext>
+            </p:extLst>
+          </p:nvPr>
+        </p:nvSpPr>
+        <p:spPr>
+          <a:xfrm>
+            <a:off x="0" y="0"/>
+            <a:ext cx="12192000" cy="6858000"/>
+          </a:xfrm>
+          <a:prstGeom prst="rect">
+            <a:avLst/>
+          </a:prstGeom>
+          <a:ln>
+            <a:noFill/>
+          </a:ln>
+        </p:spPr>
+        <p:style>
+          <a:lnRef idx="2">
+            <a:schemeClr val="accent1">
+              <a:shade val="50000"/>
+            </a:schemeClr>
+          </a:lnRef>
+          <a:fillRef idx="1">
+            <a:schemeClr val="accent1"/>
+          </a:fillRef>
+          <a:effectRef idx="0">
+            <a:schemeClr val="accent1"/>
+          </a:effectRef>
+          <a:fontRef idx="minor">
+            <a:schemeClr val="lt1"/>
+          </a:fontRef>
+        </p:style>
+        <p:txBody>
+          <a:bodyPr rtlCol="0" anchor="ctr"/>
+          <a:lstStyle/>
+          <a:p>
+            <a:pPr algn="ctr"/>
+            <a:endParaRPr lang="en-US"/>
+          </a:p>
+        </p:txBody>
+      </p:sp>
+      <p:grpSp>
+        <p:nvGrpSpPr>
+          <p:cNvPr id="54" name="Group 53">
+            <a:extLst>
+              <a:ext uri="{FF2B5EF4-FFF2-40B4-BE49-F238E27FC236}">
+                <a16:creationId xmlns:a16="http://schemas.microsoft.com/office/drawing/2014/main" id="{2D621E68-BF28-4A1C-B1A2-4E55E139E79A}"/>
+              </a:ext>
+              <a:ext uri="{C183D7F6-B498-43B3-948B-1728B52AA6E4}">
+                <adec:decorative xmlns:adec="http://schemas.microsoft.com/office/drawing/2017/decorative" val="1"/>
+              </a:ext>
+            </a:extLst>
+          </p:cNvPr>
+          <p:cNvGrpSpPr>
+            <a:grpSpLocks noGrp="1" noUngrp="1" noRot="1" noChangeAspect="1" noMove="1" noResize="1"/>
+          </p:cNvGrpSpPr>
+          <p:nvPr>
+            <p:extLst>
+              <p:ext uri="{386F3935-93C4-4BCD-93E2-E3B085C9AB24}">
+                <p16:designElem xmlns:p16="http://schemas.microsoft.com/office/powerpoint/2015/main" val="1"/>
+              </p:ext>
+            </p:extLst>
+          </p:nvPr>
+        </p:nvGrpSpPr>
+        <p:grpSpPr>
+          <a:xfrm>
+            <a:off x="0" y="-8467"/>
+            <a:ext cx="12192000" cy="6866467"/>
+            <a:chOff x="0" y="-8467"/>
+            <a:chExt cx="12192000" cy="6866467"/>
+          </a:xfrm>
+        </p:grpSpPr>
+        <p:cxnSp>
+          <p:nvCxnSpPr>
+            <p:cNvPr id="55" name="Straight Connector 54">
+              <a:extLst>
+                <a:ext uri="{FF2B5EF4-FFF2-40B4-BE49-F238E27FC236}">
+                  <a16:creationId xmlns:a16="http://schemas.microsoft.com/office/drawing/2014/main" id="{BE8BBE4D-F0DF-49B9-B75A-99DAC53ACA77}"/>
+                </a:ext>
+                <a:ext uri="{C183D7F6-B498-43B3-948B-1728B52AA6E4}">
+                  <adec:decorative xmlns:adec="http://schemas.microsoft.com/office/drawing/2017/decorative" val="1"/>
+                </a:ext>
+              </a:extLst>
+            </p:cNvPr>
+            <p:cNvCxnSpPr/>
+            <p:nvPr>
+              <p:extLst>
+                <p:ext uri="{386F3935-93C4-4BCD-93E2-E3B085C9AB24}">
+                  <p16:designElem xmlns:p16="http://schemas.microsoft.com/office/powerpoint/2015/main" val="1"/>
+                </p:ext>
+              </p:extLst>
+            </p:nvPr>
+          </p:nvCxnSpPr>
+          <p:spPr>
+            <a:xfrm flipH="1">
+              <a:off x="7425267" y="3681413"/>
+              <a:ext cx="4763558" cy="3176587"/>
+            </a:xfrm>
+            <a:prstGeom prst="line">
+              <a:avLst/>
+            </a:prstGeom>
+            <a:ln w="9525">
+              <a:solidFill>
+                <a:schemeClr val="bg1">
+                  <a:lumMod val="85000"/>
+                </a:schemeClr>
+              </a:solidFill>
+            </a:ln>
+          </p:spPr>
+          <p:style>
+            <a:lnRef idx="2">
+              <a:schemeClr val="accent1"/>
+            </a:lnRef>
+            <a:fillRef idx="0">
+              <a:schemeClr val="accent1"/>
+            </a:fillRef>
+            <a:effectRef idx="1">
+              <a:schemeClr val="accent1"/>
+            </a:effectRef>
+            <a:fontRef idx="minor">
+              <a:schemeClr val="tx1"/>
+            </a:fontRef>
+          </p:style>
+        </p:cxnSp>
+        <p:sp>
+          <p:nvSpPr>
+            <p:cNvPr id="56" name="Rectangle 23">
+              <a:extLst>
+                <a:ext uri="{FF2B5EF4-FFF2-40B4-BE49-F238E27FC236}">
+                  <a16:creationId xmlns:a16="http://schemas.microsoft.com/office/drawing/2014/main" id="{E0F07DDC-34A6-46A1-9DE9-2BBE2931A55B}"/>
+                </a:ext>
+                <a:ext uri="{C183D7F6-B498-43B3-948B-1728B52AA6E4}">
+                  <adec:decorative xmlns:adec="http://schemas.microsoft.com/office/drawing/2017/decorative" val="1"/>
+                </a:ext>
+              </a:extLst>
+            </p:cNvPr>
+            <p:cNvSpPr/>
+            <p:nvPr>
+              <p:extLst>
+                <p:ext uri="{386F3935-93C4-4BCD-93E2-E3B085C9AB24}">
+                  <p16:designElem xmlns:p16="http://schemas.microsoft.com/office/powerpoint/2015/main" val="1"/>
+                </p:ext>
+              </p:extLst>
+            </p:nvPr>
+          </p:nvSpPr>
+          <p:spPr>
+            <a:xfrm>
+              <a:off x="9181476" y="-8467"/>
+              <a:ext cx="3007349" cy="6866467"/>
+            </a:xfrm>
+            <a:custGeom>
+              <a:avLst/>
+              <a:gdLst/>
+              <a:ahLst/>
+              <a:cxnLst/>
+              <a:rect l="l" t="t" r="r" b="b"/>
+              <a:pathLst>
+                <a:path w="3007349" h="6866467">
+                  <a:moveTo>
+                    <a:pt x="2045532" y="0"/>
+                  </a:moveTo>
+                  <a:lnTo>
+                    <a:pt x="3007349" y="0"/>
+                  </a:lnTo>
+                  <a:lnTo>
+                    <a:pt x="3007349" y="6866467"/>
+                  </a:lnTo>
+                  <a:lnTo>
+                    <a:pt x="0" y="6866467"/>
+                  </a:lnTo>
+                  <a:lnTo>
+                    <a:pt x="2045532" y="0"/>
+                  </a:lnTo>
+                  <a:close/>
+                </a:path>
+              </a:pathLst>
+            </a:custGeom>
+            <a:solidFill>
+              <a:schemeClr val="accent1">
+                <a:alpha val="30000"/>
+              </a:schemeClr>
+            </a:solidFill>
+            <a:ln>
+              <a:noFill/>
+            </a:ln>
+            <a:effectLst/>
+          </p:spPr>
+          <p:style>
+            <a:lnRef idx="1">
+              <a:schemeClr val="accent1"/>
+            </a:lnRef>
+            <a:fillRef idx="3">
+              <a:schemeClr val="accent1"/>
+            </a:fillRef>
+            <a:effectRef idx="2">
+              <a:schemeClr val="accent1"/>
+            </a:effectRef>
+            <a:fontRef idx="minor">
+              <a:schemeClr val="lt1"/>
+            </a:fontRef>
+          </p:style>
+        </p:sp>
+        <p:sp>
+          <p:nvSpPr>
+            <p:cNvPr id="57" name="Rectangle 25">
+              <a:extLst>
+                <a:ext uri="{FF2B5EF4-FFF2-40B4-BE49-F238E27FC236}">
+                  <a16:creationId xmlns:a16="http://schemas.microsoft.com/office/drawing/2014/main" id="{2CEB2BF9-B8DB-45B9-86EA-D197B5B1AEFF}"/>
+                </a:ext>
+                <a:ext uri="{C183D7F6-B498-43B3-948B-1728B52AA6E4}">
+                  <adec:decorative xmlns:adec="http://schemas.microsoft.com/office/drawing/2017/decorative" val="1"/>
+                </a:ext>
+              </a:extLst>
+            </p:cNvPr>
+            <p:cNvSpPr/>
+            <p:nvPr>
+              <p:extLst>
+                <p:ext uri="{386F3935-93C4-4BCD-93E2-E3B085C9AB24}">
+                  <p16:designElem xmlns:p16="http://schemas.microsoft.com/office/powerpoint/2015/main" val="1"/>
+                </p:ext>
+              </p:extLst>
+            </p:nvPr>
+          </p:nvSpPr>
+          <p:spPr>
+            <a:xfrm>
+              <a:off x="9603442" y="-8467"/>
+              <a:ext cx="2588558" cy="6866467"/>
+            </a:xfrm>
+            <a:custGeom>
+              <a:avLst/>
+              <a:gdLst/>
+              <a:ahLst/>
+              <a:cxnLst/>
+              <a:rect l="l" t="t" r="r" b="b"/>
+              <a:pathLst>
+                <a:path w="2573311" h="6866467">
+                  <a:moveTo>
+                    <a:pt x="0" y="0"/>
+                  </a:moveTo>
+                  <a:lnTo>
+                    <a:pt x="2573311" y="0"/>
+                  </a:lnTo>
+                  <a:lnTo>
+                    <a:pt x="2573311" y="6866467"/>
+                  </a:lnTo>
+                  <a:lnTo>
+                    <a:pt x="1202336" y="6866467"/>
+                  </a:lnTo>
+                  <a:lnTo>
+                    <a:pt x="0" y="0"/>
+                  </a:lnTo>
+                  <a:close/>
+                </a:path>
+              </a:pathLst>
+            </a:custGeom>
+            <a:solidFill>
+              <a:schemeClr val="accent1">
+                <a:alpha val="20000"/>
+              </a:schemeClr>
+            </a:solidFill>
+            <a:ln>
+              <a:noFill/>
+            </a:ln>
+            <a:effectLst/>
+          </p:spPr>
+          <p:style>
+            <a:lnRef idx="1">
+              <a:schemeClr val="accent1"/>
+            </a:lnRef>
+            <a:fillRef idx="3">
+              <a:schemeClr val="accent1"/>
+            </a:fillRef>
+            <a:effectRef idx="2">
+              <a:schemeClr val="accent1"/>
+            </a:effectRef>
+            <a:fontRef idx="minor">
+              <a:schemeClr val="lt1"/>
+            </a:fontRef>
+          </p:style>
+        </p:sp>
+        <p:sp>
+          <p:nvSpPr>
+            <p:cNvPr id="58" name="Isosceles Triangle 57">
+              <a:extLst>
+                <a:ext uri="{FF2B5EF4-FFF2-40B4-BE49-F238E27FC236}">
+                  <a16:creationId xmlns:a16="http://schemas.microsoft.com/office/drawing/2014/main" id="{08B5BB34-3801-4E70-A981-FE007635E11D}"/>
+                </a:ext>
+                <a:ext uri="{C183D7F6-B498-43B3-948B-1728B52AA6E4}">
+                  <adec:decorative xmlns:adec="http://schemas.microsoft.com/office/drawing/2017/decorative" val="1"/>
+                </a:ext>
+              </a:extLst>
+            </p:cNvPr>
+            <p:cNvSpPr/>
+            <p:nvPr>
+              <p:extLst>
+                <p:ext uri="{386F3935-93C4-4BCD-93E2-E3B085C9AB24}">
+                  <p16:designElem xmlns:p16="http://schemas.microsoft.com/office/powerpoint/2015/main" val="1"/>
+                </p:ext>
+              </p:extLst>
+            </p:nvPr>
+          </p:nvSpPr>
+          <p:spPr>
+            <a:xfrm>
+              <a:off x="8932333" y="3048000"/>
+              <a:ext cx="3259667" cy="3810000"/>
+            </a:xfrm>
+            <a:prstGeom prst="triangle">
+              <a:avLst>
+                <a:gd name="adj" fmla="val 100000"/>
+              </a:avLst>
+            </a:prstGeom>
+            <a:solidFill>
+              <a:schemeClr val="accent2">
+                <a:alpha val="72000"/>
+              </a:schemeClr>
+            </a:solidFill>
+            <a:ln>
+              <a:noFill/>
+            </a:ln>
+            <a:effectLst/>
+          </p:spPr>
+          <p:style>
+            <a:lnRef idx="1">
+              <a:schemeClr val="accent1"/>
+            </a:lnRef>
+            <a:fillRef idx="3">
+              <a:schemeClr val="accent1"/>
+            </a:fillRef>
+            <a:effectRef idx="2">
+              <a:schemeClr val="accent1"/>
+            </a:effectRef>
+            <a:fontRef idx="minor">
+              <a:schemeClr val="lt1"/>
+            </a:fontRef>
+          </p:style>
+        </p:sp>
+        <p:sp>
+          <p:nvSpPr>
+            <p:cNvPr id="59" name="Rectangle 27">
+              <a:extLst>
+                <a:ext uri="{FF2B5EF4-FFF2-40B4-BE49-F238E27FC236}">
+                  <a16:creationId xmlns:a16="http://schemas.microsoft.com/office/drawing/2014/main" id="{38432A75-2CEB-463C-A8F2-ABB50A79F444}"/>
+                </a:ext>
+                <a:ext uri="{C183D7F6-B498-43B3-948B-1728B52AA6E4}">
+                  <adec:decorative xmlns:adec="http://schemas.microsoft.com/office/drawing/2017/decorative" val="1"/>
+                </a:ext>
+              </a:extLst>
+            </p:cNvPr>
+            <p:cNvSpPr/>
+            <p:nvPr>
+              <p:extLst>
+                <p:ext uri="{386F3935-93C4-4BCD-93E2-E3B085C9AB24}">
+                  <p16:designElem xmlns:p16="http://schemas.microsoft.com/office/powerpoint/2015/main" val="1"/>
+                </p:ext>
+              </p:extLst>
+            </p:nvPr>
+          </p:nvSpPr>
+          <p:spPr>
+            <a:xfrm>
+              <a:off x="9334500" y="-8467"/>
+              <a:ext cx="2854326" cy="6866467"/>
+            </a:xfrm>
+            <a:custGeom>
+              <a:avLst/>
+              <a:gdLst/>
+              <a:ahLst/>
+              <a:cxnLst/>
+              <a:rect l="l" t="t" r="r" b="b"/>
+              <a:pathLst>
+                <a:path w="2858013" h="6866467">
+                  <a:moveTo>
+                    <a:pt x="0" y="0"/>
+                  </a:moveTo>
+                  <a:lnTo>
+                    <a:pt x="2858013" y="0"/>
+                  </a:lnTo>
+                  <a:lnTo>
+                    <a:pt x="2858013" y="6866467"/>
+                  </a:lnTo>
+                  <a:lnTo>
+                    <a:pt x="2473942" y="6866467"/>
+                  </a:lnTo>
+                  <a:lnTo>
+                    <a:pt x="0" y="0"/>
+                  </a:lnTo>
+                  <a:close/>
+                </a:path>
+              </a:pathLst>
+            </a:custGeom>
+            <a:solidFill>
+              <a:schemeClr val="accent2">
+                <a:lumMod val="75000"/>
+                <a:alpha val="70000"/>
+              </a:schemeClr>
+            </a:solidFill>
+            <a:ln>
+              <a:noFill/>
+            </a:ln>
+            <a:effectLst/>
+          </p:spPr>
+          <p:style>
+            <a:lnRef idx="1">
+              <a:schemeClr val="accent1"/>
+            </a:lnRef>
+            <a:fillRef idx="3">
+              <a:schemeClr val="accent1"/>
+            </a:fillRef>
+            <a:effectRef idx="2">
+              <a:schemeClr val="accent1"/>
+            </a:effectRef>
+            <a:fontRef idx="minor">
+              <a:schemeClr val="lt1"/>
+            </a:fontRef>
+          </p:style>
+        </p:sp>
+        <p:sp>
+          <p:nvSpPr>
+            <p:cNvPr id="60" name="Rectangle 28">
+              <a:extLst>
+                <a:ext uri="{FF2B5EF4-FFF2-40B4-BE49-F238E27FC236}">
+                  <a16:creationId xmlns:a16="http://schemas.microsoft.com/office/drawing/2014/main" id="{E7E850B8-C050-4597-8BEB-113FEC9A27C9}"/>
+                </a:ext>
+                <a:ext uri="{C183D7F6-B498-43B3-948B-1728B52AA6E4}">
+                  <adec:decorative xmlns:adec="http://schemas.microsoft.com/office/drawing/2017/decorative" val="1"/>
+                </a:ext>
+              </a:extLst>
+            </p:cNvPr>
+            <p:cNvSpPr/>
+            <p:nvPr>
+              <p:extLst>
+                <p:ext uri="{386F3935-93C4-4BCD-93E2-E3B085C9AB24}">
+                  <p16:designElem xmlns:p16="http://schemas.microsoft.com/office/powerpoint/2015/main" val="1"/>
+                </p:ext>
+              </p:extLst>
+            </p:nvPr>
+          </p:nvSpPr>
+          <p:spPr>
+            <a:xfrm>
+              <a:off x="10898730" y="-8467"/>
+              <a:ext cx="1290094" cy="6866467"/>
+            </a:xfrm>
+            <a:custGeom>
+              <a:avLst/>
+              <a:gdLst/>
+              <a:ahLst/>
+              <a:cxnLst/>
+              <a:rect l="l" t="t" r="r" b="b"/>
+              <a:pathLst>
+                <a:path w="1290094" h="6858000">
+                  <a:moveTo>
+                    <a:pt x="1019735" y="0"/>
+                  </a:moveTo>
+                  <a:lnTo>
+                    <a:pt x="1290094" y="0"/>
+                  </a:lnTo>
+                  <a:lnTo>
+                    <a:pt x="1290094" y="6858000"/>
+                  </a:lnTo>
+                  <a:lnTo>
+                    <a:pt x="0" y="6858000"/>
+                  </a:lnTo>
+                  <a:lnTo>
+                    <a:pt x="1019735" y="0"/>
+                  </a:lnTo>
+                  <a:close/>
+                </a:path>
+              </a:pathLst>
+            </a:custGeom>
+            <a:solidFill>
+              <a:schemeClr val="accent1">
+                <a:lumMod val="60000"/>
+                <a:lumOff val="40000"/>
+                <a:alpha val="70000"/>
+              </a:schemeClr>
+            </a:solidFill>
+            <a:ln>
+              <a:noFill/>
+            </a:ln>
+            <a:effectLst/>
+          </p:spPr>
+          <p:style>
+            <a:lnRef idx="1">
+              <a:schemeClr val="accent1"/>
+            </a:lnRef>
+            <a:fillRef idx="3">
+              <a:schemeClr val="accent1"/>
+            </a:fillRef>
+            <a:effectRef idx="2">
+              <a:schemeClr val="accent1"/>
+            </a:effectRef>
+            <a:fontRef idx="minor">
+              <a:schemeClr val="lt1"/>
+            </a:fontRef>
+          </p:style>
+        </p:sp>
+        <p:sp>
+          <p:nvSpPr>
+            <p:cNvPr id="61" name="Rectangle 29">
+              <a:extLst>
+                <a:ext uri="{FF2B5EF4-FFF2-40B4-BE49-F238E27FC236}">
+                  <a16:creationId xmlns:a16="http://schemas.microsoft.com/office/drawing/2014/main" id="{24ACC798-9CEC-4B6F-A8DD-F8E6FCCCF164}"/>
+                </a:ext>
+                <a:ext uri="{C183D7F6-B498-43B3-948B-1728B52AA6E4}">
+                  <adec:decorative xmlns:adec="http://schemas.microsoft.com/office/drawing/2017/decorative" val="1"/>
+                </a:ext>
+              </a:extLst>
+            </p:cNvPr>
+            <p:cNvSpPr/>
+            <p:nvPr>
+              <p:extLst>
+                <p:ext uri="{386F3935-93C4-4BCD-93E2-E3B085C9AB24}">
+                  <p16:designElem xmlns:p16="http://schemas.microsoft.com/office/powerpoint/2015/main" val="1"/>
+                </p:ext>
+              </p:extLst>
+            </p:nvPr>
+          </p:nvSpPr>
+          <p:spPr>
+            <a:xfrm>
+              <a:off x="10938999" y="-8467"/>
+              <a:ext cx="1249825" cy="6866467"/>
+            </a:xfrm>
+            <a:custGeom>
+              <a:avLst/>
+              <a:gdLst/>
+              <a:ahLst/>
+              <a:cxnLst/>
+              <a:rect l="l" t="t" r="r" b="b"/>
+              <a:pathLst>
+                <a:path w="1249825" h="6858000">
+                  <a:moveTo>
+                    <a:pt x="0" y="0"/>
+                  </a:moveTo>
+                  <a:lnTo>
+                    <a:pt x="1249825" y="0"/>
+                  </a:lnTo>
+                  <a:lnTo>
+                    <a:pt x="1249825" y="6858000"/>
+                  </a:lnTo>
+                  <a:lnTo>
+                    <a:pt x="1109382" y="6858000"/>
+                  </a:lnTo>
+                  <a:lnTo>
+                    <a:pt x="0" y="0"/>
+                  </a:lnTo>
+                  <a:close/>
+                </a:path>
+              </a:pathLst>
+            </a:custGeom>
+            <a:solidFill>
+              <a:schemeClr val="accent1">
+                <a:alpha val="65000"/>
+              </a:schemeClr>
+            </a:solidFill>
+            <a:ln>
+              <a:noFill/>
+            </a:ln>
+            <a:effectLst/>
+          </p:spPr>
+          <p:style>
+            <a:lnRef idx="1">
+              <a:schemeClr val="accent1"/>
+            </a:lnRef>
+            <a:fillRef idx="3">
+              <a:schemeClr val="accent1"/>
+            </a:fillRef>
+            <a:effectRef idx="2">
+              <a:schemeClr val="accent1"/>
+            </a:effectRef>
+            <a:fontRef idx="minor">
+              <a:schemeClr val="lt1"/>
+            </a:fontRef>
+          </p:style>
+        </p:sp>
+        <p:sp>
+          <p:nvSpPr>
+            <p:cNvPr id="62" name="Isosceles Triangle 61">
+              <a:extLst>
+                <a:ext uri="{FF2B5EF4-FFF2-40B4-BE49-F238E27FC236}">
+                  <a16:creationId xmlns:a16="http://schemas.microsoft.com/office/drawing/2014/main" id="{1D58A8C6-1294-4CD9-89BC-F1E981A524AA}"/>
+                </a:ext>
+                <a:ext uri="{C183D7F6-B498-43B3-948B-1728B52AA6E4}">
+                  <adec:decorative xmlns:adec="http://schemas.microsoft.com/office/drawing/2017/decorative" val="1"/>
+                </a:ext>
+              </a:extLst>
+            </p:cNvPr>
+            <p:cNvSpPr/>
+            <p:nvPr>
+              <p:extLst>
+                <p:ext uri="{386F3935-93C4-4BCD-93E2-E3B085C9AB24}">
+                  <p16:designElem xmlns:p16="http://schemas.microsoft.com/office/powerpoint/2015/main" val="1"/>
+                </p:ext>
+              </p:extLst>
+            </p:nvPr>
+          </p:nvSpPr>
+          <p:spPr>
+            <a:xfrm>
+              <a:off x="10371666" y="3589867"/>
+              <a:ext cx="1817159" cy="3268133"/>
+            </a:xfrm>
+            <a:prstGeom prst="triangle">
+              <a:avLst>
+                <a:gd name="adj" fmla="val 100000"/>
+              </a:avLst>
+            </a:prstGeom>
+            <a:solidFill>
+              <a:schemeClr val="accent1">
+                <a:alpha val="80000"/>
+              </a:schemeClr>
+            </a:solidFill>
+            <a:ln>
+              <a:noFill/>
+            </a:ln>
+            <a:effectLst/>
+          </p:spPr>
+          <p:style>
+            <a:lnRef idx="1">
+              <a:schemeClr val="accent1"/>
+            </a:lnRef>
+            <a:fillRef idx="3">
+              <a:schemeClr val="accent1"/>
+            </a:fillRef>
+            <a:effectRef idx="2">
+              <a:schemeClr val="accent1"/>
+            </a:effectRef>
+            <a:fontRef idx="minor">
+              <a:schemeClr val="lt1"/>
+            </a:fontRef>
+          </p:style>
+        </p:sp>
+        <p:sp>
+          <p:nvSpPr>
+            <p:cNvPr id="63" name="Isosceles Triangle 62">
+              <a:extLst>
+                <a:ext uri="{FF2B5EF4-FFF2-40B4-BE49-F238E27FC236}">
+                  <a16:creationId xmlns:a16="http://schemas.microsoft.com/office/drawing/2014/main" id="{F32F2ED6-6143-46C4-A641-72D42732B6FA}"/>
+                </a:ext>
+                <a:ext uri="{C183D7F6-B498-43B3-948B-1728B52AA6E4}">
+                  <adec:decorative xmlns:adec="http://schemas.microsoft.com/office/drawing/2017/decorative" val="1"/>
+                </a:ext>
+              </a:extLst>
+            </p:cNvPr>
+            <p:cNvSpPr/>
+            <p:nvPr>
+              <p:extLst>
+                <p:ext uri="{386F3935-93C4-4BCD-93E2-E3B085C9AB24}">
+                  <p16:designElem xmlns:p16="http://schemas.microsoft.com/office/powerpoint/2015/main" val="1"/>
+                </p:ext>
+              </p:extLst>
+            </p:nvPr>
+          </p:nvSpPr>
+          <p:spPr>
+            <a:xfrm>
+              <a:off x="0" y="4013200"/>
+              <a:ext cx="448733" cy="2844800"/>
+            </a:xfrm>
+            <a:prstGeom prst="triangle">
+              <a:avLst>
+                <a:gd name="adj" fmla="val 0"/>
+              </a:avLst>
+            </a:prstGeom>
+            <a:solidFill>
+              <a:schemeClr val="accent1">
+                <a:alpha val="85000"/>
+              </a:schemeClr>
+            </a:solidFill>
+            <a:ln>
+              <a:noFill/>
+            </a:ln>
+            <a:effectLst/>
+          </p:spPr>
+          <p:style>
+            <a:lnRef idx="1">
+              <a:schemeClr val="accent1"/>
+            </a:lnRef>
+            <a:fillRef idx="3">
+              <a:schemeClr val="accent1"/>
+            </a:fillRef>
+            <a:effectRef idx="2">
+              <a:schemeClr val="accent1"/>
+            </a:effectRef>
+            <a:fontRef idx="minor">
+              <a:schemeClr val="lt1"/>
+            </a:fontRef>
+          </p:style>
+        </p:sp>
+      </p:grpSp>
+      <p:sp>
+        <p:nvSpPr>
+          <p:cNvPr id="65" name="Rectangle 64">
+            <a:extLst>
+              <a:ext uri="{FF2B5EF4-FFF2-40B4-BE49-F238E27FC236}">
+                <a16:creationId xmlns:a16="http://schemas.microsoft.com/office/drawing/2014/main" id="{5C9652B3-A450-4ED6-8FBF-F536BA60B4D8}"/>
+              </a:ext>
+              <a:ext uri="{C183D7F6-B498-43B3-948B-1728B52AA6E4}">
+                <adec:decorative xmlns:adec="http://schemas.microsoft.com/office/drawing/2017/decorative" val="1"/>
+              </a:ext>
+            </a:extLst>
+          </p:cNvPr>
+          <p:cNvSpPr>
+            <a:spLocks noGrp="1" noRot="1" noChangeAspect="1" noMove="1" noResize="1" noEditPoints="1" noAdjustHandles="1" noChangeArrowheads="1" noChangeShapeType="1" noTextEdit="1"/>
+          </p:cNvSpPr>
+          <p:nvPr>
+            <p:extLst>
+              <p:ext uri="{386F3935-93C4-4BCD-93E2-E3B085C9AB24}">
+                <p16:designElem xmlns:p16="http://schemas.microsoft.com/office/powerpoint/2015/main" val="1"/>
+              </p:ext>
+            </p:extLst>
+          </p:nvPr>
+        </p:nvSpPr>
+        <p:spPr>
+          <a:xfrm>
+            <a:off x="477012" y="480060"/>
+            <a:ext cx="11237976" cy="5897880"/>
+          </a:xfrm>
+          <a:prstGeom prst="rect">
+            <a:avLst/>
+          </a:prstGeom>
+          <a:solidFill>
+            <a:srgbClr val="FFFFFF"/>
+          </a:solidFill>
+          <a:ln w="22225">
+            <a:solidFill>
+              <a:srgbClr val="FFFFFF"/>
+            </a:solidFill>
+          </a:ln>
+        </p:spPr>
+        <p:style>
+          <a:lnRef idx="2">
+            <a:schemeClr val="accent1">
+              <a:shade val="50000"/>
+            </a:schemeClr>
+          </a:lnRef>
+          <a:fillRef idx="1">
+            <a:schemeClr val="accent1"/>
+          </a:fillRef>
+          <a:effectRef idx="0">
+            <a:schemeClr val="accent1"/>
+          </a:effectRef>
+          <a:fontRef idx="minor">
+            <a:schemeClr val="lt1"/>
+          </a:fontRef>
+        </p:style>
+        <p:txBody>
+          <a:bodyPr rtlCol="0" anchor="ctr"/>
+          <a:lstStyle/>
+          <a:p>
+            <a:pPr algn="ctr"/>
+            <a:endParaRPr lang="en-US"/>
+          </a:p>
+        </p:txBody>
+      </p:sp>
+      <p:pic>
+        <p:nvPicPr>
+          <p:cNvPr id="5" name="Content Placeholder 4" descr="A screenshot of a cell phone&#10;&#10;Description automatically generated">
+            <a:extLst>
+              <a:ext uri="{FF2B5EF4-FFF2-40B4-BE49-F238E27FC236}">
+                <a16:creationId xmlns:a16="http://schemas.microsoft.com/office/drawing/2014/main" id="{987A5F43-201F-47C1-8269-665044099E14}"/>
+              </a:ext>
+            </a:extLst>
+          </p:cNvPr>
+          <p:cNvPicPr>
+            <a:picLocks noGrp="1" noChangeAspect="1"/>
+          </p:cNvPicPr>
+          <p:nvPr>
+            <p:ph idx="1"/>
+          </p:nvPr>
+        </p:nvPicPr>
+        <p:blipFill rotWithShape="1">
+          <a:blip r:embed="rId2"/>
+          <a:srcRect l="3280"/>
+          <a:stretch/>
+        </p:blipFill>
+        <p:spPr>
+          <a:xfrm>
+            <a:off x="568452" y="571500"/>
+            <a:ext cx="11055096" cy="5715000"/>
+          </a:xfrm>
+          <a:prstGeom prst="rect">
+            <a:avLst/>
+          </a:prstGeom>
+        </p:spPr>
+      </p:pic>
+    </p:spTree>
+    <p:extLst>
+      <p:ext uri="{BB962C8B-B14F-4D97-AF65-F5344CB8AC3E}">
+        <p14:creationId xmlns:p14="http://schemas.microsoft.com/office/powerpoint/2010/main" val="2956984533"/>
+      </p:ext>
+    </p:extLst>
+  </p:cSld>
+  <p:clrMapOvr>
+    <a:masterClrMapping/>
+  </p:clrMapOvr>
+</p:sld>
+</file>
+
+<file path=ppt/slides/slide14.xml><?xml version="1.0" encoding="utf-8"?>
+<p:sld xmlns:a="http://schemas.openxmlformats.org/drawingml/2006/main" xmlns:r="http://schemas.openxmlformats.org/officeDocument/2006/relationships" xmlns:p="http://schemas.openxmlformats.org/presentationml/2006/main">
+  <p:cSld>
     <p:bg>
       <p:bgPr>
         <a:solidFill>
@@ -14688,7 +16879,7 @@
 </p:sld>
 </file>
 
-<file path=ppt/slides/slide11.xml><?xml version="1.0" encoding="utf-8"?>
+<file path=ppt/slides/slide15.xml><?xml version="1.0" encoding="utf-8"?>
 <p:sld xmlns:a="http://schemas.openxmlformats.org/drawingml/2006/main" xmlns:r="http://schemas.openxmlformats.org/officeDocument/2006/relationships" xmlns:p="http://schemas.openxmlformats.org/presentationml/2006/main">
   <p:cSld>
     <p:bg>
@@ -16225,7 +18416,7 @@
 </p:sld>
 </file>
 
-<file path=ppt/slides/slide12.xml><?xml version="1.0" encoding="utf-8"?>
+<file path=ppt/slides/slide16.xml><?xml version="1.0" encoding="utf-8"?>
 <p:sld xmlns:a="http://schemas.openxmlformats.org/drawingml/2006/main" xmlns:r="http://schemas.openxmlformats.org/officeDocument/2006/relationships" xmlns:p="http://schemas.openxmlformats.org/presentationml/2006/main">
   <p:cSld>
     <p:bg>
@@ -17762,7 +19953,7 @@
 </p:sld>
 </file>
 
-<file path=ppt/slides/slide13.xml><?xml version="1.0" encoding="utf-8"?>
+<file path=ppt/slides/slide17.xml><?xml version="1.0" encoding="utf-8"?>
 <p:sld xmlns:a="http://schemas.openxmlformats.org/drawingml/2006/main" xmlns:r="http://schemas.openxmlformats.org/officeDocument/2006/relationships" xmlns:p="http://schemas.openxmlformats.org/presentationml/2006/main">
   <p:cSld>
     <p:spTree>
@@ -17878,7 +20069,7 @@
 </p:sld>
 </file>
 
-<file path=ppt/slides/slide14.xml><?xml version="1.0" encoding="utf-8"?>
+<file path=ppt/slides/slide18.xml><?xml version="1.0" encoding="utf-8"?>
 <p:sld xmlns:a="http://schemas.openxmlformats.org/drawingml/2006/main" xmlns:r="http://schemas.openxmlformats.org/officeDocument/2006/relationships" xmlns:p="http://schemas.openxmlformats.org/presentationml/2006/main">
   <p:cSld>
     <p:bg>
@@ -19424,7 +21615,7 @@
 </p:sld>
 </file>
 
-<file path=ppt/slides/slide15.xml><?xml version="1.0" encoding="utf-8"?>
+<file path=ppt/slides/slide19.xml><?xml version="1.0" encoding="utf-8"?>
 <p:sld xmlns:a="http://schemas.openxmlformats.org/drawingml/2006/main" xmlns:r="http://schemas.openxmlformats.org/officeDocument/2006/relationships" xmlns:p="http://schemas.openxmlformats.org/presentationml/2006/main">
   <p:cSld>
     <p:bg>
@@ -20961,7 +23152,108 @@
 </p:sld>
 </file>
 
-<file path=ppt/slides/slide16.xml><?xml version="1.0" encoding="utf-8"?>
+<file path=ppt/slides/slide2.xml><?xml version="1.0" encoding="utf-8"?>
+<p:sld xmlns:a="http://schemas.openxmlformats.org/drawingml/2006/main" xmlns:r="http://schemas.openxmlformats.org/officeDocument/2006/relationships" xmlns:p="http://schemas.openxmlformats.org/presentationml/2006/main">
+  <p:cSld>
+    <p:spTree>
+      <p:nvGrpSpPr>
+        <p:cNvPr id="1" name=""/>
+        <p:cNvGrpSpPr/>
+        <p:nvPr/>
+      </p:nvGrpSpPr>
+      <p:grpSpPr>
+        <a:xfrm>
+          <a:off x="0" y="0"/>
+          <a:ext cx="0" cy="0"/>
+          <a:chOff x="0" y="0"/>
+          <a:chExt cx="0" cy="0"/>
+        </a:xfrm>
+      </p:grpSpPr>
+      <p:sp>
+        <p:nvSpPr>
+          <p:cNvPr id="2" name="Title 1">
+            <a:extLst>
+              <a:ext uri="{FF2B5EF4-FFF2-40B4-BE49-F238E27FC236}">
+                <a16:creationId xmlns:a16="http://schemas.microsoft.com/office/drawing/2014/main" id="{B90DA442-53B0-4B92-B6F9-3D5BB4266208}"/>
+              </a:ext>
+            </a:extLst>
+          </p:cNvPr>
+          <p:cNvSpPr>
+            <a:spLocks noGrp="1"/>
+          </p:cNvSpPr>
+          <p:nvPr>
+            <p:ph type="title"/>
+          </p:nvPr>
+        </p:nvSpPr>
+        <p:spPr/>
+        <p:txBody>
+          <a:bodyPr/>
+          <a:lstStyle/>
+          <a:p>
+            <a:r>
+              <a:rPr lang="en-US" dirty="0"/>
+              <a:t>Inspiration</a:t>
+            </a:r>
+          </a:p>
+        </p:txBody>
+      </p:sp>
+      <p:sp>
+        <p:nvSpPr>
+          <p:cNvPr id="3" name="Content Placeholder 2">
+            <a:extLst>
+              <a:ext uri="{FF2B5EF4-FFF2-40B4-BE49-F238E27FC236}">
+                <a16:creationId xmlns:a16="http://schemas.microsoft.com/office/drawing/2014/main" id="{8BE213E4-BCA1-4471-9696-67C452EB2A18}"/>
+              </a:ext>
+            </a:extLst>
+          </p:cNvPr>
+          <p:cNvSpPr>
+            <a:spLocks noGrp="1"/>
+          </p:cNvSpPr>
+          <p:nvPr>
+            <p:ph idx="1"/>
+          </p:nvPr>
+        </p:nvSpPr>
+        <p:spPr/>
+        <p:txBody>
+          <a:bodyPr/>
+          <a:lstStyle/>
+          <a:p>
+            <a:r>
+              <a:rPr lang="en-US" sz="2400" dirty="0"/>
+              <a:t>For years, epidemiologists and public health experts have studied trends in prevalence of many diseases.</a:t>
+            </a:r>
+          </a:p>
+          <a:p>
+            <a:r>
+              <a:rPr lang="en-US" sz="2400" dirty="0"/>
+              <a:t>In particular, asthma, ADD/ADHD, autism, and behavioral issues have been diagnosed more frequently.</a:t>
+            </a:r>
+          </a:p>
+          <a:p>
+            <a:r>
+              <a:rPr lang="en-US" sz="2400" dirty="0"/>
+              <a:t>Can looking at the family characteristics around these children help pinpoint causes or situations where intervention can help?</a:t>
+            </a:r>
+          </a:p>
+          <a:p>
+            <a:endParaRPr lang="en-US" dirty="0"/>
+          </a:p>
+        </p:txBody>
+      </p:sp>
+    </p:spTree>
+    <p:extLst>
+      <p:ext uri="{BB962C8B-B14F-4D97-AF65-F5344CB8AC3E}">
+        <p14:creationId xmlns:p14="http://schemas.microsoft.com/office/powerpoint/2010/main" val="1221740708"/>
+      </p:ext>
+    </p:extLst>
+  </p:cSld>
+  <p:clrMapOvr>
+    <a:masterClrMapping/>
+  </p:clrMapOvr>
+</p:sld>
+</file>
+
+<file path=ppt/slides/slide20.xml><?xml version="1.0" encoding="utf-8"?>
 <p:sld xmlns:a="http://schemas.openxmlformats.org/drawingml/2006/main" xmlns:r="http://schemas.openxmlformats.org/officeDocument/2006/relationships" xmlns:p="http://schemas.openxmlformats.org/presentationml/2006/main">
   <p:cSld>
     <p:bg>
@@ -22498,7 +24790,7 @@
 </p:sld>
 </file>
 
-<file path=ppt/slides/slide17.xml><?xml version="1.0" encoding="utf-8"?>
+<file path=ppt/slides/slide21.xml><?xml version="1.0" encoding="utf-8"?>
 <p:sld xmlns:a="http://schemas.openxmlformats.org/drawingml/2006/main" xmlns:r="http://schemas.openxmlformats.org/officeDocument/2006/relationships" xmlns:p="http://schemas.openxmlformats.org/presentationml/2006/main">
   <p:cSld>
     <p:bg>
@@ -23335,7 +25627,7 @@
 </p:sld>
 </file>
 
-<file path=ppt/slides/slide18.xml><?xml version="1.0" encoding="utf-8"?>
+<file path=ppt/slides/slide22.xml><?xml version="1.0" encoding="utf-8"?>
 <p:sld xmlns:a="http://schemas.openxmlformats.org/drawingml/2006/main" xmlns:r="http://schemas.openxmlformats.org/officeDocument/2006/relationships" xmlns:p="http://schemas.openxmlformats.org/presentationml/2006/main">
   <p:cSld>
     <p:bg>
@@ -24808,7 +27100,7 @@
 </p:sld>
 </file>
 
-<file path=ppt/slides/slide19.xml><?xml version="1.0" encoding="utf-8"?>
+<file path=ppt/slides/slide23.xml><?xml version="1.0" encoding="utf-8"?>
 <p:sld xmlns:a="http://schemas.openxmlformats.org/drawingml/2006/main" xmlns:r="http://schemas.openxmlformats.org/officeDocument/2006/relationships" xmlns:p="http://schemas.openxmlformats.org/presentationml/2006/main">
   <p:cSld>
     <p:bg>
@@ -26345,108 +28637,7 @@
 </p:sld>
 </file>
 
-<file path=ppt/slides/slide2.xml><?xml version="1.0" encoding="utf-8"?>
-<p:sld xmlns:a="http://schemas.openxmlformats.org/drawingml/2006/main" xmlns:r="http://schemas.openxmlformats.org/officeDocument/2006/relationships" xmlns:p="http://schemas.openxmlformats.org/presentationml/2006/main">
-  <p:cSld>
-    <p:spTree>
-      <p:nvGrpSpPr>
-        <p:cNvPr id="1" name=""/>
-        <p:cNvGrpSpPr/>
-        <p:nvPr/>
-      </p:nvGrpSpPr>
-      <p:grpSpPr>
-        <a:xfrm>
-          <a:off x="0" y="0"/>
-          <a:ext cx="0" cy="0"/>
-          <a:chOff x="0" y="0"/>
-          <a:chExt cx="0" cy="0"/>
-        </a:xfrm>
-      </p:grpSpPr>
-      <p:sp>
-        <p:nvSpPr>
-          <p:cNvPr id="2" name="Title 1">
-            <a:extLst>
-              <a:ext uri="{FF2B5EF4-FFF2-40B4-BE49-F238E27FC236}">
-                <a16:creationId xmlns:a16="http://schemas.microsoft.com/office/drawing/2014/main" id="{B90DA442-53B0-4B92-B6F9-3D5BB4266208}"/>
-              </a:ext>
-            </a:extLst>
-          </p:cNvPr>
-          <p:cNvSpPr>
-            <a:spLocks noGrp="1"/>
-          </p:cNvSpPr>
-          <p:nvPr>
-            <p:ph type="title"/>
-          </p:nvPr>
-        </p:nvSpPr>
-        <p:spPr/>
-        <p:txBody>
-          <a:bodyPr/>
-          <a:lstStyle/>
-          <a:p>
-            <a:r>
-              <a:rPr lang="en-US" dirty="0"/>
-              <a:t>Inspiration</a:t>
-            </a:r>
-          </a:p>
-        </p:txBody>
-      </p:sp>
-      <p:sp>
-        <p:nvSpPr>
-          <p:cNvPr id="3" name="Content Placeholder 2">
-            <a:extLst>
-              <a:ext uri="{FF2B5EF4-FFF2-40B4-BE49-F238E27FC236}">
-                <a16:creationId xmlns:a16="http://schemas.microsoft.com/office/drawing/2014/main" id="{8BE213E4-BCA1-4471-9696-67C452EB2A18}"/>
-              </a:ext>
-            </a:extLst>
-          </p:cNvPr>
-          <p:cNvSpPr>
-            <a:spLocks noGrp="1"/>
-          </p:cNvSpPr>
-          <p:nvPr>
-            <p:ph idx="1"/>
-          </p:nvPr>
-        </p:nvSpPr>
-        <p:spPr/>
-        <p:txBody>
-          <a:bodyPr/>
-          <a:lstStyle/>
-          <a:p>
-            <a:r>
-              <a:rPr lang="en-US" sz="2400" dirty="0"/>
-              <a:t>For years, epidemiologists and public health experts have studied trends in prevalence of many diseases.</a:t>
-            </a:r>
-          </a:p>
-          <a:p>
-            <a:r>
-              <a:rPr lang="en-US" sz="2400" dirty="0"/>
-              <a:t>In particular, asthma, ADD/ADHD, autism, and behavioral issues have been diagnosed more frequently.</a:t>
-            </a:r>
-          </a:p>
-          <a:p>
-            <a:r>
-              <a:rPr lang="en-US" sz="2400" dirty="0"/>
-              <a:t>Can looking at the family characteristics around these children help pinpoint causes or situations where intervention can help?</a:t>
-            </a:r>
-          </a:p>
-          <a:p>
-            <a:endParaRPr lang="en-US" dirty="0"/>
-          </a:p>
-        </p:txBody>
-      </p:sp>
-    </p:spTree>
-    <p:extLst>
-      <p:ext uri="{BB962C8B-B14F-4D97-AF65-F5344CB8AC3E}">
-        <p14:creationId xmlns:p14="http://schemas.microsoft.com/office/powerpoint/2010/main" val="1221740708"/>
-      </p:ext>
-    </p:extLst>
-  </p:cSld>
-  <p:clrMapOvr>
-    <a:masterClrMapping/>
-  </p:clrMapOvr>
-</p:sld>
-</file>
-
-<file path=ppt/slides/slide20.xml><?xml version="1.0" encoding="utf-8"?>
+<file path=ppt/slides/slide24.xml><?xml version="1.0" encoding="utf-8"?>
 <p:sld xmlns:a="http://schemas.openxmlformats.org/drawingml/2006/main" xmlns:r="http://schemas.openxmlformats.org/officeDocument/2006/relationships" xmlns:p="http://schemas.openxmlformats.org/presentationml/2006/main">
   <p:cSld>
     <p:spTree>
@@ -26579,7 +28770,7 @@
 </p:sld>
 </file>
 
-<file path=ppt/slides/slide21.xml><?xml version="1.0" encoding="utf-8"?>
+<file path=ppt/slides/slide25.xml><?xml version="1.0" encoding="utf-8"?>
 <p:sld xmlns:a="http://schemas.openxmlformats.org/drawingml/2006/main" xmlns:r="http://schemas.openxmlformats.org/officeDocument/2006/relationships" xmlns:p="http://schemas.openxmlformats.org/presentationml/2006/main">
   <p:cSld>
     <p:bg>
@@ -28116,7 +30307,7 @@
 </p:sld>
 </file>
 
-<file path=ppt/slides/slide22.xml><?xml version="1.0" encoding="utf-8"?>
+<file path=ppt/slides/slide26.xml><?xml version="1.0" encoding="utf-8"?>
 <p:sld xmlns:a="http://schemas.openxmlformats.org/drawingml/2006/main" xmlns:r="http://schemas.openxmlformats.org/officeDocument/2006/relationships" xmlns:p="http://schemas.openxmlformats.org/presentationml/2006/main">
   <p:cSld>
     <p:bg>
@@ -29653,7 +31844,7 @@
 </p:sld>
 </file>
 
-<file path=ppt/slides/slide23.xml><?xml version="1.0" encoding="utf-8"?>
+<file path=ppt/slides/slide27.xml><?xml version="1.0" encoding="utf-8"?>
 <p:sld xmlns:a="http://schemas.openxmlformats.org/drawingml/2006/main" xmlns:r="http://schemas.openxmlformats.org/officeDocument/2006/relationships" xmlns:p="http://schemas.openxmlformats.org/presentationml/2006/main">
   <p:cSld>
     <p:bg>
@@ -31190,7 +33381,7 @@
 </p:sld>
 </file>
 
-<file path=ppt/slides/slide24.xml><?xml version="1.0" encoding="utf-8"?>
+<file path=ppt/slides/slide28.xml><?xml version="1.0" encoding="utf-8"?>
 <p:sld xmlns:a="http://schemas.openxmlformats.org/drawingml/2006/main" xmlns:r="http://schemas.openxmlformats.org/officeDocument/2006/relationships" xmlns:p="http://schemas.openxmlformats.org/presentationml/2006/main">
   <p:cSld>
     <p:bg>
@@ -32727,7 +34918,7 @@
 </p:sld>
 </file>
 
-<file path=ppt/slides/slide25.xml><?xml version="1.0" encoding="utf-8"?>
+<file path=ppt/slides/slide29.xml><?xml version="1.0" encoding="utf-8"?>
 <p:sld xmlns:a="http://schemas.openxmlformats.org/drawingml/2006/main" xmlns:r="http://schemas.openxmlformats.org/officeDocument/2006/relationships" xmlns:p="http://schemas.openxmlformats.org/presentationml/2006/main">
   <p:cSld>
     <p:spTree>
@@ -32822,7 +35013,126 @@
 </p:sld>
 </file>
 
-<file path=ppt/slides/slide26.xml><?xml version="1.0" encoding="utf-8"?>
+<file path=ppt/slides/slide3.xml><?xml version="1.0" encoding="utf-8"?>
+<p:sld xmlns:a="http://schemas.openxmlformats.org/drawingml/2006/main" xmlns:r="http://schemas.openxmlformats.org/officeDocument/2006/relationships" xmlns:p="http://schemas.openxmlformats.org/presentationml/2006/main">
+  <p:cSld>
+    <p:spTree>
+      <p:nvGrpSpPr>
+        <p:cNvPr id="1" name=""/>
+        <p:cNvGrpSpPr/>
+        <p:nvPr/>
+      </p:nvGrpSpPr>
+      <p:grpSpPr>
+        <a:xfrm>
+          <a:off x="0" y="0"/>
+          <a:ext cx="0" cy="0"/>
+          <a:chOff x="0" y="0"/>
+          <a:chExt cx="0" cy="0"/>
+        </a:xfrm>
+      </p:grpSpPr>
+      <p:sp>
+        <p:nvSpPr>
+          <p:cNvPr id="2" name="Title 1">
+            <a:extLst>
+              <a:ext uri="{FF2B5EF4-FFF2-40B4-BE49-F238E27FC236}">
+                <a16:creationId xmlns:a16="http://schemas.microsoft.com/office/drawing/2014/main" id="{FEA4299B-CDE9-400C-B6B6-6E91E7CFA356}"/>
+              </a:ext>
+            </a:extLst>
+          </p:cNvPr>
+          <p:cNvSpPr>
+            <a:spLocks noGrp="1"/>
+          </p:cNvSpPr>
+          <p:nvPr>
+            <p:ph type="title"/>
+          </p:nvPr>
+        </p:nvSpPr>
+        <p:spPr/>
+        <p:txBody>
+          <a:bodyPr/>
+          <a:lstStyle/>
+          <a:p>
+            <a:r>
+              <a:rPr lang="en-US" dirty="0"/>
+              <a:t>Data Source</a:t>
+            </a:r>
+          </a:p>
+        </p:txBody>
+      </p:sp>
+      <p:sp>
+        <p:nvSpPr>
+          <p:cNvPr id="3" name="Content Placeholder 2">
+            <a:extLst>
+              <a:ext uri="{FF2B5EF4-FFF2-40B4-BE49-F238E27FC236}">
+                <a16:creationId xmlns:a16="http://schemas.microsoft.com/office/drawing/2014/main" id="{48C686C2-6B86-408D-8C17-C49BBBD62072}"/>
+              </a:ext>
+            </a:extLst>
+          </p:cNvPr>
+          <p:cNvSpPr>
+            <a:spLocks noGrp="1"/>
+          </p:cNvSpPr>
+          <p:nvPr>
+            <p:ph idx="1"/>
+          </p:nvPr>
+        </p:nvSpPr>
+        <p:spPr/>
+        <p:txBody>
+          <a:bodyPr/>
+          <a:lstStyle/>
+          <a:p>
+            <a:r>
+              <a:rPr lang="en-US" dirty="0"/>
+              <a:t>The National Health Information Survey is conducted by the CDC each year since 1962</a:t>
+            </a:r>
+          </a:p>
+          <a:p>
+            <a:r>
+              <a:rPr lang="en-US" dirty="0"/>
+              <a:t>Households are sampled.  With in each household, researchers sample one adult and one child.  Household and family information are also collected.</a:t>
+            </a:r>
+          </a:p>
+          <a:p>
+            <a:r>
+              <a:rPr lang="en-US" dirty="0"/>
+              <a:t>Data are published in 6 separate datasets:  Household, Family, Sample Child, Sample Adult, Person, and Injury.</a:t>
+            </a:r>
+          </a:p>
+          <a:p>
+            <a:r>
+              <a:rPr lang="en-US" dirty="0"/>
+              <a:t>Each file for each year has 15,000 – 45,000 records and up to 725 variables!</a:t>
+            </a:r>
+          </a:p>
+          <a:p>
+            <a:r>
+              <a:rPr lang="en-US" dirty="0"/>
+              <a:t>Different years had data in different format:  CSV, fixed-width text file, zip files, and self-extracting zip files.</a:t>
+            </a:r>
+          </a:p>
+          <a:p>
+            <a:r>
+              <a:rPr lang="en-US" dirty="0"/>
+              <a:t>SAS, SPSS, and Stata programs to aid in reading data files are also published.</a:t>
+            </a:r>
+          </a:p>
+          <a:p>
+            <a:endParaRPr lang="en-US" dirty="0"/>
+          </a:p>
+        </p:txBody>
+      </p:sp>
+    </p:spTree>
+    <p:extLst>
+      <p:ext uri="{BB962C8B-B14F-4D97-AF65-F5344CB8AC3E}">
+        <p14:creationId xmlns:p14="http://schemas.microsoft.com/office/powerpoint/2010/main" val="60071101"/>
+      </p:ext>
+    </p:extLst>
+  </p:cSld>
+  <p:clrMapOvr>
+    <a:masterClrMapping/>
+  </p:clrMapOvr>
+</p:sld>
+</file>
+
+<file path=ppt/slides/slide30.xml><?xml version="1.0" encoding="utf-8"?>
 <p:sld xmlns:a="http://schemas.openxmlformats.org/drawingml/2006/main" xmlns:r="http://schemas.openxmlformats.org/officeDocument/2006/relationships" xmlns:p="http://schemas.openxmlformats.org/presentationml/2006/main">
   <p:cSld>
     <p:bg>
@@ -33694,7 +36004,7 @@
 </p:sld>
 </file>
 
-<file path=ppt/slides/slide27.xml><?xml version="1.0" encoding="utf-8"?>
+<file path=ppt/slides/slide31.xml><?xml version="1.0" encoding="utf-8"?>
 <p:sld xmlns:a="http://schemas.openxmlformats.org/drawingml/2006/main" xmlns:r="http://schemas.openxmlformats.org/officeDocument/2006/relationships" xmlns:p="http://schemas.openxmlformats.org/presentationml/2006/main">
   <p:cSld>
     <p:bg>
@@ -34566,7 +36876,7 @@
 </p:sld>
 </file>
 
-<file path=ppt/slides/slide28.xml><?xml version="1.0" encoding="utf-8"?>
+<file path=ppt/slides/slide32.xml><?xml version="1.0" encoding="utf-8"?>
 <p:sld xmlns:a="http://schemas.openxmlformats.org/drawingml/2006/main" xmlns:r="http://schemas.openxmlformats.org/officeDocument/2006/relationships" xmlns:p="http://schemas.openxmlformats.org/presentationml/2006/main">
   <p:cSld>
     <p:spTree>
@@ -34705,119 +37015,6 @@
 </p:sld>
 </file>
 
-<file path=ppt/slides/slide3.xml><?xml version="1.0" encoding="utf-8"?>
-<p:sld xmlns:a="http://schemas.openxmlformats.org/drawingml/2006/main" xmlns:r="http://schemas.openxmlformats.org/officeDocument/2006/relationships" xmlns:p="http://schemas.openxmlformats.org/presentationml/2006/main">
-  <p:cSld>
-    <p:spTree>
-      <p:nvGrpSpPr>
-        <p:cNvPr id="1" name=""/>
-        <p:cNvGrpSpPr/>
-        <p:nvPr/>
-      </p:nvGrpSpPr>
-      <p:grpSpPr>
-        <a:xfrm>
-          <a:off x="0" y="0"/>
-          <a:ext cx="0" cy="0"/>
-          <a:chOff x="0" y="0"/>
-          <a:chExt cx="0" cy="0"/>
-        </a:xfrm>
-      </p:grpSpPr>
-      <p:sp>
-        <p:nvSpPr>
-          <p:cNvPr id="2" name="Title 1">
-            <a:extLst>
-              <a:ext uri="{FF2B5EF4-FFF2-40B4-BE49-F238E27FC236}">
-                <a16:creationId xmlns:a16="http://schemas.microsoft.com/office/drawing/2014/main" id="{FEA4299B-CDE9-400C-B6B6-6E91E7CFA356}"/>
-              </a:ext>
-            </a:extLst>
-          </p:cNvPr>
-          <p:cNvSpPr>
-            <a:spLocks noGrp="1"/>
-          </p:cNvSpPr>
-          <p:nvPr>
-            <p:ph type="title"/>
-          </p:nvPr>
-        </p:nvSpPr>
-        <p:spPr/>
-        <p:txBody>
-          <a:bodyPr/>
-          <a:lstStyle/>
-          <a:p>
-            <a:r>
-              <a:rPr lang="en-US" dirty="0"/>
-              <a:t>Data Source</a:t>
-            </a:r>
-          </a:p>
-        </p:txBody>
-      </p:sp>
-      <p:sp>
-        <p:nvSpPr>
-          <p:cNvPr id="3" name="Content Placeholder 2">
-            <a:extLst>
-              <a:ext uri="{FF2B5EF4-FFF2-40B4-BE49-F238E27FC236}">
-                <a16:creationId xmlns:a16="http://schemas.microsoft.com/office/drawing/2014/main" id="{48C686C2-6B86-408D-8C17-C49BBBD62072}"/>
-              </a:ext>
-            </a:extLst>
-          </p:cNvPr>
-          <p:cNvSpPr>
-            <a:spLocks noGrp="1"/>
-          </p:cNvSpPr>
-          <p:nvPr>
-            <p:ph idx="1"/>
-          </p:nvPr>
-        </p:nvSpPr>
-        <p:spPr/>
-        <p:txBody>
-          <a:bodyPr/>
-          <a:lstStyle/>
-          <a:p>
-            <a:r>
-              <a:rPr lang="en-US" dirty="0"/>
-              <a:t>The National Health Information Survey is conducted by the CDC each year since 1962</a:t>
-            </a:r>
-          </a:p>
-          <a:p>
-            <a:r>
-              <a:rPr lang="en-US" dirty="0"/>
-              <a:t>Households are sampled.  With in each household, researchers sample one adult and one child.  Household and family information are also collected.</a:t>
-            </a:r>
-          </a:p>
-          <a:p>
-            <a:r>
-              <a:rPr lang="en-US" dirty="0"/>
-              <a:t>Data are published in sets:  Household, Family, Sample Child, Sample Adult, Person, and Injury.</a:t>
-            </a:r>
-          </a:p>
-          <a:p>
-            <a:r>
-              <a:rPr lang="en-US" dirty="0"/>
-              <a:t>Different years had data in different format:  CSV, fixed-width text file, zip files, and self-extracting zip files.</a:t>
-            </a:r>
-          </a:p>
-          <a:p>
-            <a:r>
-              <a:rPr lang="en-US" dirty="0"/>
-              <a:t>SAS, SPSS, and Stata programs to aid in reading data files are also published.</a:t>
-            </a:r>
-          </a:p>
-          <a:p>
-            <a:endParaRPr lang="en-US" dirty="0"/>
-          </a:p>
-        </p:txBody>
-      </p:sp>
-    </p:spTree>
-    <p:extLst>
-      <p:ext uri="{BB962C8B-B14F-4D97-AF65-F5344CB8AC3E}">
-        <p14:creationId xmlns:p14="http://schemas.microsoft.com/office/powerpoint/2010/main" val="60071101"/>
-      </p:ext>
-    </p:extLst>
-  </p:cSld>
-  <p:clrMapOvr>
-    <a:masterClrMapping/>
-  </p:clrMapOvr>
-</p:sld>
-</file>
-
 <file path=ppt/slides/slide4.xml><?xml version="1.0" encoding="utf-8"?>
 <p:sld xmlns:a="http://schemas.openxmlformats.org/drawingml/2006/main" xmlns:r="http://schemas.openxmlformats.org/officeDocument/2006/relationships" xmlns:p="http://schemas.openxmlformats.org/presentationml/2006/main">
   <p:cSld>
@@ -34934,448 +37131,6 @@
 <file path=ppt/slides/slide5.xml><?xml version="1.0" encoding="utf-8"?>
 <p:sld xmlns:a="http://schemas.openxmlformats.org/drawingml/2006/main" xmlns:r="http://schemas.openxmlformats.org/officeDocument/2006/relationships" xmlns:p="http://schemas.openxmlformats.org/presentationml/2006/main">
   <p:cSld>
-    <p:spTree>
-      <p:nvGrpSpPr>
-        <p:cNvPr id="1" name=""/>
-        <p:cNvGrpSpPr/>
-        <p:nvPr/>
-      </p:nvGrpSpPr>
-      <p:grpSpPr>
-        <a:xfrm>
-          <a:off x="0" y="0"/>
-          <a:ext cx="0" cy="0"/>
-          <a:chOff x="0" y="0"/>
-          <a:chExt cx="0" cy="0"/>
-        </a:xfrm>
-      </p:grpSpPr>
-      <p:sp>
-        <p:nvSpPr>
-          <p:cNvPr id="2" name="Title 1">
-            <a:extLst>
-              <a:ext uri="{FF2B5EF4-FFF2-40B4-BE49-F238E27FC236}">
-                <a16:creationId xmlns:a16="http://schemas.microsoft.com/office/drawing/2014/main" id="{D66E4308-8725-4F22-8640-9413B3B51C7D}"/>
-              </a:ext>
-            </a:extLst>
-          </p:cNvPr>
-          <p:cNvSpPr>
-            <a:spLocks noGrp="1"/>
-          </p:cNvSpPr>
-          <p:nvPr>
-            <p:ph type="title"/>
-          </p:nvPr>
-        </p:nvSpPr>
-        <p:spPr/>
-        <p:txBody>
-          <a:bodyPr/>
-          <a:lstStyle/>
-          <a:p>
-            <a:r>
-              <a:rPr lang="en-US" dirty="0"/>
-              <a:t>Reading Data into Pandas</a:t>
-            </a:r>
-          </a:p>
-        </p:txBody>
-      </p:sp>
-      <p:sp>
-        <p:nvSpPr>
-          <p:cNvPr id="3" name="Content Placeholder 2">
-            <a:extLst>
-              <a:ext uri="{FF2B5EF4-FFF2-40B4-BE49-F238E27FC236}">
-                <a16:creationId xmlns:a16="http://schemas.microsoft.com/office/drawing/2014/main" id="{AE549EA2-12AF-4C52-8B3F-26D535DB26B4}"/>
-              </a:ext>
-            </a:extLst>
-          </p:cNvPr>
-          <p:cNvSpPr>
-            <a:spLocks noGrp="1"/>
-          </p:cNvSpPr>
-          <p:nvPr>
-            <p:ph idx="1"/>
-          </p:nvPr>
-        </p:nvSpPr>
-        <p:spPr/>
-        <p:txBody>
-          <a:bodyPr/>
-          <a:lstStyle/>
-          <a:p>
-            <a:r>
-              <a:rPr lang="en-US" dirty="0"/>
-              <a:t>Challenging!</a:t>
-            </a:r>
-          </a:p>
-          <a:p>
-            <a:r>
-              <a:rPr lang="en-US" dirty="0"/>
-              <a:t>Ready-made programs exist for SAS, Stata, and SPSS but nothing for Python</a:t>
-            </a:r>
-          </a:p>
-          <a:p>
-            <a:r>
-              <a:rPr lang="en-US" dirty="0"/>
-              <a:t>We used Python to read the SAS program in as a text file</a:t>
-            </a:r>
-          </a:p>
-          <a:p>
-            <a:r>
-              <a:rPr lang="en-US" dirty="0"/>
-              <a:t>We located the input statement that told us where each variable started and ended on the flat file.</a:t>
-            </a:r>
-          </a:p>
-          <a:p>
-            <a:r>
-              <a:rPr lang="en-US" dirty="0"/>
-              <a:t>We put that information into a list that we could feed into a pandas function.</a:t>
-            </a:r>
-          </a:p>
-          <a:p>
-            <a:r>
-              <a:rPr lang="en-US" dirty="0"/>
-              <a:t>Determining which variables to use was also a challenge.  Each file for each year had 30K – 50K records and hundreds of variables.</a:t>
-            </a:r>
-          </a:p>
-          <a:p>
-            <a:endParaRPr lang="en-US" dirty="0"/>
-          </a:p>
-        </p:txBody>
-      </p:sp>
-    </p:spTree>
-    <p:extLst>
-      <p:ext uri="{BB962C8B-B14F-4D97-AF65-F5344CB8AC3E}">
-        <p14:creationId xmlns:p14="http://schemas.microsoft.com/office/powerpoint/2010/main" val="4105955819"/>
-      </p:ext>
-    </p:extLst>
-  </p:cSld>
-  <p:clrMapOvr>
-    <a:masterClrMapping/>
-  </p:clrMapOvr>
-</p:sld>
-</file>
-
-<file path=ppt/slides/slide6.xml><?xml version="1.0" encoding="utf-8"?>
-<p:sld xmlns:a="http://schemas.openxmlformats.org/drawingml/2006/main" xmlns:r="http://schemas.openxmlformats.org/officeDocument/2006/relationships" xmlns:p="http://schemas.openxmlformats.org/presentationml/2006/main">
-  <p:cSld>
-    <p:spTree>
-      <p:nvGrpSpPr>
-        <p:cNvPr id="1" name=""/>
-        <p:cNvGrpSpPr/>
-        <p:nvPr/>
-      </p:nvGrpSpPr>
-      <p:grpSpPr>
-        <a:xfrm>
-          <a:off x="0" y="0"/>
-          <a:ext cx="0" cy="0"/>
-          <a:chOff x="0" y="0"/>
-          <a:chExt cx="0" cy="0"/>
-        </a:xfrm>
-      </p:grpSpPr>
-      <p:sp>
-        <p:nvSpPr>
-          <p:cNvPr id="2" name="Title 1">
-            <a:extLst>
-              <a:ext uri="{FF2B5EF4-FFF2-40B4-BE49-F238E27FC236}">
-                <a16:creationId xmlns:a16="http://schemas.microsoft.com/office/drawing/2014/main" id="{50AAE618-E765-4F5E-B512-976A6A216458}"/>
-              </a:ext>
-            </a:extLst>
-          </p:cNvPr>
-          <p:cNvSpPr>
-            <a:spLocks noGrp="1"/>
-          </p:cNvSpPr>
-          <p:nvPr>
-            <p:ph type="title"/>
-          </p:nvPr>
-        </p:nvSpPr>
-        <p:spPr/>
-        <p:txBody>
-          <a:bodyPr/>
-          <a:lstStyle/>
-          <a:p>
-            <a:r>
-              <a:rPr lang="en-US" dirty="0"/>
-              <a:t>Analyzing the Data</a:t>
-            </a:r>
-          </a:p>
-        </p:txBody>
-      </p:sp>
-      <p:sp>
-        <p:nvSpPr>
-          <p:cNvPr id="3" name="Content Placeholder 2">
-            <a:extLst>
-              <a:ext uri="{FF2B5EF4-FFF2-40B4-BE49-F238E27FC236}">
-                <a16:creationId xmlns:a16="http://schemas.microsoft.com/office/drawing/2014/main" id="{4B734037-0205-4442-BB9F-27E2C281CD94}"/>
-              </a:ext>
-            </a:extLst>
-          </p:cNvPr>
-          <p:cNvSpPr>
-            <a:spLocks noGrp="1"/>
-          </p:cNvSpPr>
-          <p:nvPr>
-            <p:ph idx="1"/>
-          </p:nvPr>
-        </p:nvSpPr>
-        <p:spPr/>
-        <p:txBody>
-          <a:bodyPr>
-            <a:normAutofit lnSpcReduction="10000"/>
-          </a:bodyPr>
-          <a:lstStyle/>
-          <a:p>
-            <a:r>
-              <a:rPr lang="en-US" dirty="0"/>
-              <a:t>We found that not all years had the information we needed.</a:t>
-            </a:r>
-          </a:p>
-          <a:p>
-            <a:r>
-              <a:rPr lang="en-US" dirty="0"/>
-              <a:t>Instead of food-insecurity questions found on recent surveys, we used the ratio of family income to the poverty level to determine if a family lived in poverty.</a:t>
-            </a:r>
-          </a:p>
-          <a:p>
-            <a:r>
-              <a:rPr lang="en-US" dirty="0"/>
-              <a:t>If the sampled adult was a current smoker, we considered the house a smoking household.</a:t>
-            </a:r>
-          </a:p>
-          <a:p>
-            <a:r>
-              <a:rPr lang="en-US" dirty="0"/>
-              <a:t>If the sampled child had any of the conditions we were interested in, we considered the household to have that condition present.</a:t>
-            </a:r>
-          </a:p>
-          <a:p>
-            <a:r>
-              <a:rPr lang="en-US" dirty="0"/>
-              <a:t>LIMITATION– We are almost certainly undercounting both the smoking households and the households with each condition.</a:t>
-            </a:r>
-          </a:p>
-          <a:p>
-            <a:r>
-              <a:rPr lang="en-US" dirty="0"/>
-              <a:t>BONUS– If we find significant relationships, we can be very certain of that significance since the actual rates are likely higher.</a:t>
-            </a:r>
-          </a:p>
-        </p:txBody>
-      </p:sp>
-    </p:spTree>
-    <p:extLst>
-      <p:ext uri="{BB962C8B-B14F-4D97-AF65-F5344CB8AC3E}">
-        <p14:creationId xmlns:p14="http://schemas.microsoft.com/office/powerpoint/2010/main" val="1838063749"/>
-      </p:ext>
-    </p:extLst>
-  </p:cSld>
-  <p:clrMapOvr>
-    <a:masterClrMapping/>
-  </p:clrMapOvr>
-</p:sld>
-</file>
-
-<file path=ppt/slides/slide7.xml><?xml version="1.0" encoding="utf-8"?>
-<p:sld xmlns:a="http://schemas.openxmlformats.org/drawingml/2006/main" xmlns:r="http://schemas.openxmlformats.org/officeDocument/2006/relationships" xmlns:p="http://schemas.openxmlformats.org/presentationml/2006/main">
-  <p:cSld>
-    <p:spTree>
-      <p:nvGrpSpPr>
-        <p:cNvPr id="1" name=""/>
-        <p:cNvGrpSpPr/>
-        <p:nvPr/>
-      </p:nvGrpSpPr>
-      <p:grpSpPr>
-        <a:xfrm>
-          <a:off x="0" y="0"/>
-          <a:ext cx="0" cy="0"/>
-          <a:chOff x="0" y="0"/>
-          <a:chExt cx="0" cy="0"/>
-        </a:xfrm>
-      </p:grpSpPr>
-      <p:sp>
-        <p:nvSpPr>
-          <p:cNvPr id="2" name="Title 1">
-            <a:extLst>
-              <a:ext uri="{FF2B5EF4-FFF2-40B4-BE49-F238E27FC236}">
-                <a16:creationId xmlns:a16="http://schemas.microsoft.com/office/drawing/2014/main" id="{8B3230D6-84FE-449A-89E5-090094DAA0F6}"/>
-              </a:ext>
-            </a:extLst>
-          </p:cNvPr>
-          <p:cNvSpPr>
-            <a:spLocks noGrp="1"/>
-          </p:cNvSpPr>
-          <p:nvPr>
-            <p:ph type="title"/>
-          </p:nvPr>
-        </p:nvSpPr>
-        <p:spPr/>
-        <p:txBody>
-          <a:bodyPr/>
-          <a:lstStyle/>
-          <a:p>
-            <a:r>
-              <a:rPr lang="en-US" dirty="0"/>
-              <a:t>Significance Testing</a:t>
-            </a:r>
-          </a:p>
-        </p:txBody>
-      </p:sp>
-      <p:sp>
-        <p:nvSpPr>
-          <p:cNvPr id="3" name="Content Placeholder 2">
-            <a:extLst>
-              <a:ext uri="{FF2B5EF4-FFF2-40B4-BE49-F238E27FC236}">
-                <a16:creationId xmlns:a16="http://schemas.microsoft.com/office/drawing/2014/main" id="{DEFD22A7-ACD1-4EEB-A216-750B13858A02}"/>
-              </a:ext>
-            </a:extLst>
-          </p:cNvPr>
-          <p:cNvSpPr>
-            <a:spLocks noGrp="1"/>
-          </p:cNvSpPr>
-          <p:nvPr>
-            <p:ph idx="1"/>
-          </p:nvPr>
-        </p:nvSpPr>
-        <p:spPr/>
-        <p:txBody>
-          <a:bodyPr/>
-          <a:lstStyle/>
-          <a:p>
-            <a:r>
-              <a:rPr lang="en-US" dirty="0"/>
-              <a:t>We used paired t-tests to determine if the difference in condition prevalence between smoking and non-smoking households was significant.</a:t>
-            </a:r>
-          </a:p>
-          <a:p>
-            <a:r>
-              <a:rPr lang="en-US" dirty="0"/>
-              <a:t>We also tested for the difference between impoverished and non-impoverished households with t-tests.</a:t>
-            </a:r>
-          </a:p>
-          <a:p>
-            <a:endParaRPr lang="en-US" dirty="0"/>
-          </a:p>
-        </p:txBody>
-      </p:sp>
-    </p:spTree>
-    <p:extLst>
-      <p:ext uri="{BB962C8B-B14F-4D97-AF65-F5344CB8AC3E}">
-        <p14:creationId xmlns:p14="http://schemas.microsoft.com/office/powerpoint/2010/main" val="1935356612"/>
-      </p:ext>
-    </p:extLst>
-  </p:cSld>
-  <p:clrMapOvr>
-    <a:masterClrMapping/>
-  </p:clrMapOvr>
-</p:sld>
-</file>
-
-<file path=ppt/slides/slide8.xml><?xml version="1.0" encoding="utf-8"?>
-<p:sld xmlns:a="http://schemas.openxmlformats.org/drawingml/2006/main" xmlns:r="http://schemas.openxmlformats.org/officeDocument/2006/relationships" xmlns:p="http://schemas.openxmlformats.org/presentationml/2006/main">
-  <p:cSld>
-    <p:spTree>
-      <p:nvGrpSpPr>
-        <p:cNvPr id="1" name=""/>
-        <p:cNvGrpSpPr/>
-        <p:nvPr/>
-      </p:nvGrpSpPr>
-      <p:grpSpPr>
-        <a:xfrm>
-          <a:off x="0" y="0"/>
-          <a:ext cx="0" cy="0"/>
-          <a:chOff x="0" y="0"/>
-          <a:chExt cx="0" cy="0"/>
-        </a:xfrm>
-      </p:grpSpPr>
-      <p:sp>
-        <p:nvSpPr>
-          <p:cNvPr id="2" name="Title 1">
-            <a:extLst>
-              <a:ext uri="{FF2B5EF4-FFF2-40B4-BE49-F238E27FC236}">
-                <a16:creationId xmlns:a16="http://schemas.microsoft.com/office/drawing/2014/main" id="{DEF65F91-0B63-4528-93EC-3F2B211336BC}"/>
-              </a:ext>
-            </a:extLst>
-          </p:cNvPr>
-          <p:cNvSpPr>
-            <a:spLocks noGrp="1"/>
-          </p:cNvSpPr>
-          <p:nvPr>
-            <p:ph type="title"/>
-          </p:nvPr>
-        </p:nvSpPr>
-        <p:spPr>
-          <a:xfrm>
-            <a:off x="677334" y="609599"/>
-            <a:ext cx="8596668" cy="5705475"/>
-          </a:xfrm>
-        </p:spPr>
-        <p:txBody>
-          <a:bodyPr/>
-          <a:lstStyle/>
-          <a:p>
-            <a:r>
-              <a:rPr lang="en-US" dirty="0"/>
-              <a:t>Results</a:t>
-            </a:r>
-          </a:p>
-        </p:txBody>
-      </p:sp>
-      <p:sp>
-        <p:nvSpPr>
-          <p:cNvPr id="3" name="Content Placeholder 2">
-            <a:extLst>
-              <a:ext uri="{FF2B5EF4-FFF2-40B4-BE49-F238E27FC236}">
-                <a16:creationId xmlns:a16="http://schemas.microsoft.com/office/drawing/2014/main" id="{11D138FC-D924-457B-A9E2-1B8173A5991D}"/>
-              </a:ext>
-            </a:extLst>
-          </p:cNvPr>
-          <p:cNvSpPr>
-            <a:spLocks noGrp="1"/>
-          </p:cNvSpPr>
-          <p:nvPr>
-            <p:ph idx="1"/>
-          </p:nvPr>
-        </p:nvSpPr>
-        <p:spPr>
-          <a:xfrm>
-            <a:off x="677334" y="1990249"/>
-            <a:ext cx="8596668" cy="3880773"/>
-          </a:xfrm>
-        </p:spPr>
-        <p:txBody>
-          <a:bodyPr>
-            <a:normAutofit/>
-          </a:bodyPr>
-          <a:lstStyle/>
-          <a:p>
-            <a:r>
-              <a:rPr lang="en-US" sz="2400" dirty="0"/>
-              <a:t>As expected, the presence of a smoker in a household had significant impacts on the prevalence of asthma.</a:t>
-            </a:r>
-          </a:p>
-          <a:p>
-            <a:r>
-              <a:rPr lang="en-US" sz="2400" dirty="0"/>
-              <a:t>Slightly less expected, the presence of a smoker in a household also had significant impacts on the prevalence of ADD or ADHD as well as behavioral and emotional issues.</a:t>
-            </a:r>
-          </a:p>
-          <a:p>
-            <a:r>
-              <a:rPr lang="en-US" sz="2400" dirty="0"/>
-              <a:t>There did not appear to be any relationship between smoking in a household and autism prevalence.</a:t>
-            </a:r>
-          </a:p>
-        </p:txBody>
-      </p:sp>
-    </p:spTree>
-    <p:extLst>
-      <p:ext uri="{BB962C8B-B14F-4D97-AF65-F5344CB8AC3E}">
-        <p14:creationId xmlns:p14="http://schemas.microsoft.com/office/powerpoint/2010/main" val="980634640"/>
-      </p:ext>
-    </p:extLst>
-  </p:cSld>
-  <p:clrMapOvr>
-    <a:masterClrMapping/>
-  </p:clrMapOvr>
-</p:sld>
-</file>
-
-<file path=ppt/slides/slide9.xml><?xml version="1.0" encoding="utf-8"?>
-<p:sld xmlns:a="http://schemas.openxmlformats.org/drawingml/2006/main" xmlns:r="http://schemas.openxmlformats.org/officeDocument/2006/relationships" xmlns:p="http://schemas.openxmlformats.org/presentationml/2006/main">
-  <p:cSld>
     <p:bg>
       <p:bgPr>
         <a:solidFill>
@@ -35398,710 +37153,12 @@
           <a:chExt cx="0" cy="0"/>
         </a:xfrm>
       </p:grpSpPr>
-      <p:grpSp>
-        <p:nvGrpSpPr>
-          <p:cNvPr id="40" name="Group 39">
+      <p:sp useBgFill="1">
+        <p:nvSpPr>
+          <p:cNvPr id="9" name="Rectangle 8">
             <a:extLst>
               <a:ext uri="{FF2B5EF4-FFF2-40B4-BE49-F238E27FC236}">
-                <a16:creationId xmlns:a16="http://schemas.microsoft.com/office/drawing/2014/main" id="{6CE6E43D-FC44-4F15-89C6-7C08E9BDC3FF}"/>
-              </a:ext>
-              <a:ext uri="{C183D7F6-B498-43B3-948B-1728B52AA6E4}">
-                <adec:decorative xmlns:adec="http://schemas.microsoft.com/office/drawing/2017/decorative" val="1"/>
-              </a:ext>
-            </a:extLst>
-          </p:cNvPr>
-          <p:cNvGrpSpPr>
-            <a:grpSpLocks noGrp="1" noUngrp="1" noRot="1" noChangeAspect="1" noMove="1" noResize="1"/>
-          </p:cNvGrpSpPr>
-          <p:nvPr>
-            <p:extLst>
-              <p:ext uri="{386F3935-93C4-4BCD-93E2-E3B085C9AB24}">
-                <p16:designElem xmlns:p16="http://schemas.microsoft.com/office/powerpoint/2015/main" val="1"/>
-              </p:ext>
-            </p:extLst>
-          </p:nvPr>
-        </p:nvGrpSpPr>
-        <p:grpSpPr>
-          <a:xfrm>
-            <a:off x="0" y="-8467"/>
-            <a:ext cx="12192000" cy="6866467"/>
-            <a:chOff x="0" y="-8467"/>
-            <a:chExt cx="12192000" cy="6866467"/>
-          </a:xfrm>
-        </p:grpSpPr>
-        <p:cxnSp>
-          <p:nvCxnSpPr>
-            <p:cNvPr id="41" name="Straight Connector 40">
-              <a:extLst>
-                <a:ext uri="{FF2B5EF4-FFF2-40B4-BE49-F238E27FC236}">
-                  <a16:creationId xmlns:a16="http://schemas.microsoft.com/office/drawing/2014/main" id="{321115E6-3640-4179-A252-686A27B75B3B}"/>
-                </a:ext>
-                <a:ext uri="{C183D7F6-B498-43B3-948B-1728B52AA6E4}">
-                  <adec:decorative xmlns:adec="http://schemas.microsoft.com/office/drawing/2017/decorative" val="1"/>
-                </a:ext>
-              </a:extLst>
-            </p:cNvPr>
-            <p:cNvCxnSpPr/>
-            <p:nvPr>
-              <p:extLst>
-                <p:ext uri="{386F3935-93C4-4BCD-93E2-E3B085C9AB24}">
-                  <p16:designElem xmlns:p16="http://schemas.microsoft.com/office/powerpoint/2015/main" val="1"/>
-                </p:ext>
-              </p:extLst>
-            </p:nvPr>
-          </p:nvCxnSpPr>
-          <p:spPr>
-            <a:xfrm>
-              <a:off x="9371012" y="0"/>
-              <a:ext cx="1219200" cy="6858000"/>
-            </a:xfrm>
-            <a:prstGeom prst="line">
-              <a:avLst/>
-            </a:prstGeom>
-            <a:ln w="9525">
-              <a:solidFill>
-                <a:schemeClr val="accent1">
-                  <a:alpha val="70000"/>
-                </a:schemeClr>
-              </a:solidFill>
-            </a:ln>
-          </p:spPr>
-          <p:style>
-            <a:lnRef idx="2">
-              <a:schemeClr val="accent1"/>
-            </a:lnRef>
-            <a:fillRef idx="0">
-              <a:schemeClr val="accent1"/>
-            </a:fillRef>
-            <a:effectRef idx="1">
-              <a:schemeClr val="accent1"/>
-            </a:effectRef>
-            <a:fontRef idx="minor">
-              <a:schemeClr val="tx1"/>
-            </a:fontRef>
-          </p:style>
-        </p:cxnSp>
-        <p:cxnSp>
-          <p:nvCxnSpPr>
-            <p:cNvPr id="42" name="Straight Connector 41">
-              <a:extLst>
-                <a:ext uri="{FF2B5EF4-FFF2-40B4-BE49-F238E27FC236}">
-                  <a16:creationId xmlns:a16="http://schemas.microsoft.com/office/drawing/2014/main" id="{E68D2ABE-CDFA-4BEB-AF45-E43862265B0D}"/>
-                </a:ext>
-                <a:ext uri="{C183D7F6-B498-43B3-948B-1728B52AA6E4}">
-                  <adec:decorative xmlns:adec="http://schemas.microsoft.com/office/drawing/2017/decorative" val="1"/>
-                </a:ext>
-              </a:extLst>
-            </p:cNvPr>
-            <p:cNvCxnSpPr/>
-            <p:nvPr>
-              <p:extLst>
-                <p:ext uri="{386F3935-93C4-4BCD-93E2-E3B085C9AB24}">
-                  <p16:designElem xmlns:p16="http://schemas.microsoft.com/office/powerpoint/2015/main" val="1"/>
-                </p:ext>
-              </p:extLst>
-            </p:nvPr>
-          </p:nvCxnSpPr>
-          <p:spPr>
-            <a:xfrm flipH="1">
-              <a:off x="7425267" y="3681413"/>
-              <a:ext cx="4763558" cy="3176587"/>
-            </a:xfrm>
-            <a:prstGeom prst="line">
-              <a:avLst/>
-            </a:prstGeom>
-            <a:ln w="9525">
-              <a:solidFill>
-                <a:schemeClr val="accent1">
-                  <a:alpha val="70000"/>
-                </a:schemeClr>
-              </a:solidFill>
-            </a:ln>
-          </p:spPr>
-          <p:style>
-            <a:lnRef idx="2">
-              <a:schemeClr val="accent1"/>
-            </a:lnRef>
-            <a:fillRef idx="0">
-              <a:schemeClr val="accent1"/>
-            </a:fillRef>
-            <a:effectRef idx="1">
-              <a:schemeClr val="accent1"/>
-            </a:effectRef>
-            <a:fontRef idx="minor">
-              <a:schemeClr val="tx1"/>
-            </a:fontRef>
-          </p:style>
-        </p:cxnSp>
-        <p:sp>
-          <p:nvSpPr>
-            <p:cNvPr id="43" name="Rectangle 23">
-              <a:extLst>
-                <a:ext uri="{FF2B5EF4-FFF2-40B4-BE49-F238E27FC236}">
-                  <a16:creationId xmlns:a16="http://schemas.microsoft.com/office/drawing/2014/main" id="{A108FB8B-558B-4F9E-970F-72D2EE57F644}"/>
-                </a:ext>
-                <a:ext uri="{C183D7F6-B498-43B3-948B-1728B52AA6E4}">
-                  <adec:decorative xmlns:adec="http://schemas.microsoft.com/office/drawing/2017/decorative" val="1"/>
-                </a:ext>
-              </a:extLst>
-            </p:cNvPr>
-            <p:cNvSpPr/>
-            <p:nvPr>
-              <p:extLst>
-                <p:ext uri="{386F3935-93C4-4BCD-93E2-E3B085C9AB24}">
-                  <p16:designElem xmlns:p16="http://schemas.microsoft.com/office/powerpoint/2015/main" val="1"/>
-                </p:ext>
-              </p:extLst>
-            </p:nvPr>
-          </p:nvSpPr>
-          <p:spPr>
-            <a:xfrm>
-              <a:off x="9181476" y="-8467"/>
-              <a:ext cx="3007349" cy="6866467"/>
-            </a:xfrm>
-            <a:custGeom>
-              <a:avLst/>
-              <a:gdLst/>
-              <a:ahLst/>
-              <a:cxnLst/>
-              <a:rect l="l" t="t" r="r" b="b"/>
-              <a:pathLst>
-                <a:path w="3007349" h="6866467">
-                  <a:moveTo>
-                    <a:pt x="2045532" y="0"/>
-                  </a:moveTo>
-                  <a:lnTo>
-                    <a:pt x="3007349" y="0"/>
-                  </a:lnTo>
-                  <a:lnTo>
-                    <a:pt x="3007349" y="6866467"/>
-                  </a:lnTo>
-                  <a:lnTo>
-                    <a:pt x="0" y="6866467"/>
-                  </a:lnTo>
-                  <a:lnTo>
-                    <a:pt x="2045532" y="0"/>
-                  </a:lnTo>
-                  <a:close/>
-                </a:path>
-              </a:pathLst>
-            </a:custGeom>
-            <a:solidFill>
-              <a:schemeClr val="accent1">
-                <a:alpha val="36000"/>
-              </a:schemeClr>
-            </a:solidFill>
-            <a:ln>
-              <a:noFill/>
-            </a:ln>
-            <a:effectLst/>
-          </p:spPr>
-          <p:style>
-            <a:lnRef idx="1">
-              <a:schemeClr val="accent1"/>
-            </a:lnRef>
-            <a:fillRef idx="3">
-              <a:schemeClr val="accent1"/>
-            </a:fillRef>
-            <a:effectRef idx="2">
-              <a:schemeClr val="accent1"/>
-            </a:effectRef>
-            <a:fontRef idx="minor">
-              <a:schemeClr val="lt1"/>
-            </a:fontRef>
-          </p:style>
-        </p:sp>
-        <p:sp>
-          <p:nvSpPr>
-            <p:cNvPr id="44" name="Rectangle 25">
-              <a:extLst>
-                <a:ext uri="{FF2B5EF4-FFF2-40B4-BE49-F238E27FC236}">
-                  <a16:creationId xmlns:a16="http://schemas.microsoft.com/office/drawing/2014/main" id="{481E92F1-5BD2-4422-B875-90578CEAA552}"/>
-                </a:ext>
-                <a:ext uri="{C183D7F6-B498-43B3-948B-1728B52AA6E4}">
-                  <adec:decorative xmlns:adec="http://schemas.microsoft.com/office/drawing/2017/decorative" val="1"/>
-                </a:ext>
-              </a:extLst>
-            </p:cNvPr>
-            <p:cNvSpPr/>
-            <p:nvPr>
-              <p:extLst>
-                <p:ext uri="{386F3935-93C4-4BCD-93E2-E3B085C9AB24}">
-                  <p16:designElem xmlns:p16="http://schemas.microsoft.com/office/powerpoint/2015/main" val="1"/>
-                </p:ext>
-              </p:extLst>
-            </p:nvPr>
-          </p:nvSpPr>
-          <p:spPr>
-            <a:xfrm>
-              <a:off x="9603442" y="-8467"/>
-              <a:ext cx="2588558" cy="6866467"/>
-            </a:xfrm>
-            <a:custGeom>
-              <a:avLst/>
-              <a:gdLst/>
-              <a:ahLst/>
-              <a:cxnLst/>
-              <a:rect l="l" t="t" r="r" b="b"/>
-              <a:pathLst>
-                <a:path w="2573311" h="6866467">
-                  <a:moveTo>
-                    <a:pt x="0" y="0"/>
-                  </a:moveTo>
-                  <a:lnTo>
-                    <a:pt x="2573311" y="0"/>
-                  </a:lnTo>
-                  <a:lnTo>
-                    <a:pt x="2573311" y="6866467"/>
-                  </a:lnTo>
-                  <a:lnTo>
-                    <a:pt x="1202336" y="6866467"/>
-                  </a:lnTo>
-                  <a:lnTo>
-                    <a:pt x="0" y="0"/>
-                  </a:lnTo>
-                  <a:close/>
-                </a:path>
-              </a:pathLst>
-            </a:custGeom>
-            <a:solidFill>
-              <a:schemeClr val="accent1">
-                <a:alpha val="20000"/>
-              </a:schemeClr>
-            </a:solidFill>
-            <a:ln>
-              <a:noFill/>
-            </a:ln>
-            <a:effectLst/>
-          </p:spPr>
-          <p:style>
-            <a:lnRef idx="1">
-              <a:schemeClr val="accent1"/>
-            </a:lnRef>
-            <a:fillRef idx="3">
-              <a:schemeClr val="accent1"/>
-            </a:fillRef>
-            <a:effectRef idx="2">
-              <a:schemeClr val="accent1"/>
-            </a:effectRef>
-            <a:fontRef idx="minor">
-              <a:schemeClr val="lt1"/>
-            </a:fontRef>
-          </p:style>
-        </p:sp>
-        <p:sp>
-          <p:nvSpPr>
-            <p:cNvPr id="45" name="Isosceles Triangle 44">
-              <a:extLst>
-                <a:ext uri="{FF2B5EF4-FFF2-40B4-BE49-F238E27FC236}">
-                  <a16:creationId xmlns:a16="http://schemas.microsoft.com/office/drawing/2014/main" id="{9D9630F3-9488-4F58-9098-F6B8552BD6D5}"/>
-                </a:ext>
-                <a:ext uri="{C183D7F6-B498-43B3-948B-1728B52AA6E4}">
-                  <adec:decorative xmlns:adec="http://schemas.microsoft.com/office/drawing/2017/decorative" val="1"/>
-                </a:ext>
-              </a:extLst>
-            </p:cNvPr>
-            <p:cNvSpPr/>
-            <p:nvPr>
-              <p:extLst>
-                <p:ext uri="{386F3935-93C4-4BCD-93E2-E3B085C9AB24}">
-                  <p16:designElem xmlns:p16="http://schemas.microsoft.com/office/powerpoint/2015/main" val="1"/>
-                </p:ext>
-              </p:extLst>
-            </p:nvPr>
-          </p:nvSpPr>
-          <p:spPr>
-            <a:xfrm>
-              <a:off x="8932333" y="3048000"/>
-              <a:ext cx="3259667" cy="3810000"/>
-            </a:xfrm>
-            <a:prstGeom prst="triangle">
-              <a:avLst>
-                <a:gd name="adj" fmla="val 100000"/>
-              </a:avLst>
-            </a:prstGeom>
-            <a:solidFill>
-              <a:schemeClr val="accent1">
-                <a:lumMod val="75000"/>
-                <a:alpha val="66000"/>
-              </a:schemeClr>
-            </a:solidFill>
-            <a:ln>
-              <a:noFill/>
-            </a:ln>
-            <a:effectLst/>
-          </p:spPr>
-          <p:style>
-            <a:lnRef idx="1">
-              <a:schemeClr val="accent1"/>
-            </a:lnRef>
-            <a:fillRef idx="3">
-              <a:schemeClr val="accent1"/>
-            </a:fillRef>
-            <a:effectRef idx="2">
-              <a:schemeClr val="accent1"/>
-            </a:effectRef>
-            <a:fontRef idx="minor">
-              <a:schemeClr val="lt1"/>
-            </a:fontRef>
-          </p:style>
-        </p:sp>
-        <p:sp>
-          <p:nvSpPr>
-            <p:cNvPr id="46" name="Rectangle 27">
-              <a:extLst>
-                <a:ext uri="{FF2B5EF4-FFF2-40B4-BE49-F238E27FC236}">
-                  <a16:creationId xmlns:a16="http://schemas.microsoft.com/office/drawing/2014/main" id="{A82B105D-E7A6-4F3A-AFDA-B9133F6BDFE0}"/>
-                </a:ext>
-                <a:ext uri="{C183D7F6-B498-43B3-948B-1728B52AA6E4}">
-                  <adec:decorative xmlns:adec="http://schemas.microsoft.com/office/drawing/2017/decorative" val="1"/>
-                </a:ext>
-              </a:extLst>
-            </p:cNvPr>
-            <p:cNvSpPr/>
-            <p:nvPr>
-              <p:extLst>
-                <p:ext uri="{386F3935-93C4-4BCD-93E2-E3B085C9AB24}">
-                  <p16:designElem xmlns:p16="http://schemas.microsoft.com/office/powerpoint/2015/main" val="1"/>
-                </p:ext>
-              </p:extLst>
-            </p:nvPr>
-          </p:nvSpPr>
-          <p:spPr>
-            <a:xfrm>
-              <a:off x="9334500" y="-8467"/>
-              <a:ext cx="2854326" cy="6866467"/>
-            </a:xfrm>
-            <a:custGeom>
-              <a:avLst/>
-              <a:gdLst/>
-              <a:ahLst/>
-              <a:cxnLst/>
-              <a:rect l="l" t="t" r="r" b="b"/>
-              <a:pathLst>
-                <a:path w="2858013" h="6866467">
-                  <a:moveTo>
-                    <a:pt x="0" y="0"/>
-                  </a:moveTo>
-                  <a:lnTo>
-                    <a:pt x="2858013" y="0"/>
-                  </a:lnTo>
-                  <a:lnTo>
-                    <a:pt x="2858013" y="6866467"/>
-                  </a:lnTo>
-                  <a:lnTo>
-                    <a:pt x="2473942" y="6866467"/>
-                  </a:lnTo>
-                  <a:lnTo>
-                    <a:pt x="0" y="0"/>
-                  </a:lnTo>
-                  <a:close/>
-                </a:path>
-              </a:pathLst>
-            </a:custGeom>
-            <a:solidFill>
-              <a:schemeClr val="accent1">
-                <a:lumMod val="75000"/>
-                <a:alpha val="50000"/>
-              </a:schemeClr>
-            </a:solidFill>
-            <a:ln>
-              <a:noFill/>
-            </a:ln>
-            <a:effectLst/>
-          </p:spPr>
-          <p:style>
-            <a:lnRef idx="1">
-              <a:schemeClr val="accent1"/>
-            </a:lnRef>
-            <a:fillRef idx="3">
-              <a:schemeClr val="accent1"/>
-            </a:fillRef>
-            <a:effectRef idx="2">
-              <a:schemeClr val="accent1"/>
-            </a:effectRef>
-            <a:fontRef idx="minor">
-              <a:schemeClr val="lt1"/>
-            </a:fontRef>
-          </p:style>
-        </p:sp>
-        <p:sp>
-          <p:nvSpPr>
-            <p:cNvPr id="47" name="Rectangle 28">
-              <a:extLst>
-                <a:ext uri="{FF2B5EF4-FFF2-40B4-BE49-F238E27FC236}">
-                  <a16:creationId xmlns:a16="http://schemas.microsoft.com/office/drawing/2014/main" id="{592262AB-546B-41A7-99DE-EC034F0722FB}"/>
-                </a:ext>
-                <a:ext uri="{C183D7F6-B498-43B3-948B-1728B52AA6E4}">
-                  <adec:decorative xmlns:adec="http://schemas.microsoft.com/office/drawing/2017/decorative" val="1"/>
-                </a:ext>
-              </a:extLst>
-            </p:cNvPr>
-            <p:cNvSpPr/>
-            <p:nvPr>
-              <p:extLst>
-                <p:ext uri="{386F3935-93C4-4BCD-93E2-E3B085C9AB24}">
-                  <p16:designElem xmlns:p16="http://schemas.microsoft.com/office/powerpoint/2015/main" val="1"/>
-                </p:ext>
-              </p:extLst>
-            </p:nvPr>
-          </p:nvSpPr>
-          <p:spPr>
-            <a:xfrm>
-              <a:off x="10898730" y="-8467"/>
-              <a:ext cx="1290094" cy="6866467"/>
-            </a:xfrm>
-            <a:custGeom>
-              <a:avLst/>
-              <a:gdLst/>
-              <a:ahLst/>
-              <a:cxnLst/>
-              <a:rect l="l" t="t" r="r" b="b"/>
-              <a:pathLst>
-                <a:path w="1290094" h="6858000">
-                  <a:moveTo>
-                    <a:pt x="1019735" y="0"/>
-                  </a:moveTo>
-                  <a:lnTo>
-                    <a:pt x="1290094" y="0"/>
-                  </a:lnTo>
-                  <a:lnTo>
-                    <a:pt x="1290094" y="6858000"/>
-                  </a:lnTo>
-                  <a:lnTo>
-                    <a:pt x="0" y="6858000"/>
-                  </a:lnTo>
-                  <a:lnTo>
-                    <a:pt x="1019735" y="0"/>
-                  </a:lnTo>
-                  <a:close/>
-                </a:path>
-              </a:pathLst>
-            </a:custGeom>
-            <a:solidFill>
-              <a:schemeClr val="accent2">
-                <a:alpha val="70000"/>
-              </a:schemeClr>
-            </a:solidFill>
-            <a:ln>
-              <a:noFill/>
-            </a:ln>
-            <a:effectLst/>
-          </p:spPr>
-          <p:style>
-            <a:lnRef idx="1">
-              <a:schemeClr val="accent1"/>
-            </a:lnRef>
-            <a:fillRef idx="3">
-              <a:schemeClr val="accent1"/>
-            </a:fillRef>
-            <a:effectRef idx="2">
-              <a:schemeClr val="accent1"/>
-            </a:effectRef>
-            <a:fontRef idx="minor">
-              <a:schemeClr val="lt1"/>
-            </a:fontRef>
-          </p:style>
-        </p:sp>
-        <p:sp>
-          <p:nvSpPr>
-            <p:cNvPr id="48" name="Rectangle 29">
-              <a:extLst>
-                <a:ext uri="{FF2B5EF4-FFF2-40B4-BE49-F238E27FC236}">
-                  <a16:creationId xmlns:a16="http://schemas.microsoft.com/office/drawing/2014/main" id="{D878A1F7-F404-41A0-BD7C-9739499BDDD6}"/>
-                </a:ext>
-                <a:ext uri="{C183D7F6-B498-43B3-948B-1728B52AA6E4}">
-                  <adec:decorative xmlns:adec="http://schemas.microsoft.com/office/drawing/2017/decorative" val="1"/>
-                </a:ext>
-              </a:extLst>
-            </p:cNvPr>
-            <p:cNvSpPr/>
-            <p:nvPr>
-              <p:extLst>
-                <p:ext uri="{386F3935-93C4-4BCD-93E2-E3B085C9AB24}">
-                  <p16:designElem xmlns:p16="http://schemas.microsoft.com/office/powerpoint/2015/main" val="1"/>
-                </p:ext>
-              </p:extLst>
-            </p:nvPr>
-          </p:nvSpPr>
-          <p:spPr>
-            <a:xfrm>
-              <a:off x="10938999" y="-8467"/>
-              <a:ext cx="1249825" cy="6866467"/>
-            </a:xfrm>
-            <a:custGeom>
-              <a:avLst/>
-              <a:gdLst/>
-              <a:ahLst/>
-              <a:cxnLst/>
-              <a:rect l="l" t="t" r="r" b="b"/>
-              <a:pathLst>
-                <a:path w="1249825" h="6858000">
-                  <a:moveTo>
-                    <a:pt x="0" y="0"/>
-                  </a:moveTo>
-                  <a:lnTo>
-                    <a:pt x="1249825" y="0"/>
-                  </a:lnTo>
-                  <a:lnTo>
-                    <a:pt x="1249825" y="6858000"/>
-                  </a:lnTo>
-                  <a:lnTo>
-                    <a:pt x="1109382" y="6858000"/>
-                  </a:lnTo>
-                  <a:lnTo>
-                    <a:pt x="0" y="0"/>
-                  </a:lnTo>
-                  <a:close/>
-                </a:path>
-              </a:pathLst>
-            </a:custGeom>
-            <a:solidFill>
-              <a:schemeClr val="accent2">
-                <a:lumMod val="75000"/>
-                <a:alpha val="80000"/>
-              </a:schemeClr>
-            </a:solidFill>
-            <a:ln>
-              <a:noFill/>
-            </a:ln>
-            <a:effectLst/>
-          </p:spPr>
-          <p:style>
-            <a:lnRef idx="1">
-              <a:schemeClr val="accent1"/>
-            </a:lnRef>
-            <a:fillRef idx="3">
-              <a:schemeClr val="accent1"/>
-            </a:fillRef>
-            <a:effectRef idx="2">
-              <a:schemeClr val="accent1"/>
-            </a:effectRef>
-            <a:fontRef idx="minor">
-              <a:schemeClr val="lt1"/>
-            </a:fontRef>
-          </p:style>
-        </p:sp>
-        <p:sp>
-          <p:nvSpPr>
-            <p:cNvPr id="49" name="Isosceles Triangle 48">
-              <a:extLst>
-                <a:ext uri="{FF2B5EF4-FFF2-40B4-BE49-F238E27FC236}">
-                  <a16:creationId xmlns:a16="http://schemas.microsoft.com/office/drawing/2014/main" id="{0076BF32-29FF-4C3A-B1AF-91A28EFDA079}"/>
-                </a:ext>
-                <a:ext uri="{C183D7F6-B498-43B3-948B-1728B52AA6E4}">
-                  <adec:decorative xmlns:adec="http://schemas.microsoft.com/office/drawing/2017/decorative" val="1"/>
-                </a:ext>
-              </a:extLst>
-            </p:cNvPr>
-            <p:cNvSpPr/>
-            <p:nvPr>
-              <p:extLst>
-                <p:ext uri="{386F3935-93C4-4BCD-93E2-E3B085C9AB24}">
-                  <p16:designElem xmlns:p16="http://schemas.microsoft.com/office/powerpoint/2015/main" val="1"/>
-                </p:ext>
-              </p:extLst>
-            </p:nvPr>
-          </p:nvSpPr>
-          <p:spPr>
-            <a:xfrm>
-              <a:off x="10371666" y="3589867"/>
-              <a:ext cx="1817159" cy="3268133"/>
-            </a:xfrm>
-            <a:prstGeom prst="triangle">
-              <a:avLst>
-                <a:gd name="adj" fmla="val 100000"/>
-              </a:avLst>
-            </a:prstGeom>
-            <a:solidFill>
-              <a:schemeClr val="accent1">
-                <a:lumMod val="75000"/>
-                <a:alpha val="66000"/>
-              </a:schemeClr>
-            </a:solidFill>
-            <a:ln>
-              <a:noFill/>
-            </a:ln>
-            <a:effectLst/>
-          </p:spPr>
-          <p:style>
-            <a:lnRef idx="1">
-              <a:schemeClr val="accent1"/>
-            </a:lnRef>
-            <a:fillRef idx="3">
-              <a:schemeClr val="accent1"/>
-            </a:fillRef>
-            <a:effectRef idx="2">
-              <a:schemeClr val="accent1"/>
-            </a:effectRef>
-            <a:fontRef idx="minor">
-              <a:schemeClr val="lt1"/>
-            </a:fontRef>
-          </p:style>
-        </p:sp>
-        <p:sp>
-          <p:nvSpPr>
-            <p:cNvPr id="50" name="Isosceles Triangle 49">
-              <a:extLst>
-                <a:ext uri="{FF2B5EF4-FFF2-40B4-BE49-F238E27FC236}">
-                  <a16:creationId xmlns:a16="http://schemas.microsoft.com/office/drawing/2014/main" id="{0A4C29F3-B3A2-40B9-8670-ADA39B0C42FF}"/>
-                </a:ext>
-                <a:ext uri="{C183D7F6-B498-43B3-948B-1728B52AA6E4}">
-                  <adec:decorative xmlns:adec="http://schemas.microsoft.com/office/drawing/2017/decorative" val="1"/>
-                </a:ext>
-              </a:extLst>
-            </p:cNvPr>
-            <p:cNvSpPr/>
-            <p:nvPr>
-              <p:extLst>
-                <p:ext uri="{386F3935-93C4-4BCD-93E2-E3B085C9AB24}">
-                  <p16:designElem xmlns:p16="http://schemas.microsoft.com/office/powerpoint/2015/main" val="1"/>
-                </p:ext>
-              </p:extLst>
-            </p:nvPr>
-          </p:nvSpPr>
-          <p:spPr>
-            <a:xfrm>
-              <a:off x="0" y="4013200"/>
-              <a:ext cx="448733" cy="2844800"/>
-            </a:xfrm>
-            <a:prstGeom prst="triangle">
-              <a:avLst>
-                <a:gd name="adj" fmla="val 0"/>
-              </a:avLst>
-            </a:prstGeom>
-            <a:solidFill>
-              <a:schemeClr val="accent1">
-                <a:alpha val="70000"/>
-              </a:schemeClr>
-            </a:solidFill>
-            <a:ln>
-              <a:noFill/>
-            </a:ln>
-            <a:effectLst/>
-          </p:spPr>
-          <p:style>
-            <a:lnRef idx="1">
-              <a:schemeClr val="accent1"/>
-            </a:lnRef>
-            <a:fillRef idx="3">
-              <a:schemeClr val="accent1"/>
-            </a:fillRef>
-            <a:effectRef idx="2">
-              <a:schemeClr val="accent1"/>
-            </a:effectRef>
-            <a:fontRef idx="minor">
-              <a:schemeClr val="lt1"/>
-            </a:fontRef>
-          </p:style>
-        </p:sp>
-      </p:grpSp>
-      <p:sp>
-        <p:nvSpPr>
-          <p:cNvPr id="52" name="Rectangle 51">
-            <a:extLst>
-              <a:ext uri="{FF2B5EF4-FFF2-40B4-BE49-F238E27FC236}">
-                <a16:creationId xmlns:a16="http://schemas.microsoft.com/office/drawing/2014/main" id="{21029ED5-F105-4DD2-99C8-1E4422817978}"/>
+                <a16:creationId xmlns:a16="http://schemas.microsoft.com/office/drawing/2014/main" id="{9F4444CE-BC8D-4D61-B303-4C05614E62AB}"/>
               </a:ext>
               <a:ext uri="{C183D7F6-B498-43B3-948B-1728B52AA6E4}">
                 <adec:decorative xmlns:adec="http://schemas.microsoft.com/office/drawing/2017/decorative" val="1"/>
@@ -36156,657 +37213,12 @@
           </a:p>
         </p:txBody>
       </p:sp>
-      <p:grpSp>
-        <p:nvGrpSpPr>
-          <p:cNvPr id="54" name="Group 53">
+      <p:sp>
+        <p:nvSpPr>
+          <p:cNvPr id="11" name="Rectangle 10">
             <a:extLst>
               <a:ext uri="{FF2B5EF4-FFF2-40B4-BE49-F238E27FC236}">
-                <a16:creationId xmlns:a16="http://schemas.microsoft.com/office/drawing/2014/main" id="{2D621E68-BF28-4A1C-B1A2-4E55E139E79A}"/>
-              </a:ext>
-              <a:ext uri="{C183D7F6-B498-43B3-948B-1728B52AA6E4}">
-                <adec:decorative xmlns:adec="http://schemas.microsoft.com/office/drawing/2017/decorative" val="1"/>
-              </a:ext>
-            </a:extLst>
-          </p:cNvPr>
-          <p:cNvGrpSpPr>
-            <a:grpSpLocks noGrp="1" noUngrp="1" noRot="1" noChangeAspect="1" noMove="1" noResize="1"/>
-          </p:cNvGrpSpPr>
-          <p:nvPr>
-            <p:extLst>
-              <p:ext uri="{386F3935-93C4-4BCD-93E2-E3B085C9AB24}">
-                <p16:designElem xmlns:p16="http://schemas.microsoft.com/office/powerpoint/2015/main" val="1"/>
-              </p:ext>
-            </p:extLst>
-          </p:nvPr>
-        </p:nvGrpSpPr>
-        <p:grpSpPr>
-          <a:xfrm>
-            <a:off x="0" y="-8467"/>
-            <a:ext cx="12192000" cy="6866467"/>
-            <a:chOff x="0" y="-8467"/>
-            <a:chExt cx="12192000" cy="6866467"/>
-          </a:xfrm>
-        </p:grpSpPr>
-        <p:cxnSp>
-          <p:nvCxnSpPr>
-            <p:cNvPr id="55" name="Straight Connector 54">
-              <a:extLst>
-                <a:ext uri="{FF2B5EF4-FFF2-40B4-BE49-F238E27FC236}">
-                  <a16:creationId xmlns:a16="http://schemas.microsoft.com/office/drawing/2014/main" id="{BE8BBE4D-F0DF-49B9-B75A-99DAC53ACA77}"/>
-                </a:ext>
-                <a:ext uri="{C183D7F6-B498-43B3-948B-1728B52AA6E4}">
-                  <adec:decorative xmlns:adec="http://schemas.microsoft.com/office/drawing/2017/decorative" val="1"/>
-                </a:ext>
-              </a:extLst>
-            </p:cNvPr>
-            <p:cNvCxnSpPr/>
-            <p:nvPr>
-              <p:extLst>
-                <p:ext uri="{386F3935-93C4-4BCD-93E2-E3B085C9AB24}">
-                  <p16:designElem xmlns:p16="http://schemas.microsoft.com/office/powerpoint/2015/main" val="1"/>
-                </p:ext>
-              </p:extLst>
-            </p:nvPr>
-          </p:nvCxnSpPr>
-          <p:spPr>
-            <a:xfrm flipH="1">
-              <a:off x="7425267" y="3681413"/>
-              <a:ext cx="4763558" cy="3176587"/>
-            </a:xfrm>
-            <a:prstGeom prst="line">
-              <a:avLst/>
-            </a:prstGeom>
-            <a:ln w="9525">
-              <a:solidFill>
-                <a:schemeClr val="bg1">
-                  <a:lumMod val="85000"/>
-                </a:schemeClr>
-              </a:solidFill>
-            </a:ln>
-          </p:spPr>
-          <p:style>
-            <a:lnRef idx="2">
-              <a:schemeClr val="accent1"/>
-            </a:lnRef>
-            <a:fillRef idx="0">
-              <a:schemeClr val="accent1"/>
-            </a:fillRef>
-            <a:effectRef idx="1">
-              <a:schemeClr val="accent1"/>
-            </a:effectRef>
-            <a:fontRef idx="minor">
-              <a:schemeClr val="tx1"/>
-            </a:fontRef>
-          </p:style>
-        </p:cxnSp>
-        <p:sp>
-          <p:nvSpPr>
-            <p:cNvPr id="56" name="Rectangle 23">
-              <a:extLst>
-                <a:ext uri="{FF2B5EF4-FFF2-40B4-BE49-F238E27FC236}">
-                  <a16:creationId xmlns:a16="http://schemas.microsoft.com/office/drawing/2014/main" id="{E0F07DDC-34A6-46A1-9DE9-2BBE2931A55B}"/>
-                </a:ext>
-                <a:ext uri="{C183D7F6-B498-43B3-948B-1728B52AA6E4}">
-                  <adec:decorative xmlns:adec="http://schemas.microsoft.com/office/drawing/2017/decorative" val="1"/>
-                </a:ext>
-              </a:extLst>
-            </p:cNvPr>
-            <p:cNvSpPr/>
-            <p:nvPr>
-              <p:extLst>
-                <p:ext uri="{386F3935-93C4-4BCD-93E2-E3B085C9AB24}">
-                  <p16:designElem xmlns:p16="http://schemas.microsoft.com/office/powerpoint/2015/main" val="1"/>
-                </p:ext>
-              </p:extLst>
-            </p:nvPr>
-          </p:nvSpPr>
-          <p:spPr>
-            <a:xfrm>
-              <a:off x="9181476" y="-8467"/>
-              <a:ext cx="3007349" cy="6866467"/>
-            </a:xfrm>
-            <a:custGeom>
-              <a:avLst/>
-              <a:gdLst/>
-              <a:ahLst/>
-              <a:cxnLst/>
-              <a:rect l="l" t="t" r="r" b="b"/>
-              <a:pathLst>
-                <a:path w="3007349" h="6866467">
-                  <a:moveTo>
-                    <a:pt x="2045532" y="0"/>
-                  </a:moveTo>
-                  <a:lnTo>
-                    <a:pt x="3007349" y="0"/>
-                  </a:lnTo>
-                  <a:lnTo>
-                    <a:pt x="3007349" y="6866467"/>
-                  </a:lnTo>
-                  <a:lnTo>
-                    <a:pt x="0" y="6866467"/>
-                  </a:lnTo>
-                  <a:lnTo>
-                    <a:pt x="2045532" y="0"/>
-                  </a:lnTo>
-                  <a:close/>
-                </a:path>
-              </a:pathLst>
-            </a:custGeom>
-            <a:solidFill>
-              <a:schemeClr val="accent1">
-                <a:alpha val="30000"/>
-              </a:schemeClr>
-            </a:solidFill>
-            <a:ln>
-              <a:noFill/>
-            </a:ln>
-            <a:effectLst/>
-          </p:spPr>
-          <p:style>
-            <a:lnRef idx="1">
-              <a:schemeClr val="accent1"/>
-            </a:lnRef>
-            <a:fillRef idx="3">
-              <a:schemeClr val="accent1"/>
-            </a:fillRef>
-            <a:effectRef idx="2">
-              <a:schemeClr val="accent1"/>
-            </a:effectRef>
-            <a:fontRef idx="minor">
-              <a:schemeClr val="lt1"/>
-            </a:fontRef>
-          </p:style>
-        </p:sp>
-        <p:sp>
-          <p:nvSpPr>
-            <p:cNvPr id="57" name="Rectangle 25">
-              <a:extLst>
-                <a:ext uri="{FF2B5EF4-FFF2-40B4-BE49-F238E27FC236}">
-                  <a16:creationId xmlns:a16="http://schemas.microsoft.com/office/drawing/2014/main" id="{2CEB2BF9-B8DB-45B9-86EA-D197B5B1AEFF}"/>
-                </a:ext>
-                <a:ext uri="{C183D7F6-B498-43B3-948B-1728B52AA6E4}">
-                  <adec:decorative xmlns:adec="http://schemas.microsoft.com/office/drawing/2017/decorative" val="1"/>
-                </a:ext>
-              </a:extLst>
-            </p:cNvPr>
-            <p:cNvSpPr/>
-            <p:nvPr>
-              <p:extLst>
-                <p:ext uri="{386F3935-93C4-4BCD-93E2-E3B085C9AB24}">
-                  <p16:designElem xmlns:p16="http://schemas.microsoft.com/office/powerpoint/2015/main" val="1"/>
-                </p:ext>
-              </p:extLst>
-            </p:nvPr>
-          </p:nvSpPr>
-          <p:spPr>
-            <a:xfrm>
-              <a:off x="9603442" y="-8467"/>
-              <a:ext cx="2588558" cy="6866467"/>
-            </a:xfrm>
-            <a:custGeom>
-              <a:avLst/>
-              <a:gdLst/>
-              <a:ahLst/>
-              <a:cxnLst/>
-              <a:rect l="l" t="t" r="r" b="b"/>
-              <a:pathLst>
-                <a:path w="2573311" h="6866467">
-                  <a:moveTo>
-                    <a:pt x="0" y="0"/>
-                  </a:moveTo>
-                  <a:lnTo>
-                    <a:pt x="2573311" y="0"/>
-                  </a:lnTo>
-                  <a:lnTo>
-                    <a:pt x="2573311" y="6866467"/>
-                  </a:lnTo>
-                  <a:lnTo>
-                    <a:pt x="1202336" y="6866467"/>
-                  </a:lnTo>
-                  <a:lnTo>
-                    <a:pt x="0" y="0"/>
-                  </a:lnTo>
-                  <a:close/>
-                </a:path>
-              </a:pathLst>
-            </a:custGeom>
-            <a:solidFill>
-              <a:schemeClr val="accent1">
-                <a:alpha val="20000"/>
-              </a:schemeClr>
-            </a:solidFill>
-            <a:ln>
-              <a:noFill/>
-            </a:ln>
-            <a:effectLst/>
-          </p:spPr>
-          <p:style>
-            <a:lnRef idx="1">
-              <a:schemeClr val="accent1"/>
-            </a:lnRef>
-            <a:fillRef idx="3">
-              <a:schemeClr val="accent1"/>
-            </a:fillRef>
-            <a:effectRef idx="2">
-              <a:schemeClr val="accent1"/>
-            </a:effectRef>
-            <a:fontRef idx="minor">
-              <a:schemeClr val="lt1"/>
-            </a:fontRef>
-          </p:style>
-        </p:sp>
-        <p:sp>
-          <p:nvSpPr>
-            <p:cNvPr id="58" name="Isosceles Triangle 57">
-              <a:extLst>
-                <a:ext uri="{FF2B5EF4-FFF2-40B4-BE49-F238E27FC236}">
-                  <a16:creationId xmlns:a16="http://schemas.microsoft.com/office/drawing/2014/main" id="{08B5BB34-3801-4E70-A981-FE007635E11D}"/>
-                </a:ext>
-                <a:ext uri="{C183D7F6-B498-43B3-948B-1728B52AA6E4}">
-                  <adec:decorative xmlns:adec="http://schemas.microsoft.com/office/drawing/2017/decorative" val="1"/>
-                </a:ext>
-              </a:extLst>
-            </p:cNvPr>
-            <p:cNvSpPr/>
-            <p:nvPr>
-              <p:extLst>
-                <p:ext uri="{386F3935-93C4-4BCD-93E2-E3B085C9AB24}">
-                  <p16:designElem xmlns:p16="http://schemas.microsoft.com/office/powerpoint/2015/main" val="1"/>
-                </p:ext>
-              </p:extLst>
-            </p:nvPr>
-          </p:nvSpPr>
-          <p:spPr>
-            <a:xfrm>
-              <a:off x="8932333" y="3048000"/>
-              <a:ext cx="3259667" cy="3810000"/>
-            </a:xfrm>
-            <a:prstGeom prst="triangle">
-              <a:avLst>
-                <a:gd name="adj" fmla="val 100000"/>
-              </a:avLst>
-            </a:prstGeom>
-            <a:solidFill>
-              <a:schemeClr val="accent2">
-                <a:alpha val="72000"/>
-              </a:schemeClr>
-            </a:solidFill>
-            <a:ln>
-              <a:noFill/>
-            </a:ln>
-            <a:effectLst/>
-          </p:spPr>
-          <p:style>
-            <a:lnRef idx="1">
-              <a:schemeClr val="accent1"/>
-            </a:lnRef>
-            <a:fillRef idx="3">
-              <a:schemeClr val="accent1"/>
-            </a:fillRef>
-            <a:effectRef idx="2">
-              <a:schemeClr val="accent1"/>
-            </a:effectRef>
-            <a:fontRef idx="minor">
-              <a:schemeClr val="lt1"/>
-            </a:fontRef>
-          </p:style>
-        </p:sp>
-        <p:sp>
-          <p:nvSpPr>
-            <p:cNvPr id="59" name="Rectangle 27">
-              <a:extLst>
-                <a:ext uri="{FF2B5EF4-FFF2-40B4-BE49-F238E27FC236}">
-                  <a16:creationId xmlns:a16="http://schemas.microsoft.com/office/drawing/2014/main" id="{38432A75-2CEB-463C-A8F2-ABB50A79F444}"/>
-                </a:ext>
-                <a:ext uri="{C183D7F6-B498-43B3-948B-1728B52AA6E4}">
-                  <adec:decorative xmlns:adec="http://schemas.microsoft.com/office/drawing/2017/decorative" val="1"/>
-                </a:ext>
-              </a:extLst>
-            </p:cNvPr>
-            <p:cNvSpPr/>
-            <p:nvPr>
-              <p:extLst>
-                <p:ext uri="{386F3935-93C4-4BCD-93E2-E3B085C9AB24}">
-                  <p16:designElem xmlns:p16="http://schemas.microsoft.com/office/powerpoint/2015/main" val="1"/>
-                </p:ext>
-              </p:extLst>
-            </p:nvPr>
-          </p:nvSpPr>
-          <p:spPr>
-            <a:xfrm>
-              <a:off x="9334500" y="-8467"/>
-              <a:ext cx="2854326" cy="6866467"/>
-            </a:xfrm>
-            <a:custGeom>
-              <a:avLst/>
-              <a:gdLst/>
-              <a:ahLst/>
-              <a:cxnLst/>
-              <a:rect l="l" t="t" r="r" b="b"/>
-              <a:pathLst>
-                <a:path w="2858013" h="6866467">
-                  <a:moveTo>
-                    <a:pt x="0" y="0"/>
-                  </a:moveTo>
-                  <a:lnTo>
-                    <a:pt x="2858013" y="0"/>
-                  </a:lnTo>
-                  <a:lnTo>
-                    <a:pt x="2858013" y="6866467"/>
-                  </a:lnTo>
-                  <a:lnTo>
-                    <a:pt x="2473942" y="6866467"/>
-                  </a:lnTo>
-                  <a:lnTo>
-                    <a:pt x="0" y="0"/>
-                  </a:lnTo>
-                  <a:close/>
-                </a:path>
-              </a:pathLst>
-            </a:custGeom>
-            <a:solidFill>
-              <a:schemeClr val="accent2">
-                <a:lumMod val="75000"/>
-                <a:alpha val="70000"/>
-              </a:schemeClr>
-            </a:solidFill>
-            <a:ln>
-              <a:noFill/>
-            </a:ln>
-            <a:effectLst/>
-          </p:spPr>
-          <p:style>
-            <a:lnRef idx="1">
-              <a:schemeClr val="accent1"/>
-            </a:lnRef>
-            <a:fillRef idx="3">
-              <a:schemeClr val="accent1"/>
-            </a:fillRef>
-            <a:effectRef idx="2">
-              <a:schemeClr val="accent1"/>
-            </a:effectRef>
-            <a:fontRef idx="minor">
-              <a:schemeClr val="lt1"/>
-            </a:fontRef>
-          </p:style>
-        </p:sp>
-        <p:sp>
-          <p:nvSpPr>
-            <p:cNvPr id="60" name="Rectangle 28">
-              <a:extLst>
-                <a:ext uri="{FF2B5EF4-FFF2-40B4-BE49-F238E27FC236}">
-                  <a16:creationId xmlns:a16="http://schemas.microsoft.com/office/drawing/2014/main" id="{E7E850B8-C050-4597-8BEB-113FEC9A27C9}"/>
-                </a:ext>
-                <a:ext uri="{C183D7F6-B498-43B3-948B-1728B52AA6E4}">
-                  <adec:decorative xmlns:adec="http://schemas.microsoft.com/office/drawing/2017/decorative" val="1"/>
-                </a:ext>
-              </a:extLst>
-            </p:cNvPr>
-            <p:cNvSpPr/>
-            <p:nvPr>
-              <p:extLst>
-                <p:ext uri="{386F3935-93C4-4BCD-93E2-E3B085C9AB24}">
-                  <p16:designElem xmlns:p16="http://schemas.microsoft.com/office/powerpoint/2015/main" val="1"/>
-                </p:ext>
-              </p:extLst>
-            </p:nvPr>
-          </p:nvSpPr>
-          <p:spPr>
-            <a:xfrm>
-              <a:off x="10898730" y="-8467"/>
-              <a:ext cx="1290094" cy="6866467"/>
-            </a:xfrm>
-            <a:custGeom>
-              <a:avLst/>
-              <a:gdLst/>
-              <a:ahLst/>
-              <a:cxnLst/>
-              <a:rect l="l" t="t" r="r" b="b"/>
-              <a:pathLst>
-                <a:path w="1290094" h="6858000">
-                  <a:moveTo>
-                    <a:pt x="1019735" y="0"/>
-                  </a:moveTo>
-                  <a:lnTo>
-                    <a:pt x="1290094" y="0"/>
-                  </a:lnTo>
-                  <a:lnTo>
-                    <a:pt x="1290094" y="6858000"/>
-                  </a:lnTo>
-                  <a:lnTo>
-                    <a:pt x="0" y="6858000"/>
-                  </a:lnTo>
-                  <a:lnTo>
-                    <a:pt x="1019735" y="0"/>
-                  </a:lnTo>
-                  <a:close/>
-                </a:path>
-              </a:pathLst>
-            </a:custGeom>
-            <a:solidFill>
-              <a:schemeClr val="accent1">
-                <a:lumMod val="60000"/>
-                <a:lumOff val="40000"/>
-                <a:alpha val="70000"/>
-              </a:schemeClr>
-            </a:solidFill>
-            <a:ln>
-              <a:noFill/>
-            </a:ln>
-            <a:effectLst/>
-          </p:spPr>
-          <p:style>
-            <a:lnRef idx="1">
-              <a:schemeClr val="accent1"/>
-            </a:lnRef>
-            <a:fillRef idx="3">
-              <a:schemeClr val="accent1"/>
-            </a:fillRef>
-            <a:effectRef idx="2">
-              <a:schemeClr val="accent1"/>
-            </a:effectRef>
-            <a:fontRef idx="minor">
-              <a:schemeClr val="lt1"/>
-            </a:fontRef>
-          </p:style>
-        </p:sp>
-        <p:sp>
-          <p:nvSpPr>
-            <p:cNvPr id="61" name="Rectangle 29">
-              <a:extLst>
-                <a:ext uri="{FF2B5EF4-FFF2-40B4-BE49-F238E27FC236}">
-                  <a16:creationId xmlns:a16="http://schemas.microsoft.com/office/drawing/2014/main" id="{24ACC798-9CEC-4B6F-A8DD-F8E6FCCCF164}"/>
-                </a:ext>
-                <a:ext uri="{C183D7F6-B498-43B3-948B-1728B52AA6E4}">
-                  <adec:decorative xmlns:adec="http://schemas.microsoft.com/office/drawing/2017/decorative" val="1"/>
-                </a:ext>
-              </a:extLst>
-            </p:cNvPr>
-            <p:cNvSpPr/>
-            <p:nvPr>
-              <p:extLst>
-                <p:ext uri="{386F3935-93C4-4BCD-93E2-E3B085C9AB24}">
-                  <p16:designElem xmlns:p16="http://schemas.microsoft.com/office/powerpoint/2015/main" val="1"/>
-                </p:ext>
-              </p:extLst>
-            </p:nvPr>
-          </p:nvSpPr>
-          <p:spPr>
-            <a:xfrm>
-              <a:off x="10938999" y="-8467"/>
-              <a:ext cx="1249825" cy="6866467"/>
-            </a:xfrm>
-            <a:custGeom>
-              <a:avLst/>
-              <a:gdLst/>
-              <a:ahLst/>
-              <a:cxnLst/>
-              <a:rect l="l" t="t" r="r" b="b"/>
-              <a:pathLst>
-                <a:path w="1249825" h="6858000">
-                  <a:moveTo>
-                    <a:pt x="0" y="0"/>
-                  </a:moveTo>
-                  <a:lnTo>
-                    <a:pt x="1249825" y="0"/>
-                  </a:lnTo>
-                  <a:lnTo>
-                    <a:pt x="1249825" y="6858000"/>
-                  </a:lnTo>
-                  <a:lnTo>
-                    <a:pt x="1109382" y="6858000"/>
-                  </a:lnTo>
-                  <a:lnTo>
-                    <a:pt x="0" y="0"/>
-                  </a:lnTo>
-                  <a:close/>
-                </a:path>
-              </a:pathLst>
-            </a:custGeom>
-            <a:solidFill>
-              <a:schemeClr val="accent1">
-                <a:alpha val="65000"/>
-              </a:schemeClr>
-            </a:solidFill>
-            <a:ln>
-              <a:noFill/>
-            </a:ln>
-            <a:effectLst/>
-          </p:spPr>
-          <p:style>
-            <a:lnRef idx="1">
-              <a:schemeClr val="accent1"/>
-            </a:lnRef>
-            <a:fillRef idx="3">
-              <a:schemeClr val="accent1"/>
-            </a:fillRef>
-            <a:effectRef idx="2">
-              <a:schemeClr val="accent1"/>
-            </a:effectRef>
-            <a:fontRef idx="minor">
-              <a:schemeClr val="lt1"/>
-            </a:fontRef>
-          </p:style>
-        </p:sp>
-        <p:sp>
-          <p:nvSpPr>
-            <p:cNvPr id="62" name="Isosceles Triangle 61">
-              <a:extLst>
-                <a:ext uri="{FF2B5EF4-FFF2-40B4-BE49-F238E27FC236}">
-                  <a16:creationId xmlns:a16="http://schemas.microsoft.com/office/drawing/2014/main" id="{1D58A8C6-1294-4CD9-89BC-F1E981A524AA}"/>
-                </a:ext>
-                <a:ext uri="{C183D7F6-B498-43B3-948B-1728B52AA6E4}">
-                  <adec:decorative xmlns:adec="http://schemas.microsoft.com/office/drawing/2017/decorative" val="1"/>
-                </a:ext>
-              </a:extLst>
-            </p:cNvPr>
-            <p:cNvSpPr/>
-            <p:nvPr>
-              <p:extLst>
-                <p:ext uri="{386F3935-93C4-4BCD-93E2-E3B085C9AB24}">
-                  <p16:designElem xmlns:p16="http://schemas.microsoft.com/office/powerpoint/2015/main" val="1"/>
-                </p:ext>
-              </p:extLst>
-            </p:nvPr>
-          </p:nvSpPr>
-          <p:spPr>
-            <a:xfrm>
-              <a:off x="10371666" y="3589867"/>
-              <a:ext cx="1817159" cy="3268133"/>
-            </a:xfrm>
-            <a:prstGeom prst="triangle">
-              <a:avLst>
-                <a:gd name="adj" fmla="val 100000"/>
-              </a:avLst>
-            </a:prstGeom>
-            <a:solidFill>
-              <a:schemeClr val="accent1">
-                <a:alpha val="80000"/>
-              </a:schemeClr>
-            </a:solidFill>
-            <a:ln>
-              <a:noFill/>
-            </a:ln>
-            <a:effectLst/>
-          </p:spPr>
-          <p:style>
-            <a:lnRef idx="1">
-              <a:schemeClr val="accent1"/>
-            </a:lnRef>
-            <a:fillRef idx="3">
-              <a:schemeClr val="accent1"/>
-            </a:fillRef>
-            <a:effectRef idx="2">
-              <a:schemeClr val="accent1"/>
-            </a:effectRef>
-            <a:fontRef idx="minor">
-              <a:schemeClr val="lt1"/>
-            </a:fontRef>
-          </p:style>
-        </p:sp>
-        <p:sp>
-          <p:nvSpPr>
-            <p:cNvPr id="63" name="Isosceles Triangle 62">
-              <a:extLst>
-                <a:ext uri="{FF2B5EF4-FFF2-40B4-BE49-F238E27FC236}">
-                  <a16:creationId xmlns:a16="http://schemas.microsoft.com/office/drawing/2014/main" id="{F32F2ED6-6143-46C4-A641-72D42732B6FA}"/>
-                </a:ext>
-                <a:ext uri="{C183D7F6-B498-43B3-948B-1728B52AA6E4}">
-                  <adec:decorative xmlns:adec="http://schemas.microsoft.com/office/drawing/2017/decorative" val="1"/>
-                </a:ext>
-              </a:extLst>
-            </p:cNvPr>
-            <p:cNvSpPr/>
-            <p:nvPr>
-              <p:extLst>
-                <p:ext uri="{386F3935-93C4-4BCD-93E2-E3B085C9AB24}">
-                  <p16:designElem xmlns:p16="http://schemas.microsoft.com/office/powerpoint/2015/main" val="1"/>
-                </p:ext>
-              </p:extLst>
-            </p:nvPr>
-          </p:nvSpPr>
-          <p:spPr>
-            <a:xfrm>
-              <a:off x="0" y="4013200"/>
-              <a:ext cx="448733" cy="2844800"/>
-            </a:xfrm>
-            <a:prstGeom prst="triangle">
-              <a:avLst>
-                <a:gd name="adj" fmla="val 0"/>
-              </a:avLst>
-            </a:prstGeom>
-            <a:solidFill>
-              <a:schemeClr val="accent1">
-                <a:alpha val="85000"/>
-              </a:schemeClr>
-            </a:solidFill>
-            <a:ln>
-              <a:noFill/>
-            </a:ln>
-            <a:effectLst/>
-          </p:spPr>
-          <p:style>
-            <a:lnRef idx="1">
-              <a:schemeClr val="accent1"/>
-            </a:lnRef>
-            <a:fillRef idx="3">
-              <a:schemeClr val="accent1"/>
-            </a:fillRef>
-            <a:effectRef idx="2">
-              <a:schemeClr val="accent1"/>
-            </a:effectRef>
-            <a:fontRef idx="minor">
-              <a:schemeClr val="lt1"/>
-            </a:fontRef>
-          </p:style>
-        </p:sp>
-      </p:grpSp>
-      <p:sp>
-        <p:nvSpPr>
-          <p:cNvPr id="65" name="Rectangle 64">
-            <a:extLst>
-              <a:ext uri="{FF2B5EF4-FFF2-40B4-BE49-F238E27FC236}">
-                <a16:creationId xmlns:a16="http://schemas.microsoft.com/office/drawing/2014/main" id="{5C9652B3-A450-4ED6-8FBF-F536BA60B4D8}"/>
+                <a16:creationId xmlns:a16="http://schemas.microsoft.com/office/drawing/2014/main" id="{62423CA5-E2E1-4789-B759-9906C1C94063}"/>
               </a:ext>
               <a:ext uri="{C183D7F6-B498-43B3-948B-1728B52AA6E4}">
                 <adec:decorative xmlns:adec="http://schemas.microsoft.com/office/drawing/2017/decorative" val="1"/>
@@ -36826,31 +37238,28 @@
         </p:nvSpPr>
         <p:spPr>
           <a:xfrm>
-            <a:off x="477012" y="480060"/>
-            <a:ext cx="11237976" cy="5897880"/>
+            <a:off x="0" y="-3"/>
+            <a:ext cx="4660126" cy="6858000"/>
           </a:xfrm>
           <a:prstGeom prst="rect">
             <a:avLst/>
           </a:prstGeom>
           <a:solidFill>
-            <a:srgbClr val="FFFFFF"/>
+            <a:schemeClr val="tx2"/>
           </a:solidFill>
-          <a:ln w="22225">
-            <a:solidFill>
-              <a:srgbClr val="FFFFFF"/>
-            </a:solidFill>
+          <a:ln>
+            <a:noFill/>
           </a:ln>
+          <a:effectLst/>
         </p:spPr>
         <p:style>
-          <a:lnRef idx="2">
-            <a:schemeClr val="accent1">
-              <a:shade val="50000"/>
-            </a:schemeClr>
+          <a:lnRef idx="1">
+            <a:schemeClr val="accent1"/>
           </a:lnRef>
-          <a:fillRef idx="1">
+          <a:fillRef idx="3">
             <a:schemeClr val="accent1"/>
           </a:fillRef>
-          <a:effectRef idx="0">
+          <a:effectRef idx="2">
             <a:schemeClr val="accent1"/>
           </a:effectRef>
           <a:fontRef idx="minor">
@@ -36858,39 +37267,1087 @@
           </a:fontRef>
         </p:style>
         <p:txBody>
-          <a:bodyPr rtlCol="0" anchor="ctr"/>
+          <a:bodyPr/>
           <a:lstStyle/>
           <a:p>
-            <a:pPr algn="ctr"/>
             <a:endParaRPr lang="en-US"/>
+          </a:p>
+        </p:txBody>
+      </p:sp>
+      <p:sp>
+        <p:nvSpPr>
+          <p:cNvPr id="13" name="Isosceles Triangle 12">
+            <a:extLst>
+              <a:ext uri="{FF2B5EF4-FFF2-40B4-BE49-F238E27FC236}">
+                <a16:creationId xmlns:a16="http://schemas.microsoft.com/office/drawing/2014/main" id="{73772B81-181F-48B7-8826-4D9686D15DF5}"/>
+              </a:ext>
+              <a:ext uri="{C183D7F6-B498-43B3-948B-1728B52AA6E4}">
+                <adec:decorative xmlns:adec="http://schemas.microsoft.com/office/drawing/2017/decorative" val="1"/>
+              </a:ext>
+            </a:extLst>
+          </p:cNvPr>
+          <p:cNvSpPr>
+            <a:spLocks noGrp="1" noRot="1" noChangeAspect="1" noMove="1" noResize="1" noEditPoints="1" noAdjustHandles="1" noChangeArrowheads="1" noChangeShapeType="1" noTextEdit="1"/>
+          </p:cNvSpPr>
+          <p:nvPr>
+            <p:extLst>
+              <p:ext uri="{386F3935-93C4-4BCD-93E2-E3B085C9AB24}">
+                <p16:designElem xmlns:p16="http://schemas.microsoft.com/office/powerpoint/2015/main" val="1"/>
+              </p:ext>
+            </p:extLst>
+          </p:nvPr>
+        </p:nvSpPr>
+        <p:spPr>
+          <a:xfrm rot="10800000">
+            <a:off x="4660127" y="-3"/>
+            <a:ext cx="1056745" cy="6858001"/>
+          </a:xfrm>
+          <a:prstGeom prst="triangle">
+            <a:avLst>
+              <a:gd name="adj" fmla="val 100000"/>
+            </a:avLst>
+          </a:prstGeom>
+          <a:solidFill>
+            <a:schemeClr val="tx2"/>
+          </a:solidFill>
+          <a:ln>
+            <a:noFill/>
+          </a:ln>
+          <a:effectLst/>
+        </p:spPr>
+        <p:style>
+          <a:lnRef idx="1">
+            <a:schemeClr val="accent1"/>
+          </a:lnRef>
+          <a:fillRef idx="3">
+            <a:schemeClr val="accent1"/>
+          </a:fillRef>
+          <a:effectRef idx="2">
+            <a:schemeClr val="accent1"/>
+          </a:effectRef>
+          <a:fontRef idx="minor">
+            <a:schemeClr val="lt1"/>
+          </a:fontRef>
+        </p:style>
+        <p:txBody>
+          <a:bodyPr/>
+          <a:lstStyle/>
+          <a:p>
+            <a:endParaRPr lang="en-US" dirty="0"/>
+          </a:p>
+        </p:txBody>
+      </p:sp>
+      <p:sp>
+        <p:nvSpPr>
+          <p:cNvPr id="2" name="Title 1">
+            <a:extLst>
+              <a:ext uri="{FF2B5EF4-FFF2-40B4-BE49-F238E27FC236}">
+                <a16:creationId xmlns:a16="http://schemas.microsoft.com/office/drawing/2014/main" id="{D66E4308-8725-4F22-8640-9413B3B51C7D}"/>
+              </a:ext>
+            </a:extLst>
+          </p:cNvPr>
+          <p:cNvSpPr>
+            <a:spLocks noGrp="1"/>
+          </p:cNvSpPr>
+          <p:nvPr>
+            <p:ph type="title"/>
+          </p:nvPr>
+        </p:nvSpPr>
+        <p:spPr>
+          <a:xfrm>
+            <a:off x="673754" y="643467"/>
+            <a:ext cx="4203045" cy="1375608"/>
+          </a:xfrm>
+        </p:spPr>
+        <p:txBody>
+          <a:bodyPr anchor="ctr">
+            <a:normAutofit/>
+          </a:bodyPr>
+          <a:lstStyle/>
+          <a:p>
+            <a:r>
+              <a:rPr lang="en-US">
+                <a:solidFill>
+                  <a:schemeClr val="bg1"/>
+                </a:solidFill>
+              </a:rPr>
+              <a:t>Reading Data into Pandas</a:t>
+            </a:r>
+          </a:p>
+        </p:txBody>
+      </p:sp>
+      <p:sp>
+        <p:nvSpPr>
+          <p:cNvPr id="3" name="Content Placeholder 2">
+            <a:extLst>
+              <a:ext uri="{FF2B5EF4-FFF2-40B4-BE49-F238E27FC236}">
+                <a16:creationId xmlns:a16="http://schemas.microsoft.com/office/drawing/2014/main" id="{AE549EA2-12AF-4C52-8B3F-26D535DB26B4}"/>
+              </a:ext>
+            </a:extLst>
+          </p:cNvPr>
+          <p:cNvSpPr>
+            <a:spLocks noGrp="1"/>
+          </p:cNvSpPr>
+          <p:nvPr>
+            <p:ph idx="1"/>
+          </p:nvPr>
+        </p:nvSpPr>
+        <p:spPr>
+          <a:xfrm>
+            <a:off x="673754" y="2160590"/>
+            <a:ext cx="3973943" cy="3440110"/>
+          </a:xfrm>
+        </p:spPr>
+        <p:txBody>
+          <a:bodyPr>
+            <a:normAutofit/>
+          </a:bodyPr>
+          <a:lstStyle/>
+          <a:p>
+            <a:r>
+              <a:rPr lang="en-US" dirty="0">
+                <a:solidFill>
+                  <a:schemeClr val="bg1"/>
+                </a:solidFill>
+              </a:rPr>
+              <a:t>Challenging!</a:t>
+            </a:r>
+          </a:p>
+          <a:p>
+            <a:r>
+              <a:rPr lang="en-US" dirty="0">
+                <a:solidFill>
+                  <a:schemeClr val="bg1"/>
+                </a:solidFill>
+              </a:rPr>
+              <a:t>Recent years released data as CSV but most years are only available in fixed-with text files.</a:t>
+            </a:r>
+          </a:p>
+          <a:p>
+            <a:r>
+              <a:rPr lang="en-US" dirty="0">
+                <a:solidFill>
+                  <a:schemeClr val="bg1"/>
+                </a:solidFill>
+              </a:rPr>
+              <a:t>Here’s what it looked like:</a:t>
+            </a:r>
+          </a:p>
+          <a:p>
+            <a:endParaRPr lang="en-US" dirty="0">
+              <a:solidFill>
+                <a:schemeClr val="bg1"/>
+              </a:solidFill>
+            </a:endParaRPr>
           </a:p>
         </p:txBody>
       </p:sp>
       <p:pic>
         <p:nvPicPr>
-          <p:cNvPr id="5" name="Content Placeholder 4" descr="A screenshot of a cell phone&#10;&#10;Description automatically generated">
+          <p:cNvPr id="4" name="Picture 3">
             <a:extLst>
               <a:ext uri="{FF2B5EF4-FFF2-40B4-BE49-F238E27FC236}">
-                <a16:creationId xmlns:a16="http://schemas.microsoft.com/office/drawing/2014/main" id="{987A5F43-201F-47C1-8269-665044099E14}"/>
+                <a16:creationId xmlns:a16="http://schemas.microsoft.com/office/drawing/2014/main" id="{5A78CE49-F7A1-4516-B137-F5F178AD5048}"/>
               </a:ext>
             </a:extLst>
           </p:cNvPr>
           <p:cNvPicPr>
-            <a:picLocks noGrp="1" noChangeAspect="1"/>
+            <a:picLocks noChangeAspect="1"/>
           </p:cNvPicPr>
-          <p:nvPr>
-            <p:ph idx="1"/>
-          </p:nvPr>
+          <p:nvPr/>
         </p:nvPicPr>
         <p:blipFill rotWithShape="1">
           <a:blip r:embed="rId2"/>
-          <a:srcRect l="3280"/>
+          <a:srcRect l="7353" t="8728" r="26449" b="5918"/>
           <a:stretch/>
         </p:blipFill>
         <p:spPr>
           <a:xfrm>
-            <a:off x="568452" y="571500"/>
-            <a:ext cx="11055096" cy="5715000"/>
+            <a:off x="4948692" y="1321746"/>
+            <a:ext cx="6807004" cy="4936900"/>
+          </a:xfrm>
+          <a:prstGeom prst="rect">
+            <a:avLst/>
+          </a:prstGeom>
+        </p:spPr>
+      </p:pic>
+      <p:sp>
+        <p:nvSpPr>
+          <p:cNvPr id="15" name="Isosceles Triangle 14">
+            <a:extLst>
+              <a:ext uri="{FF2B5EF4-FFF2-40B4-BE49-F238E27FC236}">
+                <a16:creationId xmlns:a16="http://schemas.microsoft.com/office/drawing/2014/main" id="{B2205F6E-03C6-4E92-877C-E2482F6599AA}"/>
+              </a:ext>
+              <a:ext uri="{C183D7F6-B498-43B3-948B-1728B52AA6E4}">
+                <adec:decorative xmlns:adec="http://schemas.microsoft.com/office/drawing/2017/decorative" val="1"/>
+              </a:ext>
+            </a:extLst>
+          </p:cNvPr>
+          <p:cNvSpPr>
+            <a:spLocks noGrp="1" noRot="1" noChangeAspect="1" noMove="1" noResize="1" noEditPoints="1" noAdjustHandles="1" noChangeArrowheads="1" noChangeShapeType="1" noTextEdit="1"/>
+          </p:cNvSpPr>
+          <p:nvPr>
+            <p:extLst>
+              <p:ext uri="{386F3935-93C4-4BCD-93E2-E3B085C9AB24}">
+                <p16:designElem xmlns:p16="http://schemas.microsoft.com/office/powerpoint/2015/main" val="1"/>
+              </p:ext>
+            </p:extLst>
+          </p:nvPr>
+        </p:nvSpPr>
+        <p:spPr>
+          <a:xfrm flipH="1">
+            <a:off x="11755696" y="4013200"/>
+            <a:ext cx="448733" cy="2844800"/>
+          </a:xfrm>
+          <a:prstGeom prst="triangle">
+            <a:avLst>
+              <a:gd name="adj" fmla="val 0"/>
+            </a:avLst>
+          </a:prstGeom>
+          <a:solidFill>
+            <a:schemeClr val="accent1">
+              <a:alpha val="85000"/>
+            </a:schemeClr>
+          </a:solidFill>
+          <a:ln>
+            <a:noFill/>
+          </a:ln>
+          <a:effectLst/>
+        </p:spPr>
+        <p:style>
+          <a:lnRef idx="1">
+            <a:schemeClr val="accent1"/>
+          </a:lnRef>
+          <a:fillRef idx="3">
+            <a:schemeClr val="accent1"/>
+          </a:fillRef>
+          <a:effectRef idx="2">
+            <a:schemeClr val="accent1"/>
+          </a:effectRef>
+          <a:fontRef idx="minor">
+            <a:schemeClr val="lt1"/>
+          </a:fontRef>
+        </p:style>
+        <p:txBody>
+          <a:bodyPr/>
+          <a:lstStyle/>
+          <a:p>
+            <a:endParaRPr lang="en-US" dirty="0"/>
+          </a:p>
+        </p:txBody>
+      </p:sp>
+    </p:spTree>
+    <p:extLst>
+      <p:ext uri="{BB962C8B-B14F-4D97-AF65-F5344CB8AC3E}">
+        <p14:creationId xmlns:p14="http://schemas.microsoft.com/office/powerpoint/2010/main" val="3847789186"/>
+      </p:ext>
+    </p:extLst>
+  </p:cSld>
+  <p:clrMapOvr>
+    <a:masterClrMapping/>
+  </p:clrMapOvr>
+</p:sld>
+</file>
+
+<file path=ppt/slides/slide6.xml><?xml version="1.0" encoding="utf-8"?>
+<p:sld xmlns:a="http://schemas.openxmlformats.org/drawingml/2006/main" xmlns:r="http://schemas.openxmlformats.org/officeDocument/2006/relationships" xmlns:p="http://schemas.openxmlformats.org/presentationml/2006/main">
+  <p:cSld>
+    <p:bg>
+      <p:bgPr>
+        <a:solidFill>
+          <a:schemeClr val="bg1"/>
+        </a:solidFill>
+        <a:effectLst/>
+      </p:bgPr>
+    </p:bg>
+    <p:spTree>
+      <p:nvGrpSpPr>
+        <p:cNvPr id="1" name=""/>
+        <p:cNvGrpSpPr/>
+        <p:nvPr/>
+      </p:nvGrpSpPr>
+      <p:grpSpPr>
+        <a:xfrm>
+          <a:off x="0" y="0"/>
+          <a:ext cx="0" cy="0"/>
+          <a:chOff x="0" y="0"/>
+          <a:chExt cx="0" cy="0"/>
+        </a:xfrm>
+      </p:grpSpPr>
+      <p:sp>
+        <p:nvSpPr>
+          <p:cNvPr id="2" name="Title 1">
+            <a:extLst>
+              <a:ext uri="{FF2B5EF4-FFF2-40B4-BE49-F238E27FC236}">
+                <a16:creationId xmlns:a16="http://schemas.microsoft.com/office/drawing/2014/main" id="{D66E4308-8725-4F22-8640-9413B3B51C7D}"/>
+              </a:ext>
+            </a:extLst>
+          </p:cNvPr>
+          <p:cNvSpPr>
+            <a:spLocks noGrp="1"/>
+          </p:cNvSpPr>
+          <p:nvPr>
+            <p:ph type="title"/>
+          </p:nvPr>
+        </p:nvSpPr>
+        <p:spPr>
+          <a:xfrm>
+            <a:off x="677333" y="609600"/>
+            <a:ext cx="3851123" cy="1320800"/>
+          </a:xfrm>
+        </p:spPr>
+        <p:txBody>
+          <a:bodyPr>
+            <a:normAutofit/>
+          </a:bodyPr>
+          <a:lstStyle/>
+          <a:p>
+            <a:r>
+              <a:rPr lang="en-US" sz="3300"/>
+              <a:t>Reading Data into Pandas (Continued)</a:t>
+            </a:r>
+          </a:p>
+        </p:txBody>
+      </p:sp>
+      <p:sp>
+        <p:nvSpPr>
+          <p:cNvPr id="3" name="Content Placeholder 2">
+            <a:extLst>
+              <a:ext uri="{FF2B5EF4-FFF2-40B4-BE49-F238E27FC236}">
+                <a16:creationId xmlns:a16="http://schemas.microsoft.com/office/drawing/2014/main" id="{AE549EA2-12AF-4C52-8B3F-26D535DB26B4}"/>
+              </a:ext>
+            </a:extLst>
+          </p:cNvPr>
+          <p:cNvSpPr>
+            <a:spLocks noGrp="1"/>
+          </p:cNvSpPr>
+          <p:nvPr>
+            <p:ph idx="1"/>
+          </p:nvPr>
+        </p:nvSpPr>
+        <p:spPr>
+          <a:xfrm>
+            <a:off x="677334" y="2160589"/>
+            <a:ext cx="3851122" cy="3880773"/>
+          </a:xfrm>
+        </p:spPr>
+        <p:txBody>
+          <a:bodyPr>
+            <a:normAutofit/>
+          </a:bodyPr>
+          <a:lstStyle/>
+          <a:p>
+            <a:pPr>
+              <a:lnSpc>
+                <a:spcPct val="90000"/>
+              </a:lnSpc>
+            </a:pPr>
+            <a:r>
+              <a:rPr lang="en-US" dirty="0"/>
+              <a:t>What we had:  Ready-made programs for SAS, Stata, and SPSS but nothing for Python</a:t>
+            </a:r>
+          </a:p>
+          <a:p>
+            <a:pPr>
+              <a:lnSpc>
+                <a:spcPct val="90000"/>
+              </a:lnSpc>
+            </a:pPr>
+            <a:r>
+              <a:rPr lang="en-US" dirty="0"/>
+              <a:t>What we did:  Used Python to read the SAS program in as a text file</a:t>
+            </a:r>
+          </a:p>
+          <a:p>
+            <a:pPr>
+              <a:lnSpc>
+                <a:spcPct val="90000"/>
+              </a:lnSpc>
+            </a:pPr>
+            <a:r>
+              <a:rPr lang="en-US" dirty="0"/>
+              <a:t>We located the input statement that told us where each variable started and ended on the flat file.</a:t>
+            </a:r>
+          </a:p>
+          <a:p>
+            <a:pPr>
+              <a:lnSpc>
+                <a:spcPct val="90000"/>
+              </a:lnSpc>
+            </a:pPr>
+            <a:r>
+              <a:rPr lang="en-US" dirty="0"/>
+              <a:t>In case you’re wondering… this is what an input statement in SAS looks like:</a:t>
+            </a:r>
+          </a:p>
+          <a:p>
+            <a:pPr>
+              <a:lnSpc>
+                <a:spcPct val="90000"/>
+              </a:lnSpc>
+            </a:pPr>
+            <a:endParaRPr lang="en-US" dirty="0"/>
+          </a:p>
+          <a:p>
+            <a:pPr>
+              <a:lnSpc>
+                <a:spcPct val="90000"/>
+              </a:lnSpc>
+            </a:pPr>
+            <a:endParaRPr lang="en-US" dirty="0"/>
+          </a:p>
+        </p:txBody>
+      </p:sp>
+      <p:cxnSp>
+        <p:nvCxnSpPr>
+          <p:cNvPr id="10" name="Straight Connector 9">
+            <a:extLst>
+              <a:ext uri="{FF2B5EF4-FFF2-40B4-BE49-F238E27FC236}">
+                <a16:creationId xmlns:a16="http://schemas.microsoft.com/office/drawing/2014/main" id="{64FA5DFF-7FE6-4855-84E6-DFA78EE978BD}"/>
+              </a:ext>
+              <a:ext uri="{C183D7F6-B498-43B3-948B-1728B52AA6E4}">
+                <adec:decorative xmlns:adec="http://schemas.microsoft.com/office/drawing/2017/decorative" val="1"/>
+              </a:ext>
+            </a:extLst>
+          </p:cNvPr>
+          <p:cNvCxnSpPr>
+            <a:cxnSpLocks noGrp="1" noRot="1" noChangeAspect="1" noMove="1" noResize="1" noEditPoints="1" noAdjustHandles="1" noChangeArrowheads="1" noChangeShapeType="1"/>
+          </p:cNvCxnSpPr>
+          <p:nvPr>
+            <p:extLst>
+              <p:ext uri="{386F3935-93C4-4BCD-93E2-E3B085C9AB24}">
+                <p16:designElem xmlns:p16="http://schemas.microsoft.com/office/powerpoint/2015/main" val="1"/>
+              </p:ext>
+            </p:extLst>
+          </p:nvPr>
+        </p:nvCxnSpPr>
+        <p:spPr>
+          <a:xfrm>
+            <a:off x="9371012" y="0"/>
+            <a:ext cx="1219200" cy="6858000"/>
+          </a:xfrm>
+          <a:prstGeom prst="line">
+            <a:avLst/>
+          </a:prstGeom>
+          <a:ln w="9525">
+            <a:solidFill>
+              <a:schemeClr val="bg1">
+                <a:lumMod val="75000"/>
+              </a:schemeClr>
+            </a:solidFill>
+          </a:ln>
+        </p:spPr>
+        <p:style>
+          <a:lnRef idx="2">
+            <a:schemeClr val="accent1"/>
+          </a:lnRef>
+          <a:fillRef idx="0">
+            <a:schemeClr val="accent1"/>
+          </a:fillRef>
+          <a:effectRef idx="1">
+            <a:schemeClr val="accent1"/>
+          </a:effectRef>
+          <a:fontRef idx="minor">
+            <a:schemeClr val="tx1"/>
+          </a:fontRef>
+        </p:style>
+      </p:cxnSp>
+      <p:cxnSp>
+        <p:nvCxnSpPr>
+          <p:cNvPr id="12" name="Straight Connector 11">
+            <a:extLst>
+              <a:ext uri="{FF2B5EF4-FFF2-40B4-BE49-F238E27FC236}">
+                <a16:creationId xmlns:a16="http://schemas.microsoft.com/office/drawing/2014/main" id="{2AFD8CBA-54A3-4363-991B-B9C631BBFA74}"/>
+              </a:ext>
+              <a:ext uri="{C183D7F6-B498-43B3-948B-1728B52AA6E4}">
+                <adec:decorative xmlns:adec="http://schemas.microsoft.com/office/drawing/2017/decorative" val="1"/>
+              </a:ext>
+            </a:extLst>
+          </p:cNvPr>
+          <p:cNvCxnSpPr>
+            <a:cxnSpLocks noGrp="1" noRot="1" noChangeAspect="1" noMove="1" noResize="1" noEditPoints="1" noAdjustHandles="1" noChangeArrowheads="1" noChangeShapeType="1"/>
+          </p:cNvCxnSpPr>
+          <p:nvPr>
+            <p:extLst>
+              <p:ext uri="{386F3935-93C4-4BCD-93E2-E3B085C9AB24}">
+                <p16:designElem xmlns:p16="http://schemas.microsoft.com/office/powerpoint/2015/main" val="1"/>
+              </p:ext>
+            </p:extLst>
+          </p:nvPr>
+        </p:nvCxnSpPr>
+        <p:spPr>
+          <a:xfrm flipH="1">
+            <a:off x="7425267" y="3681413"/>
+            <a:ext cx="4763558" cy="3176587"/>
+          </a:xfrm>
+          <a:prstGeom prst="line">
+            <a:avLst/>
+          </a:prstGeom>
+          <a:ln w="9525">
+            <a:solidFill>
+              <a:schemeClr val="bg1">
+                <a:lumMod val="85000"/>
+              </a:schemeClr>
+            </a:solidFill>
+          </a:ln>
+        </p:spPr>
+        <p:style>
+          <a:lnRef idx="2">
+            <a:schemeClr val="accent1"/>
+          </a:lnRef>
+          <a:fillRef idx="0">
+            <a:schemeClr val="accent1"/>
+          </a:fillRef>
+          <a:effectRef idx="1">
+            <a:schemeClr val="accent1"/>
+          </a:effectRef>
+          <a:fontRef idx="minor">
+            <a:schemeClr val="tx1"/>
+          </a:fontRef>
+        </p:style>
+      </p:cxnSp>
+      <p:sp>
+        <p:nvSpPr>
+          <p:cNvPr id="14" name="Rectangle 23">
+            <a:extLst>
+              <a:ext uri="{FF2B5EF4-FFF2-40B4-BE49-F238E27FC236}">
+                <a16:creationId xmlns:a16="http://schemas.microsoft.com/office/drawing/2014/main" id="{3F088236-D655-4F88-B238-E16762358025}"/>
+              </a:ext>
+              <a:ext uri="{C183D7F6-B498-43B3-948B-1728B52AA6E4}">
+                <adec:decorative xmlns:adec="http://schemas.microsoft.com/office/drawing/2017/decorative" val="1"/>
+              </a:ext>
+            </a:extLst>
+          </p:cNvPr>
+          <p:cNvSpPr>
+            <a:spLocks noGrp="1" noRot="1" noChangeAspect="1" noMove="1" noResize="1" noEditPoints="1" noAdjustHandles="1" noChangeArrowheads="1" noChangeShapeType="1" noTextEdit="1"/>
+          </p:cNvSpPr>
+          <p:nvPr>
+            <p:extLst>
+              <p:ext uri="{386F3935-93C4-4BCD-93E2-E3B085C9AB24}">
+                <p16:designElem xmlns:p16="http://schemas.microsoft.com/office/powerpoint/2015/main" val="1"/>
+              </p:ext>
+            </p:extLst>
+          </p:nvPr>
+        </p:nvSpPr>
+        <p:spPr>
+          <a:xfrm>
+            <a:off x="9181476" y="-8467"/>
+            <a:ext cx="3007349" cy="6866467"/>
+          </a:xfrm>
+          <a:custGeom>
+            <a:avLst/>
+            <a:gdLst/>
+            <a:ahLst/>
+            <a:cxnLst/>
+            <a:rect l="l" t="t" r="r" b="b"/>
+            <a:pathLst>
+              <a:path w="3007349" h="6866467">
+                <a:moveTo>
+                  <a:pt x="2045532" y="0"/>
+                </a:moveTo>
+                <a:lnTo>
+                  <a:pt x="3007349" y="0"/>
+                </a:lnTo>
+                <a:lnTo>
+                  <a:pt x="3007349" y="6866467"/>
+                </a:lnTo>
+                <a:lnTo>
+                  <a:pt x="0" y="6866467"/>
+                </a:lnTo>
+                <a:lnTo>
+                  <a:pt x="2045532" y="0"/>
+                </a:lnTo>
+                <a:close/>
+              </a:path>
+            </a:pathLst>
+          </a:custGeom>
+          <a:solidFill>
+            <a:schemeClr val="accent1">
+              <a:alpha val="30000"/>
+            </a:schemeClr>
+          </a:solidFill>
+          <a:ln>
+            <a:noFill/>
+          </a:ln>
+          <a:effectLst/>
+        </p:spPr>
+        <p:style>
+          <a:lnRef idx="1">
+            <a:schemeClr val="accent1"/>
+          </a:lnRef>
+          <a:fillRef idx="3">
+            <a:schemeClr val="accent1"/>
+          </a:fillRef>
+          <a:effectRef idx="2">
+            <a:schemeClr val="accent1"/>
+          </a:effectRef>
+          <a:fontRef idx="minor">
+            <a:schemeClr val="lt1"/>
+          </a:fontRef>
+        </p:style>
+      </p:sp>
+      <p:sp>
+        <p:nvSpPr>
+          <p:cNvPr id="16" name="Rectangle 25">
+            <a:extLst>
+              <a:ext uri="{FF2B5EF4-FFF2-40B4-BE49-F238E27FC236}">
+                <a16:creationId xmlns:a16="http://schemas.microsoft.com/office/drawing/2014/main" id="{3DAC0C92-199E-475C-9390-119A9B027276}"/>
+              </a:ext>
+              <a:ext uri="{C183D7F6-B498-43B3-948B-1728B52AA6E4}">
+                <adec:decorative xmlns:adec="http://schemas.microsoft.com/office/drawing/2017/decorative" val="1"/>
+              </a:ext>
+            </a:extLst>
+          </p:cNvPr>
+          <p:cNvSpPr>
+            <a:spLocks noGrp="1" noRot="1" noChangeAspect="1" noMove="1" noResize="1" noEditPoints="1" noAdjustHandles="1" noChangeArrowheads="1" noChangeShapeType="1" noTextEdit="1"/>
+          </p:cNvSpPr>
+          <p:nvPr>
+            <p:extLst>
+              <p:ext uri="{386F3935-93C4-4BCD-93E2-E3B085C9AB24}">
+                <p16:designElem xmlns:p16="http://schemas.microsoft.com/office/powerpoint/2015/main" val="1"/>
+              </p:ext>
+            </p:extLst>
+          </p:nvPr>
+        </p:nvSpPr>
+        <p:spPr>
+          <a:xfrm>
+            <a:off x="9603442" y="-8467"/>
+            <a:ext cx="2588558" cy="6866467"/>
+          </a:xfrm>
+          <a:custGeom>
+            <a:avLst/>
+            <a:gdLst/>
+            <a:ahLst/>
+            <a:cxnLst/>
+            <a:rect l="l" t="t" r="r" b="b"/>
+            <a:pathLst>
+              <a:path w="2573311" h="6866467">
+                <a:moveTo>
+                  <a:pt x="0" y="0"/>
+                </a:moveTo>
+                <a:lnTo>
+                  <a:pt x="2573311" y="0"/>
+                </a:lnTo>
+                <a:lnTo>
+                  <a:pt x="2573311" y="6866467"/>
+                </a:lnTo>
+                <a:lnTo>
+                  <a:pt x="1202336" y="6866467"/>
+                </a:lnTo>
+                <a:lnTo>
+                  <a:pt x="0" y="0"/>
+                </a:lnTo>
+                <a:close/>
+              </a:path>
+            </a:pathLst>
+          </a:custGeom>
+          <a:solidFill>
+            <a:schemeClr val="accent1">
+              <a:alpha val="20000"/>
+            </a:schemeClr>
+          </a:solidFill>
+          <a:ln>
+            <a:noFill/>
+          </a:ln>
+          <a:effectLst/>
+        </p:spPr>
+        <p:style>
+          <a:lnRef idx="1">
+            <a:schemeClr val="accent1"/>
+          </a:lnRef>
+          <a:fillRef idx="3">
+            <a:schemeClr val="accent1"/>
+          </a:fillRef>
+          <a:effectRef idx="2">
+            <a:schemeClr val="accent1"/>
+          </a:effectRef>
+          <a:fontRef idx="minor">
+            <a:schemeClr val="lt1"/>
+          </a:fontRef>
+        </p:style>
+      </p:sp>
+      <p:sp>
+        <p:nvSpPr>
+          <p:cNvPr id="18" name="Isosceles Triangle 24">
+            <a:extLst>
+              <a:ext uri="{FF2B5EF4-FFF2-40B4-BE49-F238E27FC236}">
+                <a16:creationId xmlns:a16="http://schemas.microsoft.com/office/drawing/2014/main" id="{C4CFB339-0ED8-4FE2-9EF1-6D1375B8499B}"/>
+              </a:ext>
+              <a:ext uri="{C183D7F6-B498-43B3-948B-1728B52AA6E4}">
+                <adec:decorative xmlns:adec="http://schemas.microsoft.com/office/drawing/2017/decorative" val="1"/>
+              </a:ext>
+            </a:extLst>
+          </p:cNvPr>
+          <p:cNvSpPr>
+            <a:spLocks noGrp="1" noRot="1" noChangeAspect="1" noMove="1" noResize="1" noEditPoints="1" noAdjustHandles="1" noChangeArrowheads="1" noChangeShapeType="1" noTextEdit="1"/>
+          </p:cNvSpPr>
+          <p:nvPr>
+            <p:extLst>
+              <p:ext uri="{386F3935-93C4-4BCD-93E2-E3B085C9AB24}">
+                <p16:designElem xmlns:p16="http://schemas.microsoft.com/office/powerpoint/2015/main" val="1"/>
+              </p:ext>
+            </p:extLst>
+          </p:nvPr>
+        </p:nvSpPr>
+        <p:spPr>
+          <a:xfrm>
+            <a:off x="8932333" y="3048000"/>
+            <a:ext cx="3259667" cy="3810000"/>
+          </a:xfrm>
+          <a:prstGeom prst="triangle">
+            <a:avLst>
+              <a:gd name="adj" fmla="val 100000"/>
+            </a:avLst>
+          </a:prstGeom>
+          <a:solidFill>
+            <a:schemeClr val="accent2">
+              <a:alpha val="72000"/>
+            </a:schemeClr>
+          </a:solidFill>
+          <a:ln>
+            <a:noFill/>
+          </a:ln>
+          <a:effectLst/>
+        </p:spPr>
+        <p:style>
+          <a:lnRef idx="1">
+            <a:schemeClr val="accent1"/>
+          </a:lnRef>
+          <a:fillRef idx="3">
+            <a:schemeClr val="accent1"/>
+          </a:fillRef>
+          <a:effectRef idx="2">
+            <a:schemeClr val="accent1"/>
+          </a:effectRef>
+          <a:fontRef idx="minor">
+            <a:schemeClr val="lt1"/>
+          </a:fontRef>
+        </p:style>
+      </p:sp>
+      <p:sp>
+        <p:nvSpPr>
+          <p:cNvPr id="20" name="Rectangle 27">
+            <a:extLst>
+              <a:ext uri="{FF2B5EF4-FFF2-40B4-BE49-F238E27FC236}">
+                <a16:creationId xmlns:a16="http://schemas.microsoft.com/office/drawing/2014/main" id="{31896C80-2069-4431-9C19-83B913734490}"/>
+              </a:ext>
+              <a:ext uri="{C183D7F6-B498-43B3-948B-1728B52AA6E4}">
+                <adec:decorative xmlns:adec="http://schemas.microsoft.com/office/drawing/2017/decorative" val="1"/>
+              </a:ext>
+            </a:extLst>
+          </p:cNvPr>
+          <p:cNvSpPr>
+            <a:spLocks noGrp="1" noRot="1" noChangeAspect="1" noMove="1" noResize="1" noEditPoints="1" noAdjustHandles="1" noChangeArrowheads="1" noChangeShapeType="1" noTextEdit="1"/>
+          </p:cNvSpPr>
+          <p:nvPr>
+            <p:extLst>
+              <p:ext uri="{386F3935-93C4-4BCD-93E2-E3B085C9AB24}">
+                <p16:designElem xmlns:p16="http://schemas.microsoft.com/office/powerpoint/2015/main" val="1"/>
+              </p:ext>
+            </p:extLst>
+          </p:nvPr>
+        </p:nvSpPr>
+        <p:spPr>
+          <a:xfrm>
+            <a:off x="9334500" y="-8467"/>
+            <a:ext cx="2854326" cy="6866467"/>
+          </a:xfrm>
+          <a:custGeom>
+            <a:avLst/>
+            <a:gdLst/>
+            <a:ahLst/>
+            <a:cxnLst/>
+            <a:rect l="l" t="t" r="r" b="b"/>
+            <a:pathLst>
+              <a:path w="2858013" h="6866467">
+                <a:moveTo>
+                  <a:pt x="0" y="0"/>
+                </a:moveTo>
+                <a:lnTo>
+                  <a:pt x="2858013" y="0"/>
+                </a:lnTo>
+                <a:lnTo>
+                  <a:pt x="2858013" y="6866467"/>
+                </a:lnTo>
+                <a:lnTo>
+                  <a:pt x="2473942" y="6866467"/>
+                </a:lnTo>
+                <a:lnTo>
+                  <a:pt x="0" y="0"/>
+                </a:lnTo>
+                <a:close/>
+              </a:path>
+            </a:pathLst>
+          </a:custGeom>
+          <a:solidFill>
+            <a:schemeClr val="accent2">
+              <a:lumMod val="75000"/>
+              <a:alpha val="47000"/>
+            </a:schemeClr>
+          </a:solidFill>
+          <a:ln>
+            <a:noFill/>
+          </a:ln>
+          <a:effectLst/>
+        </p:spPr>
+        <p:style>
+          <a:lnRef idx="1">
+            <a:schemeClr val="accent1"/>
+          </a:lnRef>
+          <a:fillRef idx="3">
+            <a:schemeClr val="accent1"/>
+          </a:fillRef>
+          <a:effectRef idx="2">
+            <a:schemeClr val="accent1"/>
+          </a:effectRef>
+          <a:fontRef idx="minor">
+            <a:schemeClr val="lt1"/>
+          </a:fontRef>
+        </p:style>
+      </p:sp>
+      <p:sp>
+        <p:nvSpPr>
+          <p:cNvPr id="22" name="Rectangle 28">
+            <a:extLst>
+              <a:ext uri="{FF2B5EF4-FFF2-40B4-BE49-F238E27FC236}">
+                <a16:creationId xmlns:a16="http://schemas.microsoft.com/office/drawing/2014/main" id="{BF120A21-0841-4823-B0C4-28AEBCEF9B78}"/>
+              </a:ext>
+              <a:ext uri="{C183D7F6-B498-43B3-948B-1728B52AA6E4}">
+                <adec:decorative xmlns:adec="http://schemas.microsoft.com/office/drawing/2017/decorative" val="1"/>
+              </a:ext>
+            </a:extLst>
+          </p:cNvPr>
+          <p:cNvSpPr>
+            <a:spLocks noGrp="1" noRot="1" noChangeAspect="1" noMove="1" noResize="1" noEditPoints="1" noAdjustHandles="1" noChangeArrowheads="1" noChangeShapeType="1" noTextEdit="1"/>
+          </p:cNvSpPr>
+          <p:nvPr>
+            <p:extLst>
+              <p:ext uri="{386F3935-93C4-4BCD-93E2-E3B085C9AB24}">
+                <p16:designElem xmlns:p16="http://schemas.microsoft.com/office/powerpoint/2015/main" val="1"/>
+              </p:ext>
+            </p:extLst>
+          </p:nvPr>
+        </p:nvSpPr>
+        <p:spPr>
+          <a:xfrm>
+            <a:off x="10898730" y="-8467"/>
+            <a:ext cx="1290094" cy="6866467"/>
+          </a:xfrm>
+          <a:custGeom>
+            <a:avLst/>
+            <a:gdLst/>
+            <a:ahLst/>
+            <a:cxnLst/>
+            <a:rect l="l" t="t" r="r" b="b"/>
+            <a:pathLst>
+              <a:path w="1290094" h="6858000">
+                <a:moveTo>
+                  <a:pt x="1019735" y="0"/>
+                </a:moveTo>
+                <a:lnTo>
+                  <a:pt x="1290094" y="0"/>
+                </a:lnTo>
+                <a:lnTo>
+                  <a:pt x="1290094" y="6858000"/>
+                </a:lnTo>
+                <a:lnTo>
+                  <a:pt x="0" y="6858000"/>
+                </a:lnTo>
+                <a:lnTo>
+                  <a:pt x="1019735" y="0"/>
+                </a:lnTo>
+                <a:close/>
+              </a:path>
+            </a:pathLst>
+          </a:custGeom>
+          <a:solidFill>
+            <a:schemeClr val="accent1">
+              <a:lumMod val="60000"/>
+              <a:lumOff val="40000"/>
+              <a:alpha val="70000"/>
+            </a:schemeClr>
+          </a:solidFill>
+          <a:ln>
+            <a:noFill/>
+          </a:ln>
+          <a:effectLst/>
+        </p:spPr>
+        <p:style>
+          <a:lnRef idx="1">
+            <a:schemeClr val="accent1"/>
+          </a:lnRef>
+          <a:fillRef idx="3">
+            <a:schemeClr val="accent1"/>
+          </a:fillRef>
+          <a:effectRef idx="2">
+            <a:schemeClr val="accent1"/>
+          </a:effectRef>
+          <a:fontRef idx="minor">
+            <a:schemeClr val="lt1"/>
+          </a:fontRef>
+        </p:style>
+      </p:sp>
+      <p:sp>
+        <p:nvSpPr>
+          <p:cNvPr id="24" name="Rectangle 29">
+            <a:extLst>
+              <a:ext uri="{FF2B5EF4-FFF2-40B4-BE49-F238E27FC236}">
+                <a16:creationId xmlns:a16="http://schemas.microsoft.com/office/drawing/2014/main" id="{DBB05BAE-BBD3-4289-899F-A6851503C6B0}"/>
+              </a:ext>
+              <a:ext uri="{C183D7F6-B498-43B3-948B-1728B52AA6E4}">
+                <adec:decorative xmlns:adec="http://schemas.microsoft.com/office/drawing/2017/decorative" val="1"/>
+              </a:ext>
+            </a:extLst>
+          </p:cNvPr>
+          <p:cNvSpPr>
+            <a:spLocks noGrp="1" noRot="1" noChangeAspect="1" noMove="1" noResize="1" noEditPoints="1" noAdjustHandles="1" noChangeArrowheads="1" noChangeShapeType="1" noTextEdit="1"/>
+          </p:cNvSpPr>
+          <p:nvPr>
+            <p:extLst>
+              <p:ext uri="{386F3935-93C4-4BCD-93E2-E3B085C9AB24}">
+                <p16:designElem xmlns:p16="http://schemas.microsoft.com/office/powerpoint/2015/main" val="1"/>
+              </p:ext>
+            </p:extLst>
+          </p:nvPr>
+        </p:nvSpPr>
+        <p:spPr>
+          <a:xfrm>
+            <a:off x="10938999" y="-8467"/>
+            <a:ext cx="1249825" cy="6866467"/>
+          </a:xfrm>
+          <a:custGeom>
+            <a:avLst/>
+            <a:gdLst/>
+            <a:ahLst/>
+            <a:cxnLst/>
+            <a:rect l="l" t="t" r="r" b="b"/>
+            <a:pathLst>
+              <a:path w="1249825" h="6858000">
+                <a:moveTo>
+                  <a:pt x="0" y="0"/>
+                </a:moveTo>
+                <a:lnTo>
+                  <a:pt x="1249825" y="0"/>
+                </a:lnTo>
+                <a:lnTo>
+                  <a:pt x="1249825" y="6858000"/>
+                </a:lnTo>
+                <a:lnTo>
+                  <a:pt x="1109382" y="6858000"/>
+                </a:lnTo>
+                <a:lnTo>
+                  <a:pt x="0" y="0"/>
+                </a:lnTo>
+                <a:close/>
+              </a:path>
+            </a:pathLst>
+          </a:custGeom>
+          <a:solidFill>
+            <a:schemeClr val="accent1">
+              <a:alpha val="65000"/>
+            </a:schemeClr>
+          </a:solidFill>
+          <a:ln>
+            <a:noFill/>
+          </a:ln>
+          <a:effectLst/>
+        </p:spPr>
+        <p:style>
+          <a:lnRef idx="1">
+            <a:schemeClr val="accent1"/>
+          </a:lnRef>
+          <a:fillRef idx="3">
+            <a:schemeClr val="accent1"/>
+          </a:fillRef>
+          <a:effectRef idx="2">
+            <a:schemeClr val="accent1"/>
+          </a:effectRef>
+          <a:fontRef idx="minor">
+            <a:schemeClr val="lt1"/>
+          </a:fontRef>
+        </p:style>
+      </p:sp>
+      <p:sp>
+        <p:nvSpPr>
+          <p:cNvPr id="26" name="Isosceles Triangle 29">
+            <a:extLst>
+              <a:ext uri="{FF2B5EF4-FFF2-40B4-BE49-F238E27FC236}">
+                <a16:creationId xmlns:a16="http://schemas.microsoft.com/office/drawing/2014/main" id="{9874D11C-36F5-4BBE-A490-019A54E953B0}"/>
+              </a:ext>
+              <a:ext uri="{C183D7F6-B498-43B3-948B-1728B52AA6E4}">
+                <adec:decorative xmlns:adec="http://schemas.microsoft.com/office/drawing/2017/decorative" val="1"/>
+              </a:ext>
+            </a:extLst>
+          </p:cNvPr>
+          <p:cNvSpPr>
+            <a:spLocks noGrp="1" noRot="1" noChangeAspect="1" noMove="1" noResize="1" noEditPoints="1" noAdjustHandles="1" noChangeArrowheads="1" noChangeShapeType="1" noTextEdit="1"/>
+          </p:cNvSpPr>
+          <p:nvPr>
+            <p:extLst>
+              <p:ext uri="{386F3935-93C4-4BCD-93E2-E3B085C9AB24}">
+                <p16:designElem xmlns:p16="http://schemas.microsoft.com/office/powerpoint/2015/main" val="1"/>
+              </p:ext>
+            </p:extLst>
+          </p:nvPr>
+        </p:nvSpPr>
+        <p:spPr>
+          <a:xfrm>
+            <a:off x="10371666" y="3589867"/>
+            <a:ext cx="1817159" cy="3268133"/>
+          </a:xfrm>
+          <a:prstGeom prst="triangle">
+            <a:avLst>
+              <a:gd name="adj" fmla="val 100000"/>
+            </a:avLst>
+          </a:prstGeom>
+          <a:solidFill>
+            <a:schemeClr val="accent1">
+              <a:alpha val="80000"/>
+            </a:schemeClr>
+          </a:solidFill>
+          <a:ln>
+            <a:noFill/>
+          </a:ln>
+          <a:effectLst/>
+        </p:spPr>
+        <p:style>
+          <a:lnRef idx="1">
+            <a:schemeClr val="accent1"/>
+          </a:lnRef>
+          <a:fillRef idx="3">
+            <a:schemeClr val="accent1"/>
+          </a:fillRef>
+          <a:effectRef idx="2">
+            <a:schemeClr val="accent1"/>
+          </a:effectRef>
+          <a:fontRef idx="minor">
+            <a:schemeClr val="lt1"/>
+          </a:fontRef>
+        </p:style>
+      </p:sp>
+      <p:pic>
+        <p:nvPicPr>
+          <p:cNvPr id="7" name="Picture 6" descr="A screenshot of a computer screen&#10;&#10;Description automatically generated">
+            <a:extLst>
+              <a:ext uri="{FF2B5EF4-FFF2-40B4-BE49-F238E27FC236}">
+                <a16:creationId xmlns:a16="http://schemas.microsoft.com/office/drawing/2014/main" id="{01D9428C-0311-4107-A0F7-EE2118969716}"/>
+              </a:ext>
+            </a:extLst>
+          </p:cNvPr>
+          <p:cNvPicPr>
+            <a:picLocks noChangeAspect="1"/>
+          </p:cNvPicPr>
+          <p:nvPr/>
+        </p:nvPicPr>
+        <p:blipFill rotWithShape="1">
+          <a:blip r:embed="rId2"/>
+          <a:srcRect l="2844" t="7475" r="61054" b="20034"/>
+          <a:stretch/>
+        </p:blipFill>
+        <p:spPr>
+          <a:xfrm>
+            <a:off x="5372369" y="399477"/>
+            <a:ext cx="5490118" cy="6200863"/>
           </a:xfrm>
           <a:prstGeom prst="rect">
             <a:avLst/>
@@ -36900,7 +38357,354 @@
     </p:spTree>
     <p:extLst>
       <p:ext uri="{BB962C8B-B14F-4D97-AF65-F5344CB8AC3E}">
-        <p14:creationId xmlns:p14="http://schemas.microsoft.com/office/powerpoint/2010/main" val="2956984533"/>
+        <p14:creationId xmlns:p14="http://schemas.microsoft.com/office/powerpoint/2010/main" val="4105955819"/>
+      </p:ext>
+    </p:extLst>
+  </p:cSld>
+  <p:clrMapOvr>
+    <a:masterClrMapping/>
+  </p:clrMapOvr>
+</p:sld>
+</file>
+
+<file path=ppt/slides/slide7.xml><?xml version="1.0" encoding="utf-8"?>
+<p:sld xmlns:a="http://schemas.openxmlformats.org/drawingml/2006/main" xmlns:r="http://schemas.openxmlformats.org/officeDocument/2006/relationships" xmlns:p="http://schemas.openxmlformats.org/presentationml/2006/main">
+  <p:cSld>
+    <p:spTree>
+      <p:nvGrpSpPr>
+        <p:cNvPr id="1" name=""/>
+        <p:cNvGrpSpPr/>
+        <p:nvPr/>
+      </p:nvGrpSpPr>
+      <p:grpSpPr>
+        <a:xfrm>
+          <a:off x="0" y="0"/>
+          <a:ext cx="0" cy="0"/>
+          <a:chOff x="0" y="0"/>
+          <a:chExt cx="0" cy="0"/>
+        </a:xfrm>
+      </p:grpSpPr>
+      <p:sp>
+        <p:nvSpPr>
+          <p:cNvPr id="2" name="Title 1">
+            <a:extLst>
+              <a:ext uri="{FF2B5EF4-FFF2-40B4-BE49-F238E27FC236}">
+                <a16:creationId xmlns:a16="http://schemas.microsoft.com/office/drawing/2014/main" id="{D66E4308-8725-4F22-8640-9413B3B51C7D}"/>
+              </a:ext>
+            </a:extLst>
+          </p:cNvPr>
+          <p:cNvSpPr>
+            <a:spLocks noGrp="1"/>
+          </p:cNvSpPr>
+          <p:nvPr>
+            <p:ph type="title"/>
+          </p:nvPr>
+        </p:nvSpPr>
+        <p:spPr/>
+        <p:txBody>
+          <a:bodyPr/>
+          <a:lstStyle/>
+          <a:p>
+            <a:r>
+              <a:rPr lang="en-US" dirty="0"/>
+              <a:t>Reading Data into Pandas (Continued)</a:t>
+            </a:r>
+          </a:p>
+        </p:txBody>
+      </p:sp>
+      <p:sp>
+        <p:nvSpPr>
+          <p:cNvPr id="3" name="Content Placeholder 2">
+            <a:extLst>
+              <a:ext uri="{FF2B5EF4-FFF2-40B4-BE49-F238E27FC236}">
+                <a16:creationId xmlns:a16="http://schemas.microsoft.com/office/drawing/2014/main" id="{AE549EA2-12AF-4C52-8B3F-26D535DB26B4}"/>
+              </a:ext>
+            </a:extLst>
+          </p:cNvPr>
+          <p:cNvSpPr>
+            <a:spLocks noGrp="1"/>
+          </p:cNvSpPr>
+          <p:nvPr>
+            <p:ph idx="1"/>
+          </p:nvPr>
+        </p:nvSpPr>
+        <p:spPr>
+          <a:xfrm>
+            <a:off x="677334" y="1648489"/>
+            <a:ext cx="8596668" cy="3880773"/>
+          </a:xfrm>
+        </p:spPr>
+        <p:txBody>
+          <a:bodyPr/>
+          <a:lstStyle/>
+          <a:p>
+            <a:r>
+              <a:rPr lang="en-US" dirty="0"/>
+              <a:t>Fortunately, plain text is kind of easy to deal with and any program is just a plain text file.</a:t>
+            </a:r>
+          </a:p>
+          <a:p>
+            <a:r>
+              <a:rPr lang="en-US" dirty="0"/>
+              <a:t>We located the input statement that told us where each variable started and ended on the flat file.</a:t>
+            </a:r>
+          </a:p>
+          <a:p>
+            <a:r>
+              <a:rPr lang="en-US" dirty="0"/>
+              <a:t>We put that information into a list that we could feed into a pandas function.</a:t>
+            </a:r>
+          </a:p>
+          <a:p>
+            <a:r>
+              <a:rPr lang="en-US" dirty="0"/>
+              <a:t>So now, one line of code read in all that </a:t>
+            </a:r>
+            <a:r>
+              <a:rPr lang="en-US" dirty="0" err="1"/>
+              <a:t>gobblygook</a:t>
+            </a:r>
+            <a:r>
+              <a:rPr lang="en-US" dirty="0"/>
+              <a:t>!</a:t>
+            </a:r>
+          </a:p>
+          <a:p>
+            <a:r>
+              <a:rPr lang="en-US" dirty="0"/>
+              <a:t>Because we had the SAS program for each year, we could now read in any year we wanted to!</a:t>
+            </a:r>
+          </a:p>
+          <a:p>
+            <a:endParaRPr lang="en-US" dirty="0"/>
+          </a:p>
+          <a:p>
+            <a:endParaRPr lang="en-US" dirty="0"/>
+          </a:p>
+        </p:txBody>
+      </p:sp>
+      <p:pic>
+        <p:nvPicPr>
+          <p:cNvPr id="5" name="Picture 4" descr="A screenshot of a computer&#10;&#10;Description automatically generated">
+            <a:extLst>
+              <a:ext uri="{FF2B5EF4-FFF2-40B4-BE49-F238E27FC236}">
+                <a16:creationId xmlns:a16="http://schemas.microsoft.com/office/drawing/2014/main" id="{BA237A73-0EA0-4BAA-9A45-C6F3500C1C3D}"/>
+              </a:ext>
+            </a:extLst>
+          </p:cNvPr>
+          <p:cNvPicPr>
+            <a:picLocks noChangeAspect="1"/>
+          </p:cNvPicPr>
+          <p:nvPr/>
+        </p:nvPicPr>
+        <p:blipFill rotWithShape="1">
+          <a:blip r:embed="rId2"/>
+          <a:srcRect l="13360" t="40833" r="13828" b="31250"/>
+          <a:stretch/>
+        </p:blipFill>
+        <p:spPr>
+          <a:xfrm>
+            <a:off x="305016" y="4457700"/>
+            <a:ext cx="11129751" cy="2400300"/>
+          </a:xfrm>
+          <a:prstGeom prst="rect">
+            <a:avLst/>
+          </a:prstGeom>
+        </p:spPr>
+      </p:pic>
+    </p:spTree>
+    <p:extLst>
+      <p:ext uri="{BB962C8B-B14F-4D97-AF65-F5344CB8AC3E}">
+        <p14:creationId xmlns:p14="http://schemas.microsoft.com/office/powerpoint/2010/main" val="1857662120"/>
+      </p:ext>
+    </p:extLst>
+  </p:cSld>
+  <p:clrMapOvr>
+    <a:masterClrMapping/>
+  </p:clrMapOvr>
+</p:sld>
+</file>
+
+<file path=ppt/slides/slide8.xml><?xml version="1.0" encoding="utf-8"?>
+<p:sld xmlns:a="http://schemas.openxmlformats.org/drawingml/2006/main" xmlns:r="http://schemas.openxmlformats.org/officeDocument/2006/relationships" xmlns:p="http://schemas.openxmlformats.org/presentationml/2006/main">
+  <p:cSld>
+    <p:spTree>
+      <p:nvGrpSpPr>
+        <p:cNvPr id="1" name=""/>
+        <p:cNvGrpSpPr/>
+        <p:nvPr/>
+      </p:nvGrpSpPr>
+      <p:grpSpPr>
+        <a:xfrm>
+          <a:off x="0" y="0"/>
+          <a:ext cx="0" cy="0"/>
+          <a:chOff x="0" y="0"/>
+          <a:chExt cx="0" cy="0"/>
+        </a:xfrm>
+      </p:grpSpPr>
+      <p:sp>
+        <p:nvSpPr>
+          <p:cNvPr id="2" name="Title 1">
+            <a:extLst>
+              <a:ext uri="{FF2B5EF4-FFF2-40B4-BE49-F238E27FC236}">
+                <a16:creationId xmlns:a16="http://schemas.microsoft.com/office/drawing/2014/main" id="{94B9EC2D-F10B-481D-90A3-840CAEAD6D43}"/>
+              </a:ext>
+            </a:extLst>
+          </p:cNvPr>
+          <p:cNvSpPr>
+            <a:spLocks noGrp="1"/>
+          </p:cNvSpPr>
+          <p:nvPr>
+            <p:ph type="title"/>
+          </p:nvPr>
+        </p:nvSpPr>
+        <p:spPr>
+          <a:xfrm>
+            <a:off x="1538468" y="2962182"/>
+            <a:ext cx="8596668" cy="1320800"/>
+          </a:xfrm>
+        </p:spPr>
+        <p:txBody>
+          <a:bodyPr>
+            <a:normAutofit fontScale="90000"/>
+          </a:bodyPr>
+          <a:lstStyle/>
+          <a:p>
+            <a:pPr algn="ctr"/>
+            <a:r>
+              <a:rPr lang="en-US" dirty="0"/>
+              <a:t>PHEW!</a:t>
+            </a:r>
+            <a:br>
+              <a:rPr lang="en-US" dirty="0"/>
+            </a:br>
+            <a:br>
+              <a:rPr lang="en-US" dirty="0"/>
+            </a:br>
+            <a:r>
+              <a:rPr lang="en-US" dirty="0"/>
+              <a:t>Oh wait.. We’re not done…</a:t>
+            </a:r>
+          </a:p>
+        </p:txBody>
+      </p:sp>
+    </p:spTree>
+    <p:extLst>
+      <p:ext uri="{BB962C8B-B14F-4D97-AF65-F5344CB8AC3E}">
+        <p14:creationId xmlns:p14="http://schemas.microsoft.com/office/powerpoint/2010/main" val="1765690188"/>
+      </p:ext>
+    </p:extLst>
+  </p:cSld>
+  <p:clrMapOvr>
+    <a:masterClrMapping/>
+  </p:clrMapOvr>
+</p:sld>
+</file>
+
+<file path=ppt/slides/slide9.xml><?xml version="1.0" encoding="utf-8"?>
+<p:sld xmlns:a="http://schemas.openxmlformats.org/drawingml/2006/main" xmlns:r="http://schemas.openxmlformats.org/officeDocument/2006/relationships" xmlns:p="http://schemas.openxmlformats.org/presentationml/2006/main">
+  <p:cSld>
+    <p:spTree>
+      <p:nvGrpSpPr>
+        <p:cNvPr id="1" name=""/>
+        <p:cNvGrpSpPr/>
+        <p:nvPr/>
+      </p:nvGrpSpPr>
+      <p:grpSpPr>
+        <a:xfrm>
+          <a:off x="0" y="0"/>
+          <a:ext cx="0" cy="0"/>
+          <a:chOff x="0" y="0"/>
+          <a:chExt cx="0" cy="0"/>
+        </a:xfrm>
+      </p:grpSpPr>
+      <p:sp>
+        <p:nvSpPr>
+          <p:cNvPr id="2" name="Title 1">
+            <a:extLst>
+              <a:ext uri="{FF2B5EF4-FFF2-40B4-BE49-F238E27FC236}">
+                <a16:creationId xmlns:a16="http://schemas.microsoft.com/office/drawing/2014/main" id="{50AAE618-E765-4F5E-B512-976A6A216458}"/>
+              </a:ext>
+            </a:extLst>
+          </p:cNvPr>
+          <p:cNvSpPr>
+            <a:spLocks noGrp="1"/>
+          </p:cNvSpPr>
+          <p:nvPr>
+            <p:ph type="title"/>
+          </p:nvPr>
+        </p:nvSpPr>
+        <p:spPr/>
+        <p:txBody>
+          <a:bodyPr/>
+          <a:lstStyle/>
+          <a:p>
+            <a:r>
+              <a:rPr lang="en-US" dirty="0"/>
+              <a:t>Analyzing the Data– </a:t>
+            </a:r>
+            <a:br>
+              <a:rPr lang="en-US" dirty="0"/>
+            </a:br>
+            <a:r>
+              <a:rPr lang="en-US" dirty="0"/>
+              <a:t>One step forward… two steps back</a:t>
+            </a:r>
+          </a:p>
+        </p:txBody>
+      </p:sp>
+      <p:sp>
+        <p:nvSpPr>
+          <p:cNvPr id="3" name="Content Placeholder 2">
+            <a:extLst>
+              <a:ext uri="{FF2B5EF4-FFF2-40B4-BE49-F238E27FC236}">
+                <a16:creationId xmlns:a16="http://schemas.microsoft.com/office/drawing/2014/main" id="{4B734037-0205-4442-BB9F-27E2C281CD94}"/>
+              </a:ext>
+            </a:extLst>
+          </p:cNvPr>
+          <p:cNvSpPr>
+            <a:spLocks noGrp="1"/>
+          </p:cNvSpPr>
+          <p:nvPr>
+            <p:ph idx="1"/>
+          </p:nvPr>
+        </p:nvSpPr>
+        <p:spPr/>
+        <p:txBody>
+          <a:bodyPr>
+            <a:normAutofit lnSpcReduction="10000"/>
+          </a:bodyPr>
+          <a:lstStyle/>
+          <a:p>
+            <a:r>
+              <a:rPr lang="en-US" sz="2400" dirty="0"/>
+              <a:t>We found that not all years had the information we needed.</a:t>
+            </a:r>
+          </a:p>
+          <a:p>
+            <a:r>
+              <a:rPr lang="en-US" sz="2400" dirty="0"/>
+              <a:t>In particular, the food-security questions in recent surveys did not exist in earlier ones and we had to re-think that analysis.</a:t>
+            </a:r>
+          </a:p>
+          <a:p>
+            <a:r>
+              <a:rPr lang="en-US" sz="2400" dirty="0"/>
+              <a:t>There were several survey design changes over the years that made recent data different enough from the earlier years that we couldn’t trend backwards past 2006.</a:t>
+            </a:r>
+          </a:p>
+          <a:p>
+            <a:r>
+              <a:rPr lang="en-US" sz="2400" dirty="0"/>
+              <a:t>We had to reduce the scope of what we wanted to do initially.</a:t>
+            </a:r>
+          </a:p>
+        </p:txBody>
+      </p:sp>
+    </p:spTree>
+    <p:extLst>
+      <p:ext uri="{BB962C8B-B14F-4D97-AF65-F5344CB8AC3E}">
+        <p14:creationId xmlns:p14="http://schemas.microsoft.com/office/powerpoint/2010/main" val="2329068266"/>
       </p:ext>
     </p:extLst>
   </p:cSld>
